--- a/@Test/_structure/Data Structure and UML Diagram of QuantPy.pptx
+++ b/@Test/_structure/Data Structure and UML Diagram of QuantPy.pptx
@@ -2,14 +2,21 @@
 <file path=ppt/presentation.xml><?xml version="1.0" encoding="utf-8"?>
 <p:presentation xmlns:a="http://schemas.openxmlformats.org/drawingml/2006/main" xmlns:r="http://schemas.openxmlformats.org/officeDocument/2006/relationships" xmlns:p="http://schemas.openxmlformats.org/presentationml/2006/main" saveSubsetFonts="1">
   <p:sldMasterIdLst>
-    <p:sldMasterId id="2147483672" r:id="rId1"/>
+    <p:sldMasterId id="2147483684" r:id="rId1"/>
   </p:sldMasterIdLst>
+  <p:notesMasterIdLst>
+    <p:notesMasterId r:id="rId9"/>
+  </p:notesMasterIdLst>
   <p:sldIdLst>
     <p:sldId id="256" r:id="rId2"/>
-    <p:sldId id="263" r:id="rId3"/>
-    <p:sldId id="262" r:id="rId4"/>
+    <p:sldId id="262" r:id="rId3"/>
+    <p:sldId id="265" r:id="rId4"/>
+    <p:sldId id="263" r:id="rId5"/>
+    <p:sldId id="266" r:id="rId6"/>
+    <p:sldId id="264" r:id="rId7"/>
+    <p:sldId id="267" r:id="rId8"/>
   </p:sldIdLst>
-  <p:sldSz cx="12192000" cy="6858000"/>
+  <p:sldSz cx="12239625" cy="7920038"/>
   <p:notesSz cx="6858000" cy="9144000"/>
   <p:defaultTextStyle>
     <a:defPPr>
@@ -109,12 +116,12 @@
   <p:extLst>
     <p:ext uri="{EFAFB233-063F-42B5-8137-9DF3F51BA10A}">
       <p15:sldGuideLst xmlns:p15="http://schemas.microsoft.com/office/powerpoint/2012/main">
-        <p15:guide id="1" orient="horz" pos="2160" userDrawn="1">
+        <p15:guide id="1" orient="horz" pos="2495" userDrawn="1">
           <p15:clr>
             <a:srgbClr val="A4A3A4"/>
           </p15:clr>
         </p15:guide>
-        <p15:guide id="2" pos="3840" userDrawn="1">
+        <p15:guide id="2" pos="3855" userDrawn="1">
           <p15:clr>
             <a:srgbClr val="A4A3A4"/>
           </p15:clr>
@@ -123,6 +130,721 @@
     </p:ext>
   </p:extLst>
 </p:presentation>
+</file>
+
+<file path=ppt/notesMasters/notesMaster1.xml><?xml version="1.0" encoding="utf-8"?>
+<p:notesMaster xmlns:a="http://schemas.openxmlformats.org/drawingml/2006/main" xmlns:r="http://schemas.openxmlformats.org/officeDocument/2006/relationships" xmlns:p="http://schemas.openxmlformats.org/presentationml/2006/main">
+  <p:cSld>
+    <p:bg>
+      <p:bgRef idx="1001">
+        <a:schemeClr val="bg1"/>
+      </p:bgRef>
+    </p:bg>
+    <p:spTree>
+      <p:nvGrpSpPr>
+        <p:cNvPr id="1" name=""/>
+        <p:cNvGrpSpPr/>
+        <p:nvPr/>
+      </p:nvGrpSpPr>
+      <p:grpSpPr>
+        <a:xfrm>
+          <a:off x="0" y="0"/>
+          <a:ext cx="0" cy="0"/>
+          <a:chOff x="0" y="0"/>
+          <a:chExt cx="0" cy="0"/>
+        </a:xfrm>
+      </p:grpSpPr>
+      <p:sp>
+        <p:nvSpPr>
+          <p:cNvPr id="2" name="页眉占位符 1"/>
+          <p:cNvSpPr>
+            <a:spLocks noGrp="1"/>
+          </p:cNvSpPr>
+          <p:nvPr>
+            <p:ph type="hdr" sz="quarter"/>
+          </p:nvPr>
+        </p:nvSpPr>
+        <p:spPr>
+          <a:xfrm>
+            <a:off x="0" y="0"/>
+            <a:ext cx="2971800" cy="458788"/>
+          </a:xfrm>
+          <a:prstGeom prst="rect">
+            <a:avLst/>
+          </a:prstGeom>
+        </p:spPr>
+        <p:txBody>
+          <a:bodyPr vert="horz" lIns="91440" tIns="45720" rIns="91440" bIns="45720" rtlCol="0"/>
+          <a:lstStyle>
+            <a:lvl1pPr algn="l">
+              <a:defRPr sz="1200"/>
+            </a:lvl1pPr>
+          </a:lstStyle>
+          <a:p>
+            <a:endParaRPr lang="zh-Hans-HK" altLang="en-US"/>
+          </a:p>
+        </p:txBody>
+      </p:sp>
+      <p:sp>
+        <p:nvSpPr>
+          <p:cNvPr id="3" name="日期占位符 2"/>
+          <p:cNvSpPr>
+            <a:spLocks noGrp="1"/>
+          </p:cNvSpPr>
+          <p:nvPr>
+            <p:ph type="dt" idx="1"/>
+          </p:nvPr>
+        </p:nvSpPr>
+        <p:spPr>
+          <a:xfrm>
+            <a:off x="3884613" y="0"/>
+            <a:ext cx="2971800" cy="458788"/>
+          </a:xfrm>
+          <a:prstGeom prst="rect">
+            <a:avLst/>
+          </a:prstGeom>
+        </p:spPr>
+        <p:txBody>
+          <a:bodyPr vert="horz" lIns="91440" tIns="45720" rIns="91440" bIns="45720" rtlCol="0"/>
+          <a:lstStyle>
+            <a:lvl1pPr algn="r">
+              <a:defRPr sz="1200"/>
+            </a:lvl1pPr>
+          </a:lstStyle>
+          <a:p>
+            <a:fld id="{056539EE-56A0-4490-B02B-36C3AF8F0608}" type="datetimeFigureOut">
+              <a:rPr lang="zh-Hans-HK" altLang="en-US" smtClean="0"/>
+              <a:t>21/12/2020</a:t>
+            </a:fld>
+            <a:endParaRPr lang="zh-Hans-HK" altLang="en-US"/>
+          </a:p>
+        </p:txBody>
+      </p:sp>
+      <p:sp>
+        <p:nvSpPr>
+          <p:cNvPr id="4" name="幻灯片图像占位符 3"/>
+          <p:cNvSpPr>
+            <a:spLocks noGrp="1" noRot="1" noChangeAspect="1"/>
+          </p:cNvSpPr>
+          <p:nvPr>
+            <p:ph type="sldImg" idx="2"/>
+          </p:nvPr>
+        </p:nvSpPr>
+        <p:spPr>
+          <a:xfrm>
+            <a:off x="1044575" y="1143000"/>
+            <a:ext cx="4768850" cy="3086100"/>
+          </a:xfrm>
+          <a:prstGeom prst="rect">
+            <a:avLst/>
+          </a:prstGeom>
+          <a:noFill/>
+          <a:ln w="12700">
+            <a:solidFill>
+              <a:prstClr val="black"/>
+            </a:solidFill>
+          </a:ln>
+        </p:spPr>
+        <p:txBody>
+          <a:bodyPr vert="horz" lIns="91440" tIns="45720" rIns="91440" bIns="45720" rtlCol="0" anchor="ctr"/>
+          <a:lstStyle/>
+          <a:p>
+            <a:endParaRPr lang="zh-Hans-HK" altLang="en-US"/>
+          </a:p>
+        </p:txBody>
+      </p:sp>
+      <p:sp>
+        <p:nvSpPr>
+          <p:cNvPr id="5" name="备注占位符 4"/>
+          <p:cNvSpPr>
+            <a:spLocks noGrp="1"/>
+          </p:cNvSpPr>
+          <p:nvPr>
+            <p:ph type="body" sz="quarter" idx="3"/>
+          </p:nvPr>
+        </p:nvSpPr>
+        <p:spPr>
+          <a:xfrm>
+            <a:off x="685800" y="4400550"/>
+            <a:ext cx="5486400" cy="3600450"/>
+          </a:xfrm>
+          <a:prstGeom prst="rect">
+            <a:avLst/>
+          </a:prstGeom>
+        </p:spPr>
+        <p:txBody>
+          <a:bodyPr vert="horz" lIns="91440" tIns="45720" rIns="91440" bIns="45720" rtlCol="0"/>
+          <a:lstStyle/>
+          <a:p>
+            <a:pPr lvl="0"/>
+            <a:r>
+              <a:rPr lang="zh-CN" altLang="en-US"/>
+              <a:t>单击此处编辑母版文本样式</a:t>
+            </a:r>
+          </a:p>
+          <a:p>
+            <a:pPr lvl="1"/>
+            <a:r>
+              <a:rPr lang="zh-CN" altLang="en-US"/>
+              <a:t>二级</a:t>
+            </a:r>
+          </a:p>
+          <a:p>
+            <a:pPr lvl="2"/>
+            <a:r>
+              <a:rPr lang="zh-CN" altLang="en-US"/>
+              <a:t>三级</a:t>
+            </a:r>
+          </a:p>
+          <a:p>
+            <a:pPr lvl="3"/>
+            <a:r>
+              <a:rPr lang="zh-CN" altLang="en-US"/>
+              <a:t>四级</a:t>
+            </a:r>
+          </a:p>
+          <a:p>
+            <a:pPr lvl="4"/>
+            <a:r>
+              <a:rPr lang="zh-CN" altLang="en-US"/>
+              <a:t>五级</a:t>
+            </a:r>
+            <a:endParaRPr lang="zh-Hans-HK" altLang="en-US"/>
+          </a:p>
+        </p:txBody>
+      </p:sp>
+      <p:sp>
+        <p:nvSpPr>
+          <p:cNvPr id="6" name="页脚占位符 5"/>
+          <p:cNvSpPr>
+            <a:spLocks noGrp="1"/>
+          </p:cNvSpPr>
+          <p:nvPr>
+            <p:ph type="ftr" sz="quarter" idx="4"/>
+          </p:nvPr>
+        </p:nvSpPr>
+        <p:spPr>
+          <a:xfrm>
+            <a:off x="0" y="8685213"/>
+            <a:ext cx="2971800" cy="458787"/>
+          </a:xfrm>
+          <a:prstGeom prst="rect">
+            <a:avLst/>
+          </a:prstGeom>
+        </p:spPr>
+        <p:txBody>
+          <a:bodyPr vert="horz" lIns="91440" tIns="45720" rIns="91440" bIns="45720" rtlCol="0" anchor="b"/>
+          <a:lstStyle>
+            <a:lvl1pPr algn="l">
+              <a:defRPr sz="1200"/>
+            </a:lvl1pPr>
+          </a:lstStyle>
+          <a:p>
+            <a:endParaRPr lang="zh-Hans-HK" altLang="en-US"/>
+          </a:p>
+        </p:txBody>
+      </p:sp>
+      <p:sp>
+        <p:nvSpPr>
+          <p:cNvPr id="7" name="灯片编号占位符 6"/>
+          <p:cNvSpPr>
+            <a:spLocks noGrp="1"/>
+          </p:cNvSpPr>
+          <p:nvPr>
+            <p:ph type="sldNum" sz="quarter" idx="5"/>
+          </p:nvPr>
+        </p:nvSpPr>
+        <p:spPr>
+          <a:xfrm>
+            <a:off x="3884613" y="8685213"/>
+            <a:ext cx="2971800" cy="458787"/>
+          </a:xfrm>
+          <a:prstGeom prst="rect">
+            <a:avLst/>
+          </a:prstGeom>
+        </p:spPr>
+        <p:txBody>
+          <a:bodyPr vert="horz" lIns="91440" tIns="45720" rIns="91440" bIns="45720" rtlCol="0" anchor="b"/>
+          <a:lstStyle>
+            <a:lvl1pPr algn="r">
+              <a:defRPr sz="1200"/>
+            </a:lvl1pPr>
+          </a:lstStyle>
+          <a:p>
+            <a:fld id="{251ED145-B0BC-4448-B378-88A8340C3E58}" type="slidenum">
+              <a:rPr lang="zh-Hans-HK" altLang="en-US" smtClean="0"/>
+              <a:t>‹#›</a:t>
+            </a:fld>
+            <a:endParaRPr lang="zh-Hans-HK" altLang="en-US"/>
+          </a:p>
+        </p:txBody>
+      </p:sp>
+    </p:spTree>
+    <p:extLst>
+      <p:ext uri="{BB962C8B-B14F-4D97-AF65-F5344CB8AC3E}">
+        <p14:creationId xmlns:p14="http://schemas.microsoft.com/office/powerpoint/2010/main" val="3996593836"/>
+      </p:ext>
+    </p:extLst>
+  </p:cSld>
+  <p:clrMap bg1="lt1" tx1="dk1" bg2="lt2" tx2="dk2" accent1="accent1" accent2="accent2" accent3="accent3" accent4="accent4" accent5="accent5" accent6="accent6" hlink="hlink" folHlink="folHlink"/>
+  <p:notesStyle>
+    <a:lvl1pPr marL="0" algn="l" defTabSz="914400" rtl="0" eaLnBrk="1" latinLnBrk="0" hangingPunct="1">
+      <a:defRPr sz="1200" kern="1200">
+        <a:solidFill>
+          <a:schemeClr val="tx1"/>
+        </a:solidFill>
+        <a:latin typeface="+mn-lt"/>
+        <a:ea typeface="+mn-ea"/>
+        <a:cs typeface="+mn-cs"/>
+      </a:defRPr>
+    </a:lvl1pPr>
+    <a:lvl2pPr marL="457200" algn="l" defTabSz="914400" rtl="0" eaLnBrk="1" latinLnBrk="0" hangingPunct="1">
+      <a:defRPr sz="1200" kern="1200">
+        <a:solidFill>
+          <a:schemeClr val="tx1"/>
+        </a:solidFill>
+        <a:latin typeface="+mn-lt"/>
+        <a:ea typeface="+mn-ea"/>
+        <a:cs typeface="+mn-cs"/>
+      </a:defRPr>
+    </a:lvl2pPr>
+    <a:lvl3pPr marL="914400" algn="l" defTabSz="914400" rtl="0" eaLnBrk="1" latinLnBrk="0" hangingPunct="1">
+      <a:defRPr sz="1200" kern="1200">
+        <a:solidFill>
+          <a:schemeClr val="tx1"/>
+        </a:solidFill>
+        <a:latin typeface="+mn-lt"/>
+        <a:ea typeface="+mn-ea"/>
+        <a:cs typeface="+mn-cs"/>
+      </a:defRPr>
+    </a:lvl3pPr>
+    <a:lvl4pPr marL="1371600" algn="l" defTabSz="914400" rtl="0" eaLnBrk="1" latinLnBrk="0" hangingPunct="1">
+      <a:defRPr sz="1200" kern="1200">
+        <a:solidFill>
+          <a:schemeClr val="tx1"/>
+        </a:solidFill>
+        <a:latin typeface="+mn-lt"/>
+        <a:ea typeface="+mn-ea"/>
+        <a:cs typeface="+mn-cs"/>
+      </a:defRPr>
+    </a:lvl4pPr>
+    <a:lvl5pPr marL="1828800" algn="l" defTabSz="914400" rtl="0" eaLnBrk="1" latinLnBrk="0" hangingPunct="1">
+      <a:defRPr sz="1200" kern="1200">
+        <a:solidFill>
+          <a:schemeClr val="tx1"/>
+        </a:solidFill>
+        <a:latin typeface="+mn-lt"/>
+        <a:ea typeface="+mn-ea"/>
+        <a:cs typeface="+mn-cs"/>
+      </a:defRPr>
+    </a:lvl5pPr>
+    <a:lvl6pPr marL="2286000" algn="l" defTabSz="914400" rtl="0" eaLnBrk="1" latinLnBrk="0" hangingPunct="1">
+      <a:defRPr sz="1200" kern="1200">
+        <a:solidFill>
+          <a:schemeClr val="tx1"/>
+        </a:solidFill>
+        <a:latin typeface="+mn-lt"/>
+        <a:ea typeface="+mn-ea"/>
+        <a:cs typeface="+mn-cs"/>
+      </a:defRPr>
+    </a:lvl6pPr>
+    <a:lvl7pPr marL="2743200" algn="l" defTabSz="914400" rtl="0" eaLnBrk="1" latinLnBrk="0" hangingPunct="1">
+      <a:defRPr sz="1200" kern="1200">
+        <a:solidFill>
+          <a:schemeClr val="tx1"/>
+        </a:solidFill>
+        <a:latin typeface="+mn-lt"/>
+        <a:ea typeface="+mn-ea"/>
+        <a:cs typeface="+mn-cs"/>
+      </a:defRPr>
+    </a:lvl7pPr>
+    <a:lvl8pPr marL="3200400" algn="l" defTabSz="914400" rtl="0" eaLnBrk="1" latinLnBrk="0" hangingPunct="1">
+      <a:defRPr sz="1200" kern="1200">
+        <a:solidFill>
+          <a:schemeClr val="tx1"/>
+        </a:solidFill>
+        <a:latin typeface="+mn-lt"/>
+        <a:ea typeface="+mn-ea"/>
+        <a:cs typeface="+mn-cs"/>
+      </a:defRPr>
+    </a:lvl8pPr>
+    <a:lvl9pPr marL="3657600" algn="l" defTabSz="914400" rtl="0" eaLnBrk="1" latinLnBrk="0" hangingPunct="1">
+      <a:defRPr sz="1200" kern="1200">
+        <a:solidFill>
+          <a:schemeClr val="tx1"/>
+        </a:solidFill>
+        <a:latin typeface="+mn-lt"/>
+        <a:ea typeface="+mn-ea"/>
+        <a:cs typeface="+mn-cs"/>
+      </a:defRPr>
+    </a:lvl9pPr>
+  </p:notesStyle>
+</p:notesMaster>
+</file>
+
+<file path=ppt/notesSlides/notesSlide1.xml><?xml version="1.0" encoding="utf-8"?>
+<p:notes xmlns:a="http://schemas.openxmlformats.org/drawingml/2006/main" xmlns:r="http://schemas.openxmlformats.org/officeDocument/2006/relationships" xmlns:p="http://schemas.openxmlformats.org/presentationml/2006/main">
+  <p:cSld>
+    <p:spTree>
+      <p:nvGrpSpPr>
+        <p:cNvPr id="1" name=""/>
+        <p:cNvGrpSpPr/>
+        <p:nvPr/>
+      </p:nvGrpSpPr>
+      <p:grpSpPr>
+        <a:xfrm>
+          <a:off x="0" y="0"/>
+          <a:ext cx="0" cy="0"/>
+          <a:chOff x="0" y="0"/>
+          <a:chExt cx="0" cy="0"/>
+        </a:xfrm>
+      </p:grpSpPr>
+      <p:sp>
+        <p:nvSpPr>
+          <p:cNvPr id="2" name="幻灯片图像占位符 1"/>
+          <p:cNvSpPr>
+            <a:spLocks noGrp="1" noRot="1" noChangeAspect="1"/>
+          </p:cNvSpPr>
+          <p:nvPr>
+            <p:ph type="sldImg"/>
+          </p:nvPr>
+        </p:nvSpPr>
+        <p:spPr/>
+      </p:sp>
+      <p:sp>
+        <p:nvSpPr>
+          <p:cNvPr id="3" name="备注占位符 2"/>
+          <p:cNvSpPr>
+            <a:spLocks noGrp="1"/>
+          </p:cNvSpPr>
+          <p:nvPr>
+            <p:ph type="body" idx="1"/>
+          </p:nvPr>
+        </p:nvSpPr>
+        <p:spPr/>
+        <p:txBody>
+          <a:bodyPr/>
+          <a:lstStyle/>
+          <a:p>
+            <a:pPr marL="285750" indent="-285750">
+              <a:buFont typeface="Arial" panose="020B0604020202020204" pitchFamily="34" charset="0"/>
+              <a:buChar char="•"/>
+            </a:pPr>
+            <a:r>
+              <a:rPr lang="en-US" altLang="zh-Hans-HK" dirty="0"/>
+              <a:t>Due to different data from different data source, </a:t>
+            </a:r>
+            <a:br>
+              <a:rPr lang="en-US" altLang="zh-Hans-HK" dirty="0"/>
+            </a:br>
+            <a:r>
+              <a:rPr lang="en-US" altLang="zh-Hans-HK" dirty="0"/>
+              <a:t>we split the data base with source tag</a:t>
+            </a:r>
+          </a:p>
+          <a:p>
+            <a:pPr marL="285750" indent="-285750">
+              <a:buFont typeface="Arial" panose="020B0604020202020204" pitchFamily="34" charset="0"/>
+              <a:buChar char="•"/>
+            </a:pPr>
+            <a:r>
+              <a:rPr lang="en-US" altLang="zh-Hans-HK" dirty="0"/>
+              <a:t>Q: can different data source share codes?</a:t>
+            </a:r>
+            <a:br>
+              <a:rPr lang="en-US" altLang="zh-Hans-HK" dirty="0"/>
+            </a:br>
+            <a:r>
+              <a:rPr lang="en-US" altLang="zh-Hans-HK" dirty="0"/>
+              <a:t>A:</a:t>
+            </a:r>
+            <a:r>
+              <a:rPr lang="zh-Hans-HK" altLang="en-US" dirty="0"/>
+              <a:t> </a:t>
+            </a:r>
+            <a:r>
+              <a:rPr lang="en-US" altLang="zh-Hans-HK" dirty="0"/>
+              <a:t>Yes, by using the “Factory model” we can make the </a:t>
+            </a:r>
+            <a:r>
+              <a:rPr lang="en-US" altLang="zh-Hans-HK" dirty="0" err="1"/>
+              <a:t>kline</a:t>
+            </a:r>
+            <a:r>
+              <a:rPr lang="en-US" altLang="zh-Hans-HK" dirty="0"/>
+              <a:t> from</a:t>
+            </a:r>
+            <a:br>
+              <a:rPr lang="en-US" altLang="zh-Hans-HK" dirty="0"/>
+            </a:br>
+            <a:r>
+              <a:rPr lang="en-US" altLang="zh-Hans-HK" dirty="0"/>
+              <a:t>     different source as inherit of </a:t>
+            </a:r>
+            <a:r>
+              <a:rPr lang="en-US" altLang="zh-Hans-HK" dirty="0" err="1"/>
+              <a:t>kline</a:t>
+            </a:r>
+            <a:r>
+              <a:rPr lang="en-US" altLang="zh-Hans-HK" dirty="0"/>
+              <a:t>, then by the </a:t>
+            </a:r>
+            <a:r>
+              <a:rPr lang="en-US" altLang="zh-Hans-HK" dirty="0" err="1"/>
+              <a:t>source_factory</a:t>
+            </a:r>
+            <a:r>
+              <a:rPr lang="en-US" altLang="zh-Hans-HK" dirty="0"/>
+              <a:t> </a:t>
+            </a:r>
+            <a:br>
+              <a:rPr lang="en-US" altLang="zh-Hans-HK" dirty="0"/>
+            </a:br>
+            <a:r>
+              <a:rPr lang="en-US" altLang="zh-Hans-HK" dirty="0"/>
+              <a:t>     class, we can decouple source and </a:t>
+            </a:r>
+            <a:r>
+              <a:rPr lang="en-US" altLang="zh-Hans-HK" dirty="0" err="1"/>
+              <a:t>kline</a:t>
+            </a:r>
+            <a:r>
+              <a:rPr lang="en-US" altLang="zh-Hans-HK" dirty="0"/>
+              <a:t>.</a:t>
+            </a:r>
+          </a:p>
+          <a:p>
+            <a:pPr marL="285750" indent="-285750">
+              <a:buFont typeface="Arial" panose="020B0604020202020204" pitchFamily="34" charset="0"/>
+              <a:buChar char="•"/>
+            </a:pPr>
+            <a:r>
+              <a:rPr lang="en-US" altLang="zh-Hans-HK" dirty="0"/>
+              <a:t>To keep the unique of data, we keep only one file for </a:t>
+            </a:r>
+            <a:br>
+              <a:rPr lang="en-US" altLang="zh-Hans-HK" dirty="0"/>
+            </a:br>
+            <a:r>
+              <a:rPr lang="en-US" altLang="zh-Hans-HK" dirty="0"/>
+              <a:t>each time-interval </a:t>
+            </a:r>
+            <a:r>
+              <a:rPr lang="en-US" altLang="zh-Hans-HK" dirty="0" err="1"/>
+              <a:t>kline</a:t>
+            </a:r>
+            <a:r>
+              <a:rPr lang="en-US" altLang="zh-Hans-HK" dirty="0"/>
+              <a:t>. </a:t>
+            </a:r>
+            <a:br>
+              <a:rPr lang="en-US" altLang="zh-Hans-HK" dirty="0"/>
+            </a:br>
+            <a:r>
+              <a:rPr lang="en-US" altLang="zh-Hans-HK" dirty="0"/>
+              <a:t>At first, we may get parameter missing data, however, latterly, </a:t>
+            </a:r>
+            <a:br>
+              <a:rPr lang="en-US" altLang="zh-Hans-HK" dirty="0"/>
+            </a:br>
+            <a:r>
+              <a:rPr lang="en-US" altLang="zh-Hans-HK" dirty="0"/>
+              <a:t>when we get data with more parameters, we can add to the local </a:t>
+            </a:r>
+            <a:br>
+              <a:rPr lang="en-US" altLang="zh-Hans-HK" dirty="0"/>
+            </a:br>
+            <a:r>
+              <a:rPr lang="en-US" altLang="zh-Hans-HK" dirty="0"/>
+              <a:t>database.</a:t>
+            </a:r>
+          </a:p>
+          <a:p>
+            <a:pPr marL="285750" indent="-285750">
+              <a:buFont typeface="Arial" panose="020B0604020202020204" pitchFamily="34" charset="0"/>
+              <a:buChar char="•"/>
+            </a:pPr>
+            <a:r>
+              <a:rPr lang="en-US" altLang="zh-Hans-HK" dirty="0"/>
+              <a:t>Meanwhile, we should build up a collecting system which</a:t>
+            </a:r>
+            <a:br>
+              <a:rPr lang="en-US" altLang="zh-Hans-HK" dirty="0"/>
+            </a:br>
+            <a:r>
+              <a:rPr lang="en-US" altLang="zh-Hans-HK" dirty="0"/>
+              <a:t>can collect min-level data automatically, i.e. meanwhile as </a:t>
+            </a:r>
+            <a:br>
+              <a:rPr lang="en-US" altLang="zh-Hans-HK" dirty="0"/>
+            </a:br>
+            <a:r>
+              <a:rPr lang="en-US" altLang="zh-Hans-HK" dirty="0"/>
+              <a:t>a real-time data getter.</a:t>
+            </a:r>
+          </a:p>
+          <a:p>
+            <a:pPr marL="285750" indent="-285750">
+              <a:buFont typeface="Arial" panose="020B0604020202020204" pitchFamily="34" charset="0"/>
+              <a:buChar char="•"/>
+            </a:pPr>
+            <a:r>
+              <a:rPr lang="en-US" altLang="zh-Hans-HK" dirty="0"/>
+              <a:t>For now, we only use .CSV file to save the candle chart data. Later,</a:t>
+            </a:r>
+            <a:br>
+              <a:rPr lang="en-US" altLang="zh-Hans-HK" dirty="0"/>
+            </a:br>
+            <a:r>
+              <a:rPr lang="en-US" altLang="zh-Hans-HK" dirty="0"/>
+              <a:t>when needed, we can construct full-database for large data.</a:t>
+            </a:r>
+          </a:p>
+          <a:p>
+            <a:endParaRPr lang="zh-Hans-HK" altLang="en-US" dirty="0"/>
+          </a:p>
+        </p:txBody>
+      </p:sp>
+      <p:sp>
+        <p:nvSpPr>
+          <p:cNvPr id="4" name="灯片编号占位符 3"/>
+          <p:cNvSpPr>
+            <a:spLocks noGrp="1"/>
+          </p:cNvSpPr>
+          <p:nvPr>
+            <p:ph type="sldNum" sz="quarter" idx="5"/>
+          </p:nvPr>
+        </p:nvSpPr>
+        <p:spPr/>
+        <p:txBody>
+          <a:bodyPr/>
+          <a:lstStyle/>
+          <a:p>
+            <a:fld id="{251ED145-B0BC-4448-B378-88A8340C3E58}" type="slidenum">
+              <a:rPr lang="zh-Hans-HK" altLang="en-US" smtClean="0"/>
+              <a:t>3</a:t>
+            </a:fld>
+            <a:endParaRPr lang="zh-Hans-HK" altLang="en-US"/>
+          </a:p>
+        </p:txBody>
+      </p:sp>
+    </p:spTree>
+    <p:extLst>
+      <p:ext uri="{BB962C8B-B14F-4D97-AF65-F5344CB8AC3E}">
+        <p14:creationId xmlns:p14="http://schemas.microsoft.com/office/powerpoint/2010/main" val="4004822593"/>
+      </p:ext>
+    </p:extLst>
+  </p:cSld>
+  <p:clrMapOvr>
+    <a:masterClrMapping/>
+  </p:clrMapOvr>
+</p:notes>
+</file>
+
+<file path=ppt/notesSlides/notesSlide2.xml><?xml version="1.0" encoding="utf-8"?>
+<p:notes xmlns:a="http://schemas.openxmlformats.org/drawingml/2006/main" xmlns:r="http://schemas.openxmlformats.org/officeDocument/2006/relationships" xmlns:p="http://schemas.openxmlformats.org/presentationml/2006/main">
+  <p:cSld>
+    <p:spTree>
+      <p:nvGrpSpPr>
+        <p:cNvPr id="1" name=""/>
+        <p:cNvGrpSpPr/>
+        <p:nvPr/>
+      </p:nvGrpSpPr>
+      <p:grpSpPr>
+        <a:xfrm>
+          <a:off x="0" y="0"/>
+          <a:ext cx="0" cy="0"/>
+          <a:chOff x="0" y="0"/>
+          <a:chExt cx="0" cy="0"/>
+        </a:xfrm>
+      </p:grpSpPr>
+      <p:sp>
+        <p:nvSpPr>
+          <p:cNvPr id="2" name="幻灯片图像占位符 1"/>
+          <p:cNvSpPr>
+            <a:spLocks noGrp="1" noRot="1" noChangeAspect="1"/>
+          </p:cNvSpPr>
+          <p:nvPr>
+            <p:ph type="sldImg"/>
+          </p:nvPr>
+        </p:nvSpPr>
+        <p:spPr/>
+      </p:sp>
+      <p:sp>
+        <p:nvSpPr>
+          <p:cNvPr id="3" name="备注占位符 2"/>
+          <p:cNvSpPr>
+            <a:spLocks noGrp="1"/>
+          </p:cNvSpPr>
+          <p:nvPr>
+            <p:ph type="body" idx="1"/>
+          </p:nvPr>
+        </p:nvSpPr>
+        <p:spPr/>
+        <p:txBody>
+          <a:bodyPr/>
+          <a:lstStyle/>
+          <a:p>
+            <a:pPr marL="171450" indent="-171450">
+              <a:buFont typeface="Arial" panose="020B0604020202020204" pitchFamily="34" charset="0"/>
+              <a:buChar char="•"/>
+            </a:pPr>
+            <a:r>
+              <a:rPr lang="en-US" altLang="zh-Hans-HK" dirty="0"/>
+              <a:t>Q: should Strategy be a whole process in a loop or just be a signal generator?</a:t>
+            </a:r>
+            <a:br>
+              <a:rPr lang="en-US" altLang="zh-Hans-HK" dirty="0"/>
+            </a:br>
+            <a:r>
+              <a:rPr lang="en-US" altLang="zh-Hans-HK" dirty="0"/>
+              <a:t>A:</a:t>
+            </a:r>
+            <a:r>
+              <a:rPr lang="zh-Hans-HK" altLang="en-US" dirty="0"/>
+              <a:t> </a:t>
+            </a:r>
+            <a:r>
+              <a:rPr lang="en-US" altLang="zh-Hans-HK" dirty="0"/>
+              <a:t>?????</a:t>
+            </a:r>
+          </a:p>
+        </p:txBody>
+      </p:sp>
+      <p:sp>
+        <p:nvSpPr>
+          <p:cNvPr id="4" name="灯片编号占位符 3"/>
+          <p:cNvSpPr>
+            <a:spLocks noGrp="1"/>
+          </p:cNvSpPr>
+          <p:nvPr>
+            <p:ph type="sldNum" sz="quarter" idx="5"/>
+          </p:nvPr>
+        </p:nvSpPr>
+        <p:spPr/>
+        <p:txBody>
+          <a:bodyPr/>
+          <a:lstStyle/>
+          <a:p>
+            <a:fld id="{251ED145-B0BC-4448-B378-88A8340C3E58}" type="slidenum">
+              <a:rPr lang="zh-Hans-HK" altLang="en-US" smtClean="0"/>
+              <a:t>4</a:t>
+            </a:fld>
+            <a:endParaRPr lang="zh-Hans-HK" altLang="en-US"/>
+          </a:p>
+        </p:txBody>
+      </p:sp>
+    </p:spTree>
+    <p:extLst>
+      <p:ext uri="{BB962C8B-B14F-4D97-AF65-F5344CB8AC3E}">
+        <p14:creationId xmlns:p14="http://schemas.microsoft.com/office/powerpoint/2010/main" val="2852903077"/>
+      </p:ext>
+    </p:extLst>
+  </p:cSld>
+  <p:clrMapOvr>
+    <a:masterClrMapping/>
+  </p:clrMapOvr>
+</p:notes>
 </file>
 
 <file path=ppt/slideLayouts/slideLayout1.xml><?xml version="1.0" encoding="utf-8"?>
@@ -154,15 +876,15 @@
         </p:nvSpPr>
         <p:spPr>
           <a:xfrm>
-            <a:off x="1524000" y="1122363"/>
-            <a:ext cx="9144000" cy="2387600"/>
+            <a:off x="917972" y="1296173"/>
+            <a:ext cx="10403681" cy="2757347"/>
           </a:xfrm>
         </p:spPr>
         <p:txBody>
           <a:bodyPr anchor="b"/>
           <a:lstStyle>
             <a:lvl1pPr algn="ctr">
-              <a:defRPr sz="6000"/>
+              <a:defRPr sz="6929"/>
             </a:lvl1pPr>
           </a:lstStyle>
           <a:p>
@@ -186,8 +908,8 @@
         </p:nvSpPr>
         <p:spPr>
           <a:xfrm>
-            <a:off x="1524000" y="3602038"/>
-            <a:ext cx="9144000" cy="1655762"/>
+            <a:off x="1529953" y="4159854"/>
+            <a:ext cx="9179719" cy="1912175"/>
           </a:xfrm>
         </p:spPr>
         <p:txBody>
@@ -195,39 +917,39 @@
           <a:lstStyle>
             <a:lvl1pPr marL="0" indent="0" algn="ctr">
               <a:buNone/>
-              <a:defRPr sz="2400"/>
+              <a:defRPr sz="2772"/>
             </a:lvl1pPr>
-            <a:lvl2pPr marL="457200" indent="0" algn="ctr">
+            <a:lvl2pPr marL="528020" indent="0" algn="ctr">
               <a:buNone/>
-              <a:defRPr sz="2000"/>
+              <a:defRPr sz="2310"/>
             </a:lvl2pPr>
-            <a:lvl3pPr marL="914400" indent="0" algn="ctr">
+            <a:lvl3pPr marL="1056041" indent="0" algn="ctr">
               <a:buNone/>
-              <a:defRPr sz="1800"/>
+              <a:defRPr sz="2079"/>
             </a:lvl3pPr>
-            <a:lvl4pPr marL="1371600" indent="0" algn="ctr">
+            <a:lvl4pPr marL="1584061" indent="0" algn="ctr">
               <a:buNone/>
-              <a:defRPr sz="1600"/>
+              <a:defRPr sz="1848"/>
             </a:lvl4pPr>
-            <a:lvl5pPr marL="1828800" indent="0" algn="ctr">
+            <a:lvl5pPr marL="2112081" indent="0" algn="ctr">
               <a:buNone/>
-              <a:defRPr sz="1600"/>
+              <a:defRPr sz="1848"/>
             </a:lvl5pPr>
-            <a:lvl6pPr marL="2286000" indent="0" algn="ctr">
+            <a:lvl6pPr marL="2640101" indent="0" algn="ctr">
               <a:buNone/>
-              <a:defRPr sz="1600"/>
+              <a:defRPr sz="1848"/>
             </a:lvl6pPr>
-            <a:lvl7pPr marL="2743200" indent="0" algn="ctr">
+            <a:lvl7pPr marL="3168122" indent="0" algn="ctr">
               <a:buNone/>
-              <a:defRPr sz="1600"/>
+              <a:defRPr sz="1848"/>
             </a:lvl7pPr>
-            <a:lvl8pPr marL="3200400" indent="0" algn="ctr">
+            <a:lvl8pPr marL="3696142" indent="0" algn="ctr">
               <a:buNone/>
-              <a:defRPr sz="1600"/>
+              <a:defRPr sz="1848"/>
             </a:lvl8pPr>
-            <a:lvl9pPr marL="3657600" indent="0" algn="ctr">
+            <a:lvl9pPr marL="4224162" indent="0" algn="ctr">
               <a:buNone/>
-              <a:defRPr sz="1600"/>
+              <a:defRPr sz="1848"/>
             </a:lvl9pPr>
           </a:lstStyle>
           <a:p>
@@ -256,7 +978,7 @@
           <a:p>
             <a:fld id="{C88486A0-91B1-42F4-AA0D-0D56FAEE0A7C}" type="datetimeFigureOut">
               <a:rPr lang="zh-Hans-HK" altLang="en-US" smtClean="0"/>
-              <a:t>31/10/2020</a:t>
+              <a:t>21/12/2020</a:t>
             </a:fld>
             <a:endParaRPr lang="zh-Hans-HK" altLang="en-US"/>
           </a:p>
@@ -307,7 +1029,7 @@
     </p:spTree>
     <p:extLst>
       <p:ext uri="{BB962C8B-B14F-4D97-AF65-F5344CB8AC3E}">
-        <p14:creationId xmlns:p14="http://schemas.microsoft.com/office/powerpoint/2010/main" val="1256830967"/>
+        <p14:creationId xmlns:p14="http://schemas.microsoft.com/office/powerpoint/2010/main" val="1134090978"/>
       </p:ext>
     </p:extLst>
   </p:cSld>
@@ -426,7 +1148,7 @@
           <a:p>
             <a:fld id="{C88486A0-91B1-42F4-AA0D-0D56FAEE0A7C}" type="datetimeFigureOut">
               <a:rPr lang="zh-Hans-HK" altLang="en-US" smtClean="0"/>
-              <a:t>31/10/2020</a:t>
+              <a:t>21/12/2020</a:t>
             </a:fld>
             <a:endParaRPr lang="zh-Hans-HK" altLang="en-US"/>
           </a:p>
@@ -477,7 +1199,7 @@
     </p:spTree>
     <p:extLst>
       <p:ext uri="{BB962C8B-B14F-4D97-AF65-F5344CB8AC3E}">
-        <p14:creationId xmlns:p14="http://schemas.microsoft.com/office/powerpoint/2010/main" val="3825563001"/>
+        <p14:creationId xmlns:p14="http://schemas.microsoft.com/office/powerpoint/2010/main" val="1101351752"/>
       </p:ext>
     </p:extLst>
   </p:cSld>
@@ -516,8 +1238,8 @@
         </p:nvSpPr>
         <p:spPr>
           <a:xfrm>
-            <a:off x="8724900" y="365125"/>
-            <a:ext cx="2628900" cy="5811838"/>
+            <a:off x="8758982" y="421669"/>
+            <a:ext cx="2639169" cy="6711866"/>
           </a:xfrm>
         </p:spPr>
         <p:txBody>
@@ -544,8 +1266,8 @@
         </p:nvSpPr>
         <p:spPr>
           <a:xfrm>
-            <a:off x="838200" y="365125"/>
-            <a:ext cx="7734300" cy="5811838"/>
+            <a:off x="841475" y="421669"/>
+            <a:ext cx="7764512" cy="6711866"/>
           </a:xfrm>
         </p:spPr>
         <p:txBody>
@@ -606,7 +1328,7 @@
           <a:p>
             <a:fld id="{C88486A0-91B1-42F4-AA0D-0D56FAEE0A7C}" type="datetimeFigureOut">
               <a:rPr lang="zh-Hans-HK" altLang="en-US" smtClean="0"/>
-              <a:t>31/10/2020</a:t>
+              <a:t>21/12/2020</a:t>
             </a:fld>
             <a:endParaRPr lang="zh-Hans-HK" altLang="en-US"/>
           </a:p>
@@ -657,7 +1379,7 @@
     </p:spTree>
     <p:extLst>
       <p:ext uri="{BB962C8B-B14F-4D97-AF65-F5344CB8AC3E}">
-        <p14:creationId xmlns:p14="http://schemas.microsoft.com/office/powerpoint/2010/main" val="3522735296"/>
+        <p14:creationId xmlns:p14="http://schemas.microsoft.com/office/powerpoint/2010/main" val="3132703535"/>
       </p:ext>
     </p:extLst>
   </p:cSld>
@@ -776,7 +1498,7 @@
           <a:p>
             <a:fld id="{C88486A0-91B1-42F4-AA0D-0D56FAEE0A7C}" type="datetimeFigureOut">
               <a:rPr lang="zh-Hans-HK" altLang="en-US" smtClean="0"/>
-              <a:t>31/10/2020</a:t>
+              <a:t>21/12/2020</a:t>
             </a:fld>
             <a:endParaRPr lang="zh-Hans-HK" altLang="en-US"/>
           </a:p>
@@ -827,7 +1549,7 @@
     </p:spTree>
     <p:extLst>
       <p:ext uri="{BB962C8B-B14F-4D97-AF65-F5344CB8AC3E}">
-        <p14:creationId xmlns:p14="http://schemas.microsoft.com/office/powerpoint/2010/main" val="2599715432"/>
+        <p14:creationId xmlns:p14="http://schemas.microsoft.com/office/powerpoint/2010/main" val="1366412974"/>
       </p:ext>
     </p:extLst>
   </p:cSld>
@@ -866,15 +1588,15 @@
         </p:nvSpPr>
         <p:spPr>
           <a:xfrm>
-            <a:off x="831850" y="1709738"/>
-            <a:ext cx="10515600" cy="2852737"/>
+            <a:off x="835100" y="1974512"/>
+            <a:ext cx="10556677" cy="3294515"/>
           </a:xfrm>
         </p:spPr>
         <p:txBody>
           <a:bodyPr anchor="b"/>
           <a:lstStyle>
             <a:lvl1pPr>
-              <a:defRPr sz="6000"/>
+              <a:defRPr sz="6929"/>
             </a:lvl1pPr>
           </a:lstStyle>
           <a:p>
@@ -898,8 +1620,8 @@
         </p:nvSpPr>
         <p:spPr>
           <a:xfrm>
-            <a:off x="831850" y="4589463"/>
-            <a:ext cx="10515600" cy="1500187"/>
+            <a:off x="835100" y="5300194"/>
+            <a:ext cx="10556677" cy="1732508"/>
           </a:xfrm>
         </p:spPr>
         <p:txBody>
@@ -907,17 +1629,15 @@
           <a:lstStyle>
             <a:lvl1pPr marL="0" indent="0">
               <a:buNone/>
-              <a:defRPr sz="2400">
+              <a:defRPr sz="2772">
                 <a:solidFill>
-                  <a:schemeClr val="tx1">
-                    <a:tint val="75000"/>
-                  </a:schemeClr>
+                  <a:schemeClr val="tx1"/>
                 </a:solidFill>
               </a:defRPr>
             </a:lvl1pPr>
-            <a:lvl2pPr marL="457200" indent="0">
+            <a:lvl2pPr marL="528020" indent="0">
               <a:buNone/>
-              <a:defRPr sz="2000">
+              <a:defRPr sz="2310">
                 <a:solidFill>
                   <a:schemeClr val="tx1">
                     <a:tint val="75000"/>
@@ -925,9 +1645,9 @@
                 </a:solidFill>
               </a:defRPr>
             </a:lvl2pPr>
-            <a:lvl3pPr marL="914400" indent="0">
+            <a:lvl3pPr marL="1056041" indent="0">
               <a:buNone/>
-              <a:defRPr sz="1800">
+              <a:defRPr sz="2079">
                 <a:solidFill>
                   <a:schemeClr val="tx1">
                     <a:tint val="75000"/>
@@ -935,9 +1655,9 @@
                 </a:solidFill>
               </a:defRPr>
             </a:lvl3pPr>
-            <a:lvl4pPr marL="1371600" indent="0">
+            <a:lvl4pPr marL="1584061" indent="0">
               <a:buNone/>
-              <a:defRPr sz="1600">
+              <a:defRPr sz="1848">
                 <a:solidFill>
                   <a:schemeClr val="tx1">
                     <a:tint val="75000"/>
@@ -945,9 +1665,9 @@
                 </a:solidFill>
               </a:defRPr>
             </a:lvl4pPr>
-            <a:lvl5pPr marL="1828800" indent="0">
+            <a:lvl5pPr marL="2112081" indent="0">
               <a:buNone/>
-              <a:defRPr sz="1600">
+              <a:defRPr sz="1848">
                 <a:solidFill>
                   <a:schemeClr val="tx1">
                     <a:tint val="75000"/>
@@ -955,9 +1675,9 @@
                 </a:solidFill>
               </a:defRPr>
             </a:lvl5pPr>
-            <a:lvl6pPr marL="2286000" indent="0">
+            <a:lvl6pPr marL="2640101" indent="0">
               <a:buNone/>
-              <a:defRPr sz="1600">
+              <a:defRPr sz="1848">
                 <a:solidFill>
                   <a:schemeClr val="tx1">
                     <a:tint val="75000"/>
@@ -965,9 +1685,9 @@
                 </a:solidFill>
               </a:defRPr>
             </a:lvl6pPr>
-            <a:lvl7pPr marL="2743200" indent="0">
+            <a:lvl7pPr marL="3168122" indent="0">
               <a:buNone/>
-              <a:defRPr sz="1600">
+              <a:defRPr sz="1848">
                 <a:solidFill>
                   <a:schemeClr val="tx1">
                     <a:tint val="75000"/>
@@ -975,9 +1695,9 @@
                 </a:solidFill>
               </a:defRPr>
             </a:lvl7pPr>
-            <a:lvl8pPr marL="3200400" indent="0">
+            <a:lvl8pPr marL="3696142" indent="0">
               <a:buNone/>
-              <a:defRPr sz="1600">
+              <a:defRPr sz="1848">
                 <a:solidFill>
                   <a:schemeClr val="tx1">
                     <a:tint val="75000"/>
@@ -985,9 +1705,9 @@
                 </a:solidFill>
               </a:defRPr>
             </a:lvl8pPr>
-            <a:lvl9pPr marL="3657600" indent="0">
+            <a:lvl9pPr marL="4224162" indent="0">
               <a:buNone/>
-              <a:defRPr sz="1600">
+              <a:defRPr sz="1848">
                 <a:solidFill>
                   <a:schemeClr val="tx1">
                     <a:tint val="75000"/>
@@ -1022,7 +1742,7 @@
           <a:p>
             <a:fld id="{C88486A0-91B1-42F4-AA0D-0D56FAEE0A7C}" type="datetimeFigureOut">
               <a:rPr lang="zh-Hans-HK" altLang="en-US" smtClean="0"/>
-              <a:t>31/10/2020</a:t>
+              <a:t>21/12/2020</a:t>
             </a:fld>
             <a:endParaRPr lang="zh-Hans-HK" altLang="en-US"/>
           </a:p>
@@ -1073,7 +1793,7 @@
     </p:spTree>
     <p:extLst>
       <p:ext uri="{BB962C8B-B14F-4D97-AF65-F5344CB8AC3E}">
-        <p14:creationId xmlns:p14="http://schemas.microsoft.com/office/powerpoint/2010/main" val="2328418645"/>
+        <p14:creationId xmlns:p14="http://schemas.microsoft.com/office/powerpoint/2010/main" val="1339138333"/>
       </p:ext>
     </p:extLst>
   </p:cSld>
@@ -1135,8 +1855,8 @@
         </p:nvSpPr>
         <p:spPr>
           <a:xfrm>
-            <a:off x="838200" y="1825625"/>
-            <a:ext cx="5181600" cy="4351338"/>
+            <a:off x="841474" y="2108344"/>
+            <a:ext cx="5201841" cy="5025191"/>
           </a:xfrm>
         </p:spPr>
         <p:txBody>
@@ -1192,8 +1912,8 @@
         </p:nvSpPr>
         <p:spPr>
           <a:xfrm>
-            <a:off x="6172200" y="1825625"/>
-            <a:ext cx="5181600" cy="4351338"/>
+            <a:off x="6196310" y="2108344"/>
+            <a:ext cx="5201841" cy="5025191"/>
           </a:xfrm>
         </p:spPr>
         <p:txBody>
@@ -1254,7 +1974,7 @@
           <a:p>
             <a:fld id="{C88486A0-91B1-42F4-AA0D-0D56FAEE0A7C}" type="datetimeFigureOut">
               <a:rPr lang="zh-Hans-HK" altLang="en-US" smtClean="0"/>
-              <a:t>31/10/2020</a:t>
+              <a:t>21/12/2020</a:t>
             </a:fld>
             <a:endParaRPr lang="zh-Hans-HK" altLang="en-US"/>
           </a:p>
@@ -1305,7 +2025,7 @@
     </p:spTree>
     <p:extLst>
       <p:ext uri="{BB962C8B-B14F-4D97-AF65-F5344CB8AC3E}">
-        <p14:creationId xmlns:p14="http://schemas.microsoft.com/office/powerpoint/2010/main" val="2410727831"/>
+        <p14:creationId xmlns:p14="http://schemas.microsoft.com/office/powerpoint/2010/main" val="3474656694"/>
       </p:ext>
     </p:extLst>
   </p:cSld>
@@ -1344,8 +2064,8 @@
         </p:nvSpPr>
         <p:spPr>
           <a:xfrm>
-            <a:off x="839788" y="365125"/>
-            <a:ext cx="10515600" cy="1325563"/>
+            <a:off x="843068" y="421671"/>
+            <a:ext cx="10556677" cy="1530841"/>
           </a:xfrm>
         </p:spPr>
         <p:txBody>
@@ -1372,8 +2092,8 @@
         </p:nvSpPr>
         <p:spPr>
           <a:xfrm>
-            <a:off x="839788" y="1681163"/>
-            <a:ext cx="5157787" cy="823912"/>
+            <a:off x="843070" y="1941510"/>
+            <a:ext cx="5177934" cy="951504"/>
           </a:xfrm>
         </p:spPr>
         <p:txBody>
@@ -1381,39 +2101,39 @@
           <a:lstStyle>
             <a:lvl1pPr marL="0" indent="0">
               <a:buNone/>
-              <a:defRPr sz="2400" b="1"/>
+              <a:defRPr sz="2772" b="1"/>
             </a:lvl1pPr>
-            <a:lvl2pPr marL="457200" indent="0">
+            <a:lvl2pPr marL="528020" indent="0">
               <a:buNone/>
-              <a:defRPr sz="2000" b="1"/>
+              <a:defRPr sz="2310" b="1"/>
             </a:lvl2pPr>
-            <a:lvl3pPr marL="914400" indent="0">
+            <a:lvl3pPr marL="1056041" indent="0">
               <a:buNone/>
-              <a:defRPr sz="1800" b="1"/>
+              <a:defRPr sz="2079" b="1"/>
             </a:lvl3pPr>
-            <a:lvl4pPr marL="1371600" indent="0">
+            <a:lvl4pPr marL="1584061" indent="0">
               <a:buNone/>
-              <a:defRPr sz="1600" b="1"/>
+              <a:defRPr sz="1848" b="1"/>
             </a:lvl4pPr>
-            <a:lvl5pPr marL="1828800" indent="0">
+            <a:lvl5pPr marL="2112081" indent="0">
               <a:buNone/>
-              <a:defRPr sz="1600" b="1"/>
+              <a:defRPr sz="1848" b="1"/>
             </a:lvl5pPr>
-            <a:lvl6pPr marL="2286000" indent="0">
+            <a:lvl6pPr marL="2640101" indent="0">
               <a:buNone/>
-              <a:defRPr sz="1600" b="1"/>
+              <a:defRPr sz="1848" b="1"/>
             </a:lvl6pPr>
-            <a:lvl7pPr marL="2743200" indent="0">
+            <a:lvl7pPr marL="3168122" indent="0">
               <a:buNone/>
-              <a:defRPr sz="1600" b="1"/>
+              <a:defRPr sz="1848" b="1"/>
             </a:lvl7pPr>
-            <a:lvl8pPr marL="3200400" indent="0">
+            <a:lvl8pPr marL="3696142" indent="0">
               <a:buNone/>
-              <a:defRPr sz="1600" b="1"/>
+              <a:defRPr sz="1848" b="1"/>
             </a:lvl8pPr>
-            <a:lvl9pPr marL="3657600" indent="0">
+            <a:lvl9pPr marL="4224162" indent="0">
               <a:buNone/>
-              <a:defRPr sz="1600" b="1"/>
+              <a:defRPr sz="1848" b="1"/>
             </a:lvl9pPr>
           </a:lstStyle>
           <a:p>
@@ -1437,8 +2157,8 @@
         </p:nvSpPr>
         <p:spPr>
           <a:xfrm>
-            <a:off x="839788" y="2505075"/>
-            <a:ext cx="5157787" cy="3684588"/>
+            <a:off x="843070" y="2893014"/>
+            <a:ext cx="5177934" cy="4255188"/>
           </a:xfrm>
         </p:spPr>
         <p:txBody>
@@ -1494,8 +2214,8 @@
         </p:nvSpPr>
         <p:spPr>
           <a:xfrm>
-            <a:off x="6172200" y="1681163"/>
-            <a:ext cx="5183188" cy="823912"/>
+            <a:off x="6196311" y="1941510"/>
+            <a:ext cx="5203435" cy="951504"/>
           </a:xfrm>
         </p:spPr>
         <p:txBody>
@@ -1503,39 +2223,39 @@
           <a:lstStyle>
             <a:lvl1pPr marL="0" indent="0">
               <a:buNone/>
-              <a:defRPr sz="2400" b="1"/>
+              <a:defRPr sz="2772" b="1"/>
             </a:lvl1pPr>
-            <a:lvl2pPr marL="457200" indent="0">
+            <a:lvl2pPr marL="528020" indent="0">
               <a:buNone/>
-              <a:defRPr sz="2000" b="1"/>
+              <a:defRPr sz="2310" b="1"/>
             </a:lvl2pPr>
-            <a:lvl3pPr marL="914400" indent="0">
+            <a:lvl3pPr marL="1056041" indent="0">
               <a:buNone/>
-              <a:defRPr sz="1800" b="1"/>
+              <a:defRPr sz="2079" b="1"/>
             </a:lvl3pPr>
-            <a:lvl4pPr marL="1371600" indent="0">
+            <a:lvl4pPr marL="1584061" indent="0">
               <a:buNone/>
-              <a:defRPr sz="1600" b="1"/>
+              <a:defRPr sz="1848" b="1"/>
             </a:lvl4pPr>
-            <a:lvl5pPr marL="1828800" indent="0">
+            <a:lvl5pPr marL="2112081" indent="0">
               <a:buNone/>
-              <a:defRPr sz="1600" b="1"/>
+              <a:defRPr sz="1848" b="1"/>
             </a:lvl5pPr>
-            <a:lvl6pPr marL="2286000" indent="0">
+            <a:lvl6pPr marL="2640101" indent="0">
               <a:buNone/>
-              <a:defRPr sz="1600" b="1"/>
+              <a:defRPr sz="1848" b="1"/>
             </a:lvl6pPr>
-            <a:lvl7pPr marL="2743200" indent="0">
+            <a:lvl7pPr marL="3168122" indent="0">
               <a:buNone/>
-              <a:defRPr sz="1600" b="1"/>
+              <a:defRPr sz="1848" b="1"/>
             </a:lvl7pPr>
-            <a:lvl8pPr marL="3200400" indent="0">
+            <a:lvl8pPr marL="3696142" indent="0">
               <a:buNone/>
-              <a:defRPr sz="1600" b="1"/>
+              <a:defRPr sz="1848" b="1"/>
             </a:lvl8pPr>
-            <a:lvl9pPr marL="3657600" indent="0">
+            <a:lvl9pPr marL="4224162" indent="0">
               <a:buNone/>
-              <a:defRPr sz="1600" b="1"/>
+              <a:defRPr sz="1848" b="1"/>
             </a:lvl9pPr>
           </a:lstStyle>
           <a:p>
@@ -1559,8 +2279,8 @@
         </p:nvSpPr>
         <p:spPr>
           <a:xfrm>
-            <a:off x="6172200" y="2505075"/>
-            <a:ext cx="5183188" cy="3684588"/>
+            <a:off x="6196311" y="2893014"/>
+            <a:ext cx="5203435" cy="4255188"/>
           </a:xfrm>
         </p:spPr>
         <p:txBody>
@@ -1621,7 +2341,7 @@
           <a:p>
             <a:fld id="{C88486A0-91B1-42F4-AA0D-0D56FAEE0A7C}" type="datetimeFigureOut">
               <a:rPr lang="zh-Hans-HK" altLang="en-US" smtClean="0"/>
-              <a:t>31/10/2020</a:t>
+              <a:t>21/12/2020</a:t>
             </a:fld>
             <a:endParaRPr lang="zh-Hans-HK" altLang="en-US"/>
           </a:p>
@@ -1672,7 +2392,7 @@
     </p:spTree>
     <p:extLst>
       <p:ext uri="{BB962C8B-B14F-4D97-AF65-F5344CB8AC3E}">
-        <p14:creationId xmlns:p14="http://schemas.microsoft.com/office/powerpoint/2010/main" val="1044381964"/>
+        <p14:creationId xmlns:p14="http://schemas.microsoft.com/office/powerpoint/2010/main" val="1237798158"/>
       </p:ext>
     </p:extLst>
   </p:cSld>
@@ -1739,7 +2459,7 @@
           <a:p>
             <a:fld id="{C88486A0-91B1-42F4-AA0D-0D56FAEE0A7C}" type="datetimeFigureOut">
               <a:rPr lang="zh-Hans-HK" altLang="en-US" smtClean="0"/>
-              <a:t>31/10/2020</a:t>
+              <a:t>21/12/2020</a:t>
             </a:fld>
             <a:endParaRPr lang="zh-Hans-HK" altLang="en-US"/>
           </a:p>
@@ -1790,7 +2510,7 @@
     </p:spTree>
     <p:extLst>
       <p:ext uri="{BB962C8B-B14F-4D97-AF65-F5344CB8AC3E}">
-        <p14:creationId xmlns:p14="http://schemas.microsoft.com/office/powerpoint/2010/main" val="221239192"/>
+        <p14:creationId xmlns:p14="http://schemas.microsoft.com/office/powerpoint/2010/main" val="1071724053"/>
       </p:ext>
     </p:extLst>
   </p:cSld>
@@ -1834,7 +2554,7 @@
           <a:p>
             <a:fld id="{C88486A0-91B1-42F4-AA0D-0D56FAEE0A7C}" type="datetimeFigureOut">
               <a:rPr lang="zh-Hans-HK" altLang="en-US" smtClean="0"/>
-              <a:t>31/10/2020</a:t>
+              <a:t>21/12/2020</a:t>
             </a:fld>
             <a:endParaRPr lang="zh-Hans-HK" altLang="en-US"/>
           </a:p>
@@ -1885,7 +2605,7 @@
     </p:spTree>
     <p:extLst>
       <p:ext uri="{BB962C8B-B14F-4D97-AF65-F5344CB8AC3E}">
-        <p14:creationId xmlns:p14="http://schemas.microsoft.com/office/powerpoint/2010/main" val="1637159656"/>
+        <p14:creationId xmlns:p14="http://schemas.microsoft.com/office/powerpoint/2010/main" val="2794225959"/>
       </p:ext>
     </p:extLst>
   </p:cSld>
@@ -1924,15 +2644,15 @@
         </p:nvSpPr>
         <p:spPr>
           <a:xfrm>
-            <a:off x="839788" y="457200"/>
-            <a:ext cx="3932237" cy="1600200"/>
+            <a:off x="843068" y="528002"/>
+            <a:ext cx="3947598" cy="1848009"/>
           </a:xfrm>
         </p:spPr>
         <p:txBody>
           <a:bodyPr anchor="b"/>
           <a:lstStyle>
             <a:lvl1pPr>
-              <a:defRPr sz="3200"/>
+              <a:defRPr sz="3696"/>
             </a:lvl1pPr>
           </a:lstStyle>
           <a:p>
@@ -1956,39 +2676,39 @@
         </p:nvSpPr>
         <p:spPr>
           <a:xfrm>
-            <a:off x="5183188" y="987425"/>
-            <a:ext cx="6172200" cy="4873625"/>
+            <a:off x="5203435" y="1140341"/>
+            <a:ext cx="6196310" cy="5628360"/>
           </a:xfrm>
         </p:spPr>
         <p:txBody>
           <a:bodyPr/>
           <a:lstStyle>
             <a:lvl1pPr>
-              <a:defRPr sz="3200"/>
+              <a:defRPr sz="3696"/>
             </a:lvl1pPr>
             <a:lvl2pPr>
-              <a:defRPr sz="2800"/>
+              <a:defRPr sz="3234"/>
             </a:lvl2pPr>
             <a:lvl3pPr>
-              <a:defRPr sz="2400"/>
+              <a:defRPr sz="2772"/>
             </a:lvl3pPr>
             <a:lvl4pPr>
-              <a:defRPr sz="2000"/>
+              <a:defRPr sz="2310"/>
             </a:lvl4pPr>
             <a:lvl5pPr>
-              <a:defRPr sz="2000"/>
+              <a:defRPr sz="2310"/>
             </a:lvl5pPr>
             <a:lvl6pPr>
-              <a:defRPr sz="2000"/>
+              <a:defRPr sz="2310"/>
             </a:lvl6pPr>
             <a:lvl7pPr>
-              <a:defRPr sz="2000"/>
+              <a:defRPr sz="2310"/>
             </a:lvl7pPr>
             <a:lvl8pPr>
-              <a:defRPr sz="2000"/>
+              <a:defRPr sz="2310"/>
             </a:lvl8pPr>
             <a:lvl9pPr>
-              <a:defRPr sz="2000"/>
+              <a:defRPr sz="2310"/>
             </a:lvl9pPr>
           </a:lstStyle>
           <a:p>
@@ -2041,8 +2761,8 @@
         </p:nvSpPr>
         <p:spPr>
           <a:xfrm>
-            <a:off x="839788" y="2057400"/>
-            <a:ext cx="3932237" cy="3811588"/>
+            <a:off x="843068" y="2376011"/>
+            <a:ext cx="3947598" cy="4401855"/>
           </a:xfrm>
         </p:spPr>
         <p:txBody>
@@ -2050,39 +2770,39 @@
           <a:lstStyle>
             <a:lvl1pPr marL="0" indent="0">
               <a:buNone/>
-              <a:defRPr sz="1600"/>
+              <a:defRPr sz="1848"/>
             </a:lvl1pPr>
-            <a:lvl2pPr marL="457200" indent="0">
+            <a:lvl2pPr marL="528020" indent="0">
               <a:buNone/>
-              <a:defRPr sz="1400"/>
+              <a:defRPr sz="1617"/>
             </a:lvl2pPr>
-            <a:lvl3pPr marL="914400" indent="0">
+            <a:lvl3pPr marL="1056041" indent="0">
               <a:buNone/>
-              <a:defRPr sz="1200"/>
+              <a:defRPr sz="1386"/>
             </a:lvl3pPr>
-            <a:lvl4pPr marL="1371600" indent="0">
+            <a:lvl4pPr marL="1584061" indent="0">
               <a:buNone/>
-              <a:defRPr sz="1000"/>
+              <a:defRPr sz="1155"/>
             </a:lvl4pPr>
-            <a:lvl5pPr marL="1828800" indent="0">
+            <a:lvl5pPr marL="2112081" indent="0">
               <a:buNone/>
-              <a:defRPr sz="1000"/>
+              <a:defRPr sz="1155"/>
             </a:lvl5pPr>
-            <a:lvl6pPr marL="2286000" indent="0">
+            <a:lvl6pPr marL="2640101" indent="0">
               <a:buNone/>
-              <a:defRPr sz="1000"/>
+              <a:defRPr sz="1155"/>
             </a:lvl6pPr>
-            <a:lvl7pPr marL="2743200" indent="0">
+            <a:lvl7pPr marL="3168122" indent="0">
               <a:buNone/>
-              <a:defRPr sz="1000"/>
+              <a:defRPr sz="1155"/>
             </a:lvl7pPr>
-            <a:lvl8pPr marL="3200400" indent="0">
+            <a:lvl8pPr marL="3696142" indent="0">
               <a:buNone/>
-              <a:defRPr sz="1000"/>
+              <a:defRPr sz="1155"/>
             </a:lvl8pPr>
-            <a:lvl9pPr marL="3657600" indent="0">
+            <a:lvl9pPr marL="4224162" indent="0">
               <a:buNone/>
-              <a:defRPr sz="1000"/>
+              <a:defRPr sz="1155"/>
             </a:lvl9pPr>
           </a:lstStyle>
           <a:p>
@@ -2111,7 +2831,7 @@
           <a:p>
             <a:fld id="{C88486A0-91B1-42F4-AA0D-0D56FAEE0A7C}" type="datetimeFigureOut">
               <a:rPr lang="zh-Hans-HK" altLang="en-US" smtClean="0"/>
-              <a:t>31/10/2020</a:t>
+              <a:t>21/12/2020</a:t>
             </a:fld>
             <a:endParaRPr lang="zh-Hans-HK" altLang="en-US"/>
           </a:p>
@@ -2162,7 +2882,7 @@
     </p:spTree>
     <p:extLst>
       <p:ext uri="{BB962C8B-B14F-4D97-AF65-F5344CB8AC3E}">
-        <p14:creationId xmlns:p14="http://schemas.microsoft.com/office/powerpoint/2010/main" val="2890179948"/>
+        <p14:creationId xmlns:p14="http://schemas.microsoft.com/office/powerpoint/2010/main" val="2134515140"/>
       </p:ext>
     </p:extLst>
   </p:cSld>
@@ -2201,15 +2921,15 @@
         </p:nvSpPr>
         <p:spPr>
           <a:xfrm>
-            <a:off x="839788" y="457200"/>
-            <a:ext cx="3932237" cy="1600200"/>
+            <a:off x="843068" y="528002"/>
+            <a:ext cx="3947598" cy="1848009"/>
           </a:xfrm>
         </p:spPr>
         <p:txBody>
           <a:bodyPr anchor="b"/>
           <a:lstStyle>
             <a:lvl1pPr>
-              <a:defRPr sz="3200"/>
+              <a:defRPr sz="3696"/>
             </a:lvl1pPr>
           </a:lstStyle>
           <a:p>
@@ -2233,8 +2953,8 @@
         </p:nvSpPr>
         <p:spPr>
           <a:xfrm>
-            <a:off x="5183188" y="987425"/>
-            <a:ext cx="6172200" cy="4873625"/>
+            <a:off x="5203435" y="1140341"/>
+            <a:ext cx="6196310" cy="5628360"/>
           </a:xfrm>
         </p:spPr>
         <p:txBody>
@@ -2242,39 +2962,39 @@
           <a:lstStyle>
             <a:lvl1pPr marL="0" indent="0">
               <a:buNone/>
-              <a:defRPr sz="3200"/>
+              <a:defRPr sz="3696"/>
             </a:lvl1pPr>
-            <a:lvl2pPr marL="457200" indent="0">
+            <a:lvl2pPr marL="528020" indent="0">
               <a:buNone/>
-              <a:defRPr sz="2800"/>
+              <a:defRPr sz="3234"/>
             </a:lvl2pPr>
-            <a:lvl3pPr marL="914400" indent="0">
+            <a:lvl3pPr marL="1056041" indent="0">
               <a:buNone/>
-              <a:defRPr sz="2400"/>
+              <a:defRPr sz="2772"/>
             </a:lvl3pPr>
-            <a:lvl4pPr marL="1371600" indent="0">
+            <a:lvl4pPr marL="1584061" indent="0">
               <a:buNone/>
-              <a:defRPr sz="2000"/>
+              <a:defRPr sz="2310"/>
             </a:lvl4pPr>
-            <a:lvl5pPr marL="1828800" indent="0">
+            <a:lvl5pPr marL="2112081" indent="0">
               <a:buNone/>
-              <a:defRPr sz="2000"/>
+              <a:defRPr sz="2310"/>
             </a:lvl5pPr>
-            <a:lvl6pPr marL="2286000" indent="0">
+            <a:lvl6pPr marL="2640101" indent="0">
               <a:buNone/>
-              <a:defRPr sz="2000"/>
+              <a:defRPr sz="2310"/>
             </a:lvl6pPr>
-            <a:lvl7pPr marL="2743200" indent="0">
+            <a:lvl7pPr marL="3168122" indent="0">
               <a:buNone/>
-              <a:defRPr sz="2000"/>
+              <a:defRPr sz="2310"/>
             </a:lvl7pPr>
-            <a:lvl8pPr marL="3200400" indent="0">
+            <a:lvl8pPr marL="3696142" indent="0">
               <a:buNone/>
-              <a:defRPr sz="2000"/>
+              <a:defRPr sz="2310"/>
             </a:lvl8pPr>
-            <a:lvl9pPr marL="3657600" indent="0">
+            <a:lvl9pPr marL="4224162" indent="0">
               <a:buNone/>
-              <a:defRPr sz="2000"/>
+              <a:defRPr sz="2310"/>
             </a:lvl9pPr>
           </a:lstStyle>
           <a:p>
@@ -2298,8 +3018,8 @@
         </p:nvSpPr>
         <p:spPr>
           <a:xfrm>
-            <a:off x="839788" y="2057400"/>
-            <a:ext cx="3932237" cy="3811588"/>
+            <a:off x="843068" y="2376011"/>
+            <a:ext cx="3947598" cy="4401855"/>
           </a:xfrm>
         </p:spPr>
         <p:txBody>
@@ -2307,39 +3027,39 @@
           <a:lstStyle>
             <a:lvl1pPr marL="0" indent="0">
               <a:buNone/>
-              <a:defRPr sz="1600"/>
+              <a:defRPr sz="1848"/>
             </a:lvl1pPr>
-            <a:lvl2pPr marL="457200" indent="0">
+            <a:lvl2pPr marL="528020" indent="0">
               <a:buNone/>
-              <a:defRPr sz="1400"/>
+              <a:defRPr sz="1617"/>
             </a:lvl2pPr>
-            <a:lvl3pPr marL="914400" indent="0">
+            <a:lvl3pPr marL="1056041" indent="0">
               <a:buNone/>
-              <a:defRPr sz="1200"/>
+              <a:defRPr sz="1386"/>
             </a:lvl3pPr>
-            <a:lvl4pPr marL="1371600" indent="0">
+            <a:lvl4pPr marL="1584061" indent="0">
               <a:buNone/>
-              <a:defRPr sz="1000"/>
+              <a:defRPr sz="1155"/>
             </a:lvl4pPr>
-            <a:lvl5pPr marL="1828800" indent="0">
+            <a:lvl5pPr marL="2112081" indent="0">
               <a:buNone/>
-              <a:defRPr sz="1000"/>
+              <a:defRPr sz="1155"/>
             </a:lvl5pPr>
-            <a:lvl6pPr marL="2286000" indent="0">
+            <a:lvl6pPr marL="2640101" indent="0">
               <a:buNone/>
-              <a:defRPr sz="1000"/>
+              <a:defRPr sz="1155"/>
             </a:lvl6pPr>
-            <a:lvl7pPr marL="2743200" indent="0">
+            <a:lvl7pPr marL="3168122" indent="0">
               <a:buNone/>
-              <a:defRPr sz="1000"/>
+              <a:defRPr sz="1155"/>
             </a:lvl7pPr>
-            <a:lvl8pPr marL="3200400" indent="0">
+            <a:lvl8pPr marL="3696142" indent="0">
               <a:buNone/>
-              <a:defRPr sz="1000"/>
+              <a:defRPr sz="1155"/>
             </a:lvl8pPr>
-            <a:lvl9pPr marL="3657600" indent="0">
+            <a:lvl9pPr marL="4224162" indent="0">
               <a:buNone/>
-              <a:defRPr sz="1000"/>
+              <a:defRPr sz="1155"/>
             </a:lvl9pPr>
           </a:lstStyle>
           <a:p>
@@ -2368,7 +3088,7 @@
           <a:p>
             <a:fld id="{C88486A0-91B1-42F4-AA0D-0D56FAEE0A7C}" type="datetimeFigureOut">
               <a:rPr lang="zh-Hans-HK" altLang="en-US" smtClean="0"/>
-              <a:t>31/10/2020</a:t>
+              <a:t>21/12/2020</a:t>
             </a:fld>
             <a:endParaRPr lang="zh-Hans-HK" altLang="en-US"/>
           </a:p>
@@ -2419,7 +3139,7 @@
     </p:spTree>
     <p:extLst>
       <p:ext uri="{BB962C8B-B14F-4D97-AF65-F5344CB8AC3E}">
-        <p14:creationId xmlns:p14="http://schemas.microsoft.com/office/powerpoint/2010/main" val="3415418341"/>
+        <p14:creationId xmlns:p14="http://schemas.microsoft.com/office/powerpoint/2010/main" val="1889161965"/>
       </p:ext>
     </p:extLst>
   </p:cSld>
@@ -2463,8 +3183,8 @@
         </p:nvSpPr>
         <p:spPr>
           <a:xfrm>
-            <a:off x="838200" y="365125"/>
-            <a:ext cx="10515600" cy="1325563"/>
+            <a:off x="841474" y="421671"/>
+            <a:ext cx="10556677" cy="1530841"/>
           </a:xfrm>
           <a:prstGeom prst="rect">
             <a:avLst/>
@@ -2496,8 +3216,8 @@
         </p:nvSpPr>
         <p:spPr>
           <a:xfrm>
-            <a:off x="838200" y="1825625"/>
-            <a:ext cx="10515600" cy="4351338"/>
+            <a:off x="841474" y="2108344"/>
+            <a:ext cx="10556677" cy="5025191"/>
           </a:xfrm>
           <a:prstGeom prst="rect">
             <a:avLst/>
@@ -2558,8 +3278,8 @@
         </p:nvSpPr>
         <p:spPr>
           <a:xfrm>
-            <a:off x="838200" y="6356350"/>
-            <a:ext cx="2743200" cy="365125"/>
+            <a:off x="841474" y="7340703"/>
+            <a:ext cx="2753916" cy="421669"/>
           </a:xfrm>
           <a:prstGeom prst="rect">
             <a:avLst/>
@@ -2569,7 +3289,7 @@
           <a:bodyPr vert="horz" lIns="91440" tIns="45720" rIns="91440" bIns="45720" rtlCol="0" anchor="ctr"/>
           <a:lstStyle>
             <a:lvl1pPr algn="l">
-              <a:defRPr sz="1200">
+              <a:defRPr sz="1386">
                 <a:solidFill>
                   <a:schemeClr val="tx1">
                     <a:tint val="75000"/>
@@ -2581,7 +3301,7 @@
           <a:p>
             <a:fld id="{C88486A0-91B1-42F4-AA0D-0D56FAEE0A7C}" type="datetimeFigureOut">
               <a:rPr lang="zh-Hans-HK" altLang="en-US" smtClean="0"/>
-              <a:t>31/10/2020</a:t>
+              <a:t>21/12/2020</a:t>
             </a:fld>
             <a:endParaRPr lang="zh-Hans-HK" altLang="en-US"/>
           </a:p>
@@ -2599,8 +3319,8 @@
         </p:nvSpPr>
         <p:spPr>
           <a:xfrm>
-            <a:off x="4038600" y="6356350"/>
-            <a:ext cx="4114800" cy="365125"/>
+            <a:off x="4054376" y="7340703"/>
+            <a:ext cx="4130873" cy="421669"/>
           </a:xfrm>
           <a:prstGeom prst="rect">
             <a:avLst/>
@@ -2610,7 +3330,7 @@
           <a:bodyPr vert="horz" lIns="91440" tIns="45720" rIns="91440" bIns="45720" rtlCol="0" anchor="ctr"/>
           <a:lstStyle>
             <a:lvl1pPr algn="ctr">
-              <a:defRPr sz="1200">
+              <a:defRPr sz="1386">
                 <a:solidFill>
                   <a:schemeClr val="tx1">
                     <a:tint val="75000"/>
@@ -2636,8 +3356,8 @@
         </p:nvSpPr>
         <p:spPr>
           <a:xfrm>
-            <a:off x="8610600" y="6356350"/>
-            <a:ext cx="2743200" cy="365125"/>
+            <a:off x="8644235" y="7340703"/>
+            <a:ext cx="2753916" cy="421669"/>
           </a:xfrm>
           <a:prstGeom prst="rect">
             <a:avLst/>
@@ -2647,7 +3367,7 @@
           <a:bodyPr vert="horz" lIns="91440" tIns="45720" rIns="91440" bIns="45720" rtlCol="0" anchor="ctr"/>
           <a:lstStyle>
             <a:lvl1pPr algn="r">
-              <a:defRPr sz="1200">
+              <a:defRPr sz="1386">
                 <a:solidFill>
                   <a:schemeClr val="tx1">
                     <a:tint val="75000"/>
@@ -2668,27 +3388,27 @@
     </p:spTree>
     <p:extLst>
       <p:ext uri="{BB962C8B-B14F-4D97-AF65-F5344CB8AC3E}">
-        <p14:creationId xmlns:p14="http://schemas.microsoft.com/office/powerpoint/2010/main" val="604726627"/>
+        <p14:creationId xmlns:p14="http://schemas.microsoft.com/office/powerpoint/2010/main" val="1080062784"/>
       </p:ext>
     </p:extLst>
   </p:cSld>
   <p:clrMap bg1="lt1" tx1="dk1" bg2="lt2" tx2="dk2" accent1="accent1" accent2="accent2" accent3="accent3" accent4="accent4" accent5="accent5" accent6="accent6" hlink="hlink" folHlink="folHlink"/>
   <p:sldLayoutIdLst>
-    <p:sldLayoutId id="2147483673" r:id="rId1"/>
-    <p:sldLayoutId id="2147483674" r:id="rId2"/>
-    <p:sldLayoutId id="2147483675" r:id="rId3"/>
-    <p:sldLayoutId id="2147483676" r:id="rId4"/>
-    <p:sldLayoutId id="2147483677" r:id="rId5"/>
-    <p:sldLayoutId id="2147483678" r:id="rId6"/>
-    <p:sldLayoutId id="2147483679" r:id="rId7"/>
-    <p:sldLayoutId id="2147483680" r:id="rId8"/>
-    <p:sldLayoutId id="2147483681" r:id="rId9"/>
-    <p:sldLayoutId id="2147483682" r:id="rId10"/>
-    <p:sldLayoutId id="2147483683" r:id="rId11"/>
+    <p:sldLayoutId id="2147483685" r:id="rId1"/>
+    <p:sldLayoutId id="2147483686" r:id="rId2"/>
+    <p:sldLayoutId id="2147483687" r:id="rId3"/>
+    <p:sldLayoutId id="2147483688" r:id="rId4"/>
+    <p:sldLayoutId id="2147483689" r:id="rId5"/>
+    <p:sldLayoutId id="2147483690" r:id="rId6"/>
+    <p:sldLayoutId id="2147483691" r:id="rId7"/>
+    <p:sldLayoutId id="2147483692" r:id="rId8"/>
+    <p:sldLayoutId id="2147483693" r:id="rId9"/>
+    <p:sldLayoutId id="2147483694" r:id="rId10"/>
+    <p:sldLayoutId id="2147483695" r:id="rId11"/>
   </p:sldLayoutIdLst>
   <p:txStyles>
     <p:titleStyle>
-      <a:lvl1pPr algn="l" defTabSz="914400" rtl="0" eaLnBrk="1" latinLnBrk="0" hangingPunct="1">
+      <a:lvl1pPr algn="l" defTabSz="1056041" rtl="0" eaLnBrk="1" latinLnBrk="0" hangingPunct="1">
         <a:lnSpc>
           <a:spcPct val="90000"/>
         </a:lnSpc>
@@ -2696,7 +3416,7 @@
           <a:spcPct val="0"/>
         </a:spcBef>
         <a:buNone/>
-        <a:defRPr sz="4400" kern="1200">
+        <a:defRPr sz="5082" kern="1200">
           <a:solidFill>
             <a:schemeClr val="tx1"/>
           </a:solidFill>
@@ -2707,16 +3427,16 @@
       </a:lvl1pPr>
     </p:titleStyle>
     <p:bodyStyle>
-      <a:lvl1pPr marL="228600" indent="-228600" algn="l" defTabSz="914400" rtl="0" eaLnBrk="1" latinLnBrk="0" hangingPunct="1">
+      <a:lvl1pPr marL="264010" indent="-264010" algn="l" defTabSz="1056041" rtl="0" eaLnBrk="1" latinLnBrk="0" hangingPunct="1">
         <a:lnSpc>
           <a:spcPct val="90000"/>
         </a:lnSpc>
         <a:spcBef>
-          <a:spcPts val="1000"/>
+          <a:spcPts val="1155"/>
         </a:spcBef>
         <a:buFont typeface="Arial" panose="020B0604020202020204" pitchFamily="34" charset="0"/>
         <a:buChar char="•"/>
-        <a:defRPr sz="2800" kern="1200">
+        <a:defRPr sz="3234" kern="1200">
           <a:solidFill>
             <a:schemeClr val="tx1"/>
           </a:solidFill>
@@ -2725,16 +3445,16 @@
           <a:cs typeface="+mn-cs"/>
         </a:defRPr>
       </a:lvl1pPr>
-      <a:lvl2pPr marL="685800" indent="-228600" algn="l" defTabSz="914400" rtl="0" eaLnBrk="1" latinLnBrk="0" hangingPunct="1">
+      <a:lvl2pPr marL="792030" indent="-264010" algn="l" defTabSz="1056041" rtl="0" eaLnBrk="1" latinLnBrk="0" hangingPunct="1">
         <a:lnSpc>
           <a:spcPct val="90000"/>
         </a:lnSpc>
         <a:spcBef>
-          <a:spcPts val="500"/>
+          <a:spcPts val="577"/>
         </a:spcBef>
         <a:buFont typeface="Arial" panose="020B0604020202020204" pitchFamily="34" charset="0"/>
         <a:buChar char="•"/>
-        <a:defRPr sz="2400" kern="1200">
+        <a:defRPr sz="2772" kern="1200">
           <a:solidFill>
             <a:schemeClr val="tx1"/>
           </a:solidFill>
@@ -2743,16 +3463,16 @@
           <a:cs typeface="+mn-cs"/>
         </a:defRPr>
       </a:lvl2pPr>
-      <a:lvl3pPr marL="1143000" indent="-228600" algn="l" defTabSz="914400" rtl="0" eaLnBrk="1" latinLnBrk="0" hangingPunct="1">
+      <a:lvl3pPr marL="1320051" indent="-264010" algn="l" defTabSz="1056041" rtl="0" eaLnBrk="1" latinLnBrk="0" hangingPunct="1">
         <a:lnSpc>
           <a:spcPct val="90000"/>
         </a:lnSpc>
         <a:spcBef>
-          <a:spcPts val="500"/>
+          <a:spcPts val="577"/>
         </a:spcBef>
         <a:buFont typeface="Arial" panose="020B0604020202020204" pitchFamily="34" charset="0"/>
         <a:buChar char="•"/>
-        <a:defRPr sz="2000" kern="1200">
+        <a:defRPr sz="2310" kern="1200">
           <a:solidFill>
             <a:schemeClr val="tx1"/>
           </a:solidFill>
@@ -2761,16 +3481,16 @@
           <a:cs typeface="+mn-cs"/>
         </a:defRPr>
       </a:lvl3pPr>
-      <a:lvl4pPr marL="1600200" indent="-228600" algn="l" defTabSz="914400" rtl="0" eaLnBrk="1" latinLnBrk="0" hangingPunct="1">
+      <a:lvl4pPr marL="1848071" indent="-264010" algn="l" defTabSz="1056041" rtl="0" eaLnBrk="1" latinLnBrk="0" hangingPunct="1">
         <a:lnSpc>
           <a:spcPct val="90000"/>
         </a:lnSpc>
         <a:spcBef>
-          <a:spcPts val="500"/>
+          <a:spcPts val="577"/>
         </a:spcBef>
         <a:buFont typeface="Arial" panose="020B0604020202020204" pitchFamily="34" charset="0"/>
         <a:buChar char="•"/>
-        <a:defRPr sz="1800" kern="1200">
+        <a:defRPr sz="2079" kern="1200">
           <a:solidFill>
             <a:schemeClr val="tx1"/>
           </a:solidFill>
@@ -2779,16 +3499,16 @@
           <a:cs typeface="+mn-cs"/>
         </a:defRPr>
       </a:lvl4pPr>
-      <a:lvl5pPr marL="2057400" indent="-228600" algn="l" defTabSz="914400" rtl="0" eaLnBrk="1" latinLnBrk="0" hangingPunct="1">
+      <a:lvl5pPr marL="2376091" indent="-264010" algn="l" defTabSz="1056041" rtl="0" eaLnBrk="1" latinLnBrk="0" hangingPunct="1">
         <a:lnSpc>
           <a:spcPct val="90000"/>
         </a:lnSpc>
         <a:spcBef>
-          <a:spcPts val="500"/>
+          <a:spcPts val="577"/>
         </a:spcBef>
         <a:buFont typeface="Arial" panose="020B0604020202020204" pitchFamily="34" charset="0"/>
         <a:buChar char="•"/>
-        <a:defRPr sz="1800" kern="1200">
+        <a:defRPr sz="2079" kern="1200">
           <a:solidFill>
             <a:schemeClr val="tx1"/>
           </a:solidFill>
@@ -2797,16 +3517,16 @@
           <a:cs typeface="+mn-cs"/>
         </a:defRPr>
       </a:lvl5pPr>
-      <a:lvl6pPr marL="2514600" indent="-228600" algn="l" defTabSz="914400" rtl="0" eaLnBrk="1" latinLnBrk="0" hangingPunct="1">
+      <a:lvl6pPr marL="2904112" indent="-264010" algn="l" defTabSz="1056041" rtl="0" eaLnBrk="1" latinLnBrk="0" hangingPunct="1">
         <a:lnSpc>
           <a:spcPct val="90000"/>
         </a:lnSpc>
         <a:spcBef>
-          <a:spcPts val="500"/>
+          <a:spcPts val="577"/>
         </a:spcBef>
         <a:buFont typeface="Arial" panose="020B0604020202020204" pitchFamily="34" charset="0"/>
         <a:buChar char="•"/>
-        <a:defRPr sz="1800" kern="1200">
+        <a:defRPr sz="2079" kern="1200">
           <a:solidFill>
             <a:schemeClr val="tx1"/>
           </a:solidFill>
@@ -2815,16 +3535,16 @@
           <a:cs typeface="+mn-cs"/>
         </a:defRPr>
       </a:lvl6pPr>
-      <a:lvl7pPr marL="2971800" indent="-228600" algn="l" defTabSz="914400" rtl="0" eaLnBrk="1" latinLnBrk="0" hangingPunct="1">
+      <a:lvl7pPr marL="3432132" indent="-264010" algn="l" defTabSz="1056041" rtl="0" eaLnBrk="1" latinLnBrk="0" hangingPunct="1">
         <a:lnSpc>
           <a:spcPct val="90000"/>
         </a:lnSpc>
         <a:spcBef>
-          <a:spcPts val="500"/>
+          <a:spcPts val="577"/>
         </a:spcBef>
         <a:buFont typeface="Arial" panose="020B0604020202020204" pitchFamily="34" charset="0"/>
         <a:buChar char="•"/>
-        <a:defRPr sz="1800" kern="1200">
+        <a:defRPr sz="2079" kern="1200">
           <a:solidFill>
             <a:schemeClr val="tx1"/>
           </a:solidFill>
@@ -2833,16 +3553,16 @@
           <a:cs typeface="+mn-cs"/>
         </a:defRPr>
       </a:lvl7pPr>
-      <a:lvl8pPr marL="3429000" indent="-228600" algn="l" defTabSz="914400" rtl="0" eaLnBrk="1" latinLnBrk="0" hangingPunct="1">
+      <a:lvl8pPr marL="3960152" indent="-264010" algn="l" defTabSz="1056041" rtl="0" eaLnBrk="1" latinLnBrk="0" hangingPunct="1">
         <a:lnSpc>
           <a:spcPct val="90000"/>
         </a:lnSpc>
         <a:spcBef>
-          <a:spcPts val="500"/>
+          <a:spcPts val="577"/>
         </a:spcBef>
         <a:buFont typeface="Arial" panose="020B0604020202020204" pitchFamily="34" charset="0"/>
         <a:buChar char="•"/>
-        <a:defRPr sz="1800" kern="1200">
+        <a:defRPr sz="2079" kern="1200">
           <a:solidFill>
             <a:schemeClr val="tx1"/>
           </a:solidFill>
@@ -2851,16 +3571,16 @@
           <a:cs typeface="+mn-cs"/>
         </a:defRPr>
       </a:lvl8pPr>
-      <a:lvl9pPr marL="3886200" indent="-228600" algn="l" defTabSz="914400" rtl="0" eaLnBrk="1" latinLnBrk="0" hangingPunct="1">
+      <a:lvl9pPr marL="4488172" indent="-264010" algn="l" defTabSz="1056041" rtl="0" eaLnBrk="1" latinLnBrk="0" hangingPunct="1">
         <a:lnSpc>
           <a:spcPct val="90000"/>
         </a:lnSpc>
         <a:spcBef>
-          <a:spcPts val="500"/>
+          <a:spcPts val="577"/>
         </a:spcBef>
         <a:buFont typeface="Arial" panose="020B0604020202020204" pitchFamily="34" charset="0"/>
         <a:buChar char="•"/>
-        <a:defRPr sz="1800" kern="1200">
+        <a:defRPr sz="2079" kern="1200">
           <a:solidFill>
             <a:schemeClr val="tx1"/>
           </a:solidFill>
@@ -2874,8 +3594,8 @@
       <a:defPPr>
         <a:defRPr lang="en-US"/>
       </a:defPPr>
-      <a:lvl1pPr marL="0" algn="l" defTabSz="914400" rtl="0" eaLnBrk="1" latinLnBrk="0" hangingPunct="1">
-        <a:defRPr sz="1800" kern="1200">
+      <a:lvl1pPr marL="0" algn="l" defTabSz="1056041" rtl="0" eaLnBrk="1" latinLnBrk="0" hangingPunct="1">
+        <a:defRPr sz="2079" kern="1200">
           <a:solidFill>
             <a:schemeClr val="tx1"/>
           </a:solidFill>
@@ -2884,8 +3604,8 @@
           <a:cs typeface="+mn-cs"/>
         </a:defRPr>
       </a:lvl1pPr>
-      <a:lvl2pPr marL="457200" algn="l" defTabSz="914400" rtl="0" eaLnBrk="1" latinLnBrk="0" hangingPunct="1">
-        <a:defRPr sz="1800" kern="1200">
+      <a:lvl2pPr marL="528020" algn="l" defTabSz="1056041" rtl="0" eaLnBrk="1" latinLnBrk="0" hangingPunct="1">
+        <a:defRPr sz="2079" kern="1200">
           <a:solidFill>
             <a:schemeClr val="tx1"/>
           </a:solidFill>
@@ -2894,8 +3614,8 @@
           <a:cs typeface="+mn-cs"/>
         </a:defRPr>
       </a:lvl2pPr>
-      <a:lvl3pPr marL="914400" algn="l" defTabSz="914400" rtl="0" eaLnBrk="1" latinLnBrk="0" hangingPunct="1">
-        <a:defRPr sz="1800" kern="1200">
+      <a:lvl3pPr marL="1056041" algn="l" defTabSz="1056041" rtl="0" eaLnBrk="1" latinLnBrk="0" hangingPunct="1">
+        <a:defRPr sz="2079" kern="1200">
           <a:solidFill>
             <a:schemeClr val="tx1"/>
           </a:solidFill>
@@ -2904,8 +3624,8 @@
           <a:cs typeface="+mn-cs"/>
         </a:defRPr>
       </a:lvl3pPr>
-      <a:lvl4pPr marL="1371600" algn="l" defTabSz="914400" rtl="0" eaLnBrk="1" latinLnBrk="0" hangingPunct="1">
-        <a:defRPr sz="1800" kern="1200">
+      <a:lvl4pPr marL="1584061" algn="l" defTabSz="1056041" rtl="0" eaLnBrk="1" latinLnBrk="0" hangingPunct="1">
+        <a:defRPr sz="2079" kern="1200">
           <a:solidFill>
             <a:schemeClr val="tx1"/>
           </a:solidFill>
@@ -2914,8 +3634,8 @@
           <a:cs typeface="+mn-cs"/>
         </a:defRPr>
       </a:lvl4pPr>
-      <a:lvl5pPr marL="1828800" algn="l" defTabSz="914400" rtl="0" eaLnBrk="1" latinLnBrk="0" hangingPunct="1">
-        <a:defRPr sz="1800" kern="1200">
+      <a:lvl5pPr marL="2112081" algn="l" defTabSz="1056041" rtl="0" eaLnBrk="1" latinLnBrk="0" hangingPunct="1">
+        <a:defRPr sz="2079" kern="1200">
           <a:solidFill>
             <a:schemeClr val="tx1"/>
           </a:solidFill>
@@ -2924,8 +3644,8 @@
           <a:cs typeface="+mn-cs"/>
         </a:defRPr>
       </a:lvl5pPr>
-      <a:lvl6pPr marL="2286000" algn="l" defTabSz="914400" rtl="0" eaLnBrk="1" latinLnBrk="0" hangingPunct="1">
-        <a:defRPr sz="1800" kern="1200">
+      <a:lvl6pPr marL="2640101" algn="l" defTabSz="1056041" rtl="0" eaLnBrk="1" latinLnBrk="0" hangingPunct="1">
+        <a:defRPr sz="2079" kern="1200">
           <a:solidFill>
             <a:schemeClr val="tx1"/>
           </a:solidFill>
@@ -2934,8 +3654,8 @@
           <a:cs typeface="+mn-cs"/>
         </a:defRPr>
       </a:lvl6pPr>
-      <a:lvl7pPr marL="2743200" algn="l" defTabSz="914400" rtl="0" eaLnBrk="1" latinLnBrk="0" hangingPunct="1">
-        <a:defRPr sz="1800" kern="1200">
+      <a:lvl7pPr marL="3168122" algn="l" defTabSz="1056041" rtl="0" eaLnBrk="1" latinLnBrk="0" hangingPunct="1">
+        <a:defRPr sz="2079" kern="1200">
           <a:solidFill>
             <a:schemeClr val="tx1"/>
           </a:solidFill>
@@ -2944,8 +3664,8 @@
           <a:cs typeface="+mn-cs"/>
         </a:defRPr>
       </a:lvl7pPr>
-      <a:lvl8pPr marL="3200400" algn="l" defTabSz="914400" rtl="0" eaLnBrk="1" latinLnBrk="0" hangingPunct="1">
-        <a:defRPr sz="1800" kern="1200">
+      <a:lvl8pPr marL="3696142" algn="l" defTabSz="1056041" rtl="0" eaLnBrk="1" latinLnBrk="0" hangingPunct="1">
+        <a:defRPr sz="2079" kern="1200">
           <a:solidFill>
             <a:schemeClr val="tx1"/>
           </a:solidFill>
@@ -2954,8 +3674,8 @@
           <a:cs typeface="+mn-cs"/>
         </a:defRPr>
       </a:lvl8pPr>
-      <a:lvl9pPr marL="3657600" algn="l" defTabSz="914400" rtl="0" eaLnBrk="1" latinLnBrk="0" hangingPunct="1">
-        <a:defRPr sz="1800" kern="1200">
+      <a:lvl9pPr marL="4224162" algn="l" defTabSz="1056041" rtl="0" eaLnBrk="1" latinLnBrk="0" hangingPunct="1">
+        <a:defRPr sz="2079" kern="1200">
           <a:solidFill>
             <a:schemeClr val="tx1"/>
           </a:solidFill>
@@ -3054,7 +3774,7 @@
         <p:spPr/>
         <p:txBody>
           <a:bodyPr>
-            <a:normAutofit/>
+            <a:normAutofit lnSpcReduction="10000"/>
           </a:bodyPr>
           <a:lstStyle/>
           <a:p>
@@ -3070,6 +3790,13 @@
             <a:r>
               <a:rPr lang="en-US" altLang="zh-Hans-HK" dirty="0"/>
               <a:t>2020.10.08 - 2020.10.31</a:t>
+            </a:r>
+            <a:br>
+              <a:rPr lang="en-US" altLang="zh-Hans-HK" dirty="0"/>
+            </a:br>
+            <a:r>
+              <a:rPr lang="en-US" altLang="zh-Hans-HK" dirty="0"/>
+              <a:t>2020.12.20 - </a:t>
             </a:r>
             <a:endParaRPr lang="zh-Hans-HK" altLang="en-US" dirty="0"/>
           </a:p>
@@ -3107,766 +3834,10 @@
       </p:grpSpPr>
       <p:sp>
         <p:nvSpPr>
-          <p:cNvPr id="2" name="标题 1">
+          <p:cNvPr id="56" name="矩形 55">
             <a:extLst>
               <a:ext uri="{FF2B5EF4-FFF2-40B4-BE49-F238E27FC236}">
-                <a16:creationId xmlns:a16="http://schemas.microsoft.com/office/drawing/2014/main" id="{F532A3AA-81D1-4278-BCDE-728827FF64A8}"/>
-              </a:ext>
-            </a:extLst>
-          </p:cNvPr>
-          <p:cNvSpPr>
-            <a:spLocks noGrp="1"/>
-          </p:cNvSpPr>
-          <p:nvPr>
-            <p:ph type="title"/>
-          </p:nvPr>
-        </p:nvSpPr>
-        <p:spPr/>
-        <p:txBody>
-          <a:bodyPr/>
-          <a:lstStyle/>
-          <a:p>
-            <a:r>
-              <a:rPr lang="en-US" altLang="zh-CN" dirty="0"/>
-              <a:t>Data structure</a:t>
-            </a:r>
-            <a:endParaRPr lang="zh-Hans-HK" altLang="en-US" dirty="0"/>
-          </a:p>
-        </p:txBody>
-      </p:sp>
-      <p:sp>
-        <p:nvSpPr>
-          <p:cNvPr id="3" name="内容占位符 2">
-            <a:extLst>
-              <a:ext uri="{FF2B5EF4-FFF2-40B4-BE49-F238E27FC236}">
-                <a16:creationId xmlns:a16="http://schemas.microsoft.com/office/drawing/2014/main" id="{33669BA7-BC6B-4D00-B213-670E84A2F61B}"/>
-              </a:ext>
-            </a:extLst>
-          </p:cNvPr>
-          <p:cNvSpPr>
-            <a:spLocks noGrp="1"/>
-          </p:cNvSpPr>
-          <p:nvPr>
-            <p:ph idx="1"/>
-          </p:nvPr>
-        </p:nvSpPr>
-        <p:spPr>
-          <a:xfrm>
-            <a:off x="455023" y="1642745"/>
-            <a:ext cx="3492137" cy="4351338"/>
-          </a:xfrm>
-        </p:spPr>
-        <p:txBody>
-          <a:bodyPr>
-            <a:normAutofit/>
-          </a:bodyPr>
-          <a:lstStyle/>
-          <a:p>
-            <a:r>
-              <a:rPr lang="en-US" altLang="zh-CN" sz="2400" dirty="0"/>
-              <a:t>Data</a:t>
-            </a:r>
-          </a:p>
-          <a:p>
-            <a:pPr lvl="1"/>
-            <a:r>
-              <a:rPr lang="en-US" altLang="zh-CN" sz="2000" dirty="0"/>
-              <a:t>Candle chart of #Target</a:t>
-            </a:r>
-          </a:p>
-          <a:p>
-            <a:pPr lvl="2"/>
-            <a:r>
-              <a:rPr lang="en-US" altLang="zh-CN" sz="1800" dirty="0"/>
-              <a:t>Ask/Bid</a:t>
-            </a:r>
-          </a:p>
-          <a:p>
-            <a:pPr lvl="2"/>
-            <a:r>
-              <a:rPr lang="en-US" altLang="zh-CN" sz="1800" dirty="0"/>
-              <a:t>Open/Close</a:t>
-            </a:r>
-          </a:p>
-          <a:p>
-            <a:pPr lvl="2"/>
-            <a:r>
-              <a:rPr lang="en-US" altLang="zh-CN" sz="1800" dirty="0"/>
-              <a:t>High/Low</a:t>
-            </a:r>
-          </a:p>
-          <a:p>
-            <a:pPr lvl="2"/>
-            <a:r>
-              <a:rPr lang="en-US" altLang="zh-CN" sz="1800" dirty="0"/>
-              <a:t>Column</a:t>
-            </a:r>
-          </a:p>
-          <a:p>
-            <a:pPr lvl="1"/>
-            <a:r>
-              <a:rPr lang="en-US" altLang="zh-CN" sz="2000" dirty="0" err="1"/>
-              <a:t>GetHistoricalData</a:t>
-            </a:r>
-            <a:r>
-              <a:rPr lang="en-US" altLang="zh-CN" sz="2000" dirty="0"/>
-              <a:t>()</a:t>
-            </a:r>
-          </a:p>
-          <a:p>
-            <a:pPr lvl="1"/>
-            <a:r>
-              <a:rPr lang="en-US" altLang="zh-CN" sz="2000" dirty="0" err="1"/>
-              <a:t>GetRealTimeData</a:t>
-            </a:r>
-            <a:r>
-              <a:rPr lang="en-US" altLang="zh-CN" sz="2000" dirty="0"/>
-              <a:t>()</a:t>
-            </a:r>
-            <a:endParaRPr lang="zh-Hans-HK" altLang="en-US" sz="900" dirty="0"/>
-          </a:p>
-          <a:p>
-            <a:pPr lvl="1"/>
-            <a:endParaRPr lang="en-US" altLang="zh-CN" sz="1400" dirty="0"/>
-          </a:p>
-        </p:txBody>
-      </p:sp>
-      <p:sp>
-        <p:nvSpPr>
-          <p:cNvPr id="4" name="文本框 3">
-            <a:extLst>
-              <a:ext uri="{FF2B5EF4-FFF2-40B4-BE49-F238E27FC236}">
-                <a16:creationId xmlns:a16="http://schemas.microsoft.com/office/drawing/2014/main" id="{ADA621A2-CAC8-4C88-9AED-8766A9777630}"/>
-              </a:ext>
-            </a:extLst>
-          </p:cNvPr>
-          <p:cNvSpPr txBox="1"/>
-          <p:nvPr/>
-        </p:nvSpPr>
-        <p:spPr>
-          <a:xfrm>
-            <a:off x="3659777" y="1690688"/>
-            <a:ext cx="5492932" cy="5526641"/>
-          </a:xfrm>
-          <a:prstGeom prst="rect">
-            <a:avLst/>
-          </a:prstGeom>
-          <a:noFill/>
-        </p:spPr>
-        <p:txBody>
-          <a:bodyPr wrap="square" rtlCol="0">
-            <a:spAutoFit/>
-          </a:bodyPr>
-          <a:lstStyle/>
-          <a:p>
-            <a:pPr marL="342900" indent="-342900">
-              <a:buFont typeface="Arial" panose="020B0604020202020204" pitchFamily="34" charset="0"/>
-              <a:buChar char="•"/>
-            </a:pPr>
-            <a:r>
-              <a:rPr lang="en-US" altLang="zh-CN" sz="2000" dirty="0"/>
-              <a:t>Trading</a:t>
-            </a:r>
-          </a:p>
-          <a:p>
-            <a:pPr marL="742950" lvl="1" indent="-285750">
-              <a:buFont typeface="Arial" panose="020B0604020202020204" pitchFamily="34" charset="0"/>
-              <a:buChar char="•"/>
-            </a:pPr>
-            <a:r>
-              <a:rPr lang="en-US" altLang="zh-CN" dirty="0"/>
-              <a:t>Current Data</a:t>
-            </a:r>
-          </a:p>
-          <a:p>
-            <a:pPr marL="742950" lvl="1" indent="-285750">
-              <a:buFont typeface="Arial" panose="020B0604020202020204" pitchFamily="34" charset="0"/>
-              <a:buChar char="•"/>
-            </a:pPr>
-            <a:r>
-              <a:rPr lang="en-US" altLang="zh-CN" dirty="0"/>
-              <a:t>Trade</a:t>
-            </a:r>
-          </a:p>
-          <a:p>
-            <a:pPr marL="1200150" lvl="2" indent="-285750">
-              <a:buFont typeface="Arial" panose="020B0604020202020204" pitchFamily="34" charset="0"/>
-              <a:buChar char="•"/>
-            </a:pPr>
-            <a:r>
-              <a:rPr lang="en-US" altLang="zh-CN" sz="1600" dirty="0"/>
-              <a:t>Buy/Sold</a:t>
-            </a:r>
-          </a:p>
-          <a:p>
-            <a:pPr marL="1200150" lvl="2" indent="-285750">
-              <a:buFont typeface="Arial" panose="020B0604020202020204" pitchFamily="34" charset="0"/>
-              <a:buChar char="•"/>
-            </a:pPr>
-            <a:r>
-              <a:rPr lang="en-US" altLang="zh-CN" sz="1600" dirty="0"/>
-              <a:t>Stop-profit price/Stop limit</a:t>
-            </a:r>
-          </a:p>
-          <a:p>
-            <a:pPr marL="1200150" lvl="2" indent="-285750">
-              <a:buFont typeface="Arial" panose="020B0604020202020204" pitchFamily="34" charset="0"/>
-              <a:buChar char="•"/>
-            </a:pPr>
-            <a:r>
-              <a:rPr lang="en-US" altLang="zh-CN" sz="1600" dirty="0"/>
-              <a:t>Commissions/stamp</a:t>
-            </a:r>
-          </a:p>
-          <a:p>
-            <a:pPr marL="742950" lvl="1" indent="-285750">
-              <a:buFont typeface="Arial" panose="020B0604020202020204" pitchFamily="34" charset="0"/>
-              <a:buChar char="•"/>
-            </a:pPr>
-            <a:r>
-              <a:rPr lang="en-US" altLang="zh-CN" dirty="0"/>
-              <a:t>User Asset</a:t>
-            </a:r>
-          </a:p>
-          <a:p>
-            <a:pPr marL="1200150" lvl="2" indent="-285750">
-              <a:buFont typeface="Arial" panose="020B0604020202020204" pitchFamily="34" charset="0"/>
-              <a:buChar char="•"/>
-            </a:pPr>
-            <a:r>
-              <a:rPr lang="en-US" altLang="zh-CN" sz="1600" dirty="0"/>
-              <a:t>Quantity</a:t>
-            </a:r>
-          </a:p>
-          <a:p>
-            <a:pPr marL="1200150" lvl="2" indent="-285750">
-              <a:buFont typeface="Arial" panose="020B0604020202020204" pitchFamily="34" charset="0"/>
-              <a:buChar char="•"/>
-            </a:pPr>
-            <a:r>
-              <a:rPr lang="en-US" altLang="zh-CN" sz="1600" dirty="0"/>
-              <a:t>Profit</a:t>
-            </a:r>
-          </a:p>
-          <a:p>
-            <a:pPr marL="742950" lvl="1" indent="-285750">
-              <a:buFont typeface="Arial" panose="020B0604020202020204" pitchFamily="34" charset="0"/>
-              <a:buChar char="•"/>
-            </a:pPr>
-            <a:r>
-              <a:rPr lang="en-US" altLang="zh-CN" dirty="0" err="1"/>
-              <a:t>RunSimulation</a:t>
-            </a:r>
-            <a:r>
-              <a:rPr lang="en-US" altLang="zh-CN" dirty="0"/>
-              <a:t>()/</a:t>
-            </a:r>
-            <a:r>
-              <a:rPr lang="en-US" altLang="zh-CN" dirty="0" err="1"/>
-              <a:t>RunRealTime</a:t>
-            </a:r>
-            <a:r>
-              <a:rPr lang="en-US" altLang="zh-CN" dirty="0"/>
-              <a:t>()</a:t>
-            </a:r>
-          </a:p>
-          <a:p>
-            <a:pPr marL="1200150" lvl="2" indent="-285750">
-              <a:buFont typeface="Arial" panose="020B0604020202020204" pitchFamily="34" charset="0"/>
-              <a:buChar char="•"/>
-            </a:pPr>
-            <a:r>
-              <a:rPr lang="en-US" altLang="zh-CN" dirty="0" err="1"/>
-              <a:t>MainLoop</a:t>
-            </a:r>
-            <a:r>
-              <a:rPr lang="en-US" altLang="zh-CN" dirty="0"/>
-              <a:t>(daily)</a:t>
-            </a:r>
-          </a:p>
-          <a:p>
-            <a:pPr marL="1657350" lvl="3" indent="-285750">
-              <a:buFont typeface="Arial" panose="020B0604020202020204" pitchFamily="34" charset="0"/>
-              <a:buChar char="•"/>
-            </a:pPr>
-            <a:r>
-              <a:rPr lang="en-US" altLang="zh-CN" dirty="0" err="1"/>
-              <a:t>TradeLoop</a:t>
-            </a:r>
-            <a:r>
-              <a:rPr lang="en-US" altLang="zh-CN" dirty="0"/>
-              <a:t>(</a:t>
-            </a:r>
-            <a:r>
-              <a:rPr lang="en-US" altLang="zh-CN" dirty="0" err="1"/>
-              <a:t>PerMinute</a:t>
-            </a:r>
-            <a:r>
-              <a:rPr lang="en-US" altLang="zh-CN" dirty="0"/>
-              <a:t>)</a:t>
-            </a:r>
-          </a:p>
-          <a:p>
-            <a:pPr marL="2114550" lvl="4" indent="-285750">
-              <a:buFont typeface="Arial" panose="020B0604020202020204" pitchFamily="34" charset="0"/>
-              <a:buChar char="•"/>
-            </a:pPr>
-            <a:r>
-              <a:rPr lang="en-US" altLang="zh-CN" dirty="0" err="1">
-                <a:highlight>
-                  <a:srgbClr val="FFFF00"/>
-                </a:highlight>
-              </a:rPr>
-              <a:t>GenerateEntryPrice</a:t>
-            </a:r>
-            <a:r>
-              <a:rPr lang="en-US" altLang="zh-CN" dirty="0">
-                <a:highlight>
-                  <a:srgbClr val="FFFF00"/>
-                </a:highlight>
-              </a:rPr>
-              <a:t>(</a:t>
-            </a:r>
-            <a:r>
-              <a:rPr lang="en-US" altLang="zh-CN" dirty="0" err="1">
-                <a:highlight>
-                  <a:srgbClr val="FFFF00"/>
-                </a:highlight>
-              </a:rPr>
-              <a:t>CurData</a:t>
-            </a:r>
-            <a:r>
-              <a:rPr lang="en-US" altLang="zh-CN" dirty="0">
-                <a:highlight>
-                  <a:srgbClr val="FFFF00"/>
-                </a:highlight>
-              </a:rPr>
-              <a:t>, </a:t>
-            </a:r>
-            <a:r>
-              <a:rPr lang="en-US" altLang="zh-CN" dirty="0" err="1">
-                <a:highlight>
-                  <a:srgbClr val="FFFF00"/>
-                </a:highlight>
-              </a:rPr>
-              <a:t>Stra</a:t>
-            </a:r>
-            <a:r>
-              <a:rPr lang="en-US" altLang="zh-CN" dirty="0">
-                <a:highlight>
-                  <a:srgbClr val="FFFF00"/>
-                </a:highlight>
-              </a:rPr>
-              <a:t>)</a:t>
-            </a:r>
-          </a:p>
-          <a:p>
-            <a:pPr marL="2114550" lvl="4" indent="-285750">
-              <a:buFont typeface="Arial" panose="020B0604020202020204" pitchFamily="34" charset="0"/>
-              <a:buChar char="•"/>
-            </a:pPr>
-            <a:r>
-              <a:rPr lang="en-US" altLang="zh-CN" dirty="0" err="1"/>
-              <a:t>NewTrade</a:t>
-            </a:r>
-            <a:r>
-              <a:rPr lang="en-US" altLang="zh-CN" dirty="0"/>
-              <a:t>() if (</a:t>
-            </a:r>
-            <a:r>
-              <a:rPr lang="en-US" altLang="zh-CN" dirty="0" err="1"/>
-              <a:t>EntryPrice</a:t>
-            </a:r>
-            <a:r>
-              <a:rPr lang="en-US" altLang="zh-CN" dirty="0"/>
-              <a:t>)</a:t>
-            </a:r>
-          </a:p>
-          <a:p>
-            <a:pPr marL="2114550" lvl="4" indent="-285750">
-              <a:buFont typeface="Arial" panose="020B0604020202020204" pitchFamily="34" charset="0"/>
-              <a:buChar char="•"/>
-            </a:pPr>
-            <a:r>
-              <a:rPr lang="en-US" altLang="zh-CN" dirty="0" err="1"/>
-              <a:t>CheckAllTrade</a:t>
-            </a:r>
-            <a:r>
-              <a:rPr lang="en-US" altLang="zh-CN" dirty="0"/>
-              <a:t>()</a:t>
-            </a:r>
-          </a:p>
-          <a:p>
-            <a:pPr marL="2571750" lvl="5" indent="-285750">
-              <a:buFont typeface="Arial" panose="020B0604020202020204" pitchFamily="34" charset="0"/>
-              <a:buChar char="•"/>
-            </a:pPr>
-            <a:r>
-              <a:rPr lang="en-US" altLang="zh-CN" dirty="0" err="1">
-                <a:highlight>
-                  <a:srgbClr val="FFFF00"/>
-                </a:highlight>
-              </a:rPr>
-              <a:t>ReNewAllTrade</a:t>
-            </a:r>
-            <a:r>
-              <a:rPr lang="en-US" altLang="zh-CN" dirty="0">
-                <a:highlight>
-                  <a:srgbClr val="FFFF00"/>
-                </a:highlight>
-              </a:rPr>
-              <a:t>(</a:t>
-            </a:r>
-            <a:r>
-              <a:rPr lang="en-US" altLang="zh-CN" dirty="0" err="1">
-                <a:highlight>
-                  <a:srgbClr val="FFFF00"/>
-                </a:highlight>
-              </a:rPr>
-              <a:t>CurData</a:t>
-            </a:r>
-            <a:r>
-              <a:rPr lang="en-US" altLang="zh-CN" dirty="0">
-                <a:highlight>
-                  <a:srgbClr val="FFFF00"/>
-                </a:highlight>
-              </a:rPr>
-              <a:t>, </a:t>
-            </a:r>
-            <a:r>
-              <a:rPr lang="en-US" altLang="zh-CN" dirty="0" err="1">
-                <a:highlight>
-                  <a:srgbClr val="FFFF00"/>
-                </a:highlight>
-              </a:rPr>
-              <a:t>Stra</a:t>
-            </a:r>
-            <a:r>
-              <a:rPr lang="en-US" altLang="zh-CN" dirty="0">
-                <a:highlight>
-                  <a:srgbClr val="FFFF00"/>
-                </a:highlight>
-              </a:rPr>
-              <a:t>)</a:t>
-            </a:r>
-          </a:p>
-          <a:p>
-            <a:pPr marL="2571750" lvl="5" indent="-285750">
-              <a:buFont typeface="Arial" panose="020B0604020202020204" pitchFamily="34" charset="0"/>
-              <a:buChar char="•"/>
-            </a:pPr>
-            <a:r>
-              <a:rPr lang="en-US" altLang="zh-CN" dirty="0" err="1"/>
-              <a:t>CloseTrade</a:t>
-            </a:r>
-            <a:r>
-              <a:rPr lang="en-US" altLang="zh-CN" dirty="0"/>
-              <a:t>() if (Stop touch)</a:t>
-            </a:r>
-          </a:p>
-          <a:p>
-            <a:pPr marL="2114550" lvl="4" indent="-285750">
-              <a:buFont typeface="Arial" panose="020B0604020202020204" pitchFamily="34" charset="0"/>
-              <a:buChar char="•"/>
-            </a:pPr>
-            <a:r>
-              <a:rPr lang="en-US" altLang="zh-CN" dirty="0" err="1"/>
-              <a:t>CalculateUserAsset</a:t>
-            </a:r>
-            <a:r>
-              <a:rPr lang="en-US" altLang="zh-CN" dirty="0"/>
-              <a:t>()</a:t>
-            </a:r>
-          </a:p>
-          <a:p>
-            <a:pPr marL="685800" lvl="1" indent="-228600" defTabSz="914400">
-              <a:lnSpc>
-                <a:spcPct val="90000"/>
-              </a:lnSpc>
-              <a:spcBef>
-                <a:spcPts val="1000"/>
-              </a:spcBef>
-              <a:buFont typeface="Arial" panose="020B0604020202020204" pitchFamily="34" charset="0"/>
-              <a:buChar char="•"/>
-              <a:defRPr/>
-            </a:pPr>
-            <a:endParaRPr kumimoji="0" lang="en-US" altLang="zh-CN" sz="3200" b="0" i="0" u="none" strike="noStrike" kern="1200" cap="none" spc="0" normalizeH="0" baseline="0" noProof="0" dirty="0">
-              <a:ln>
-                <a:noFill/>
-              </a:ln>
-              <a:solidFill>
-                <a:prstClr val="black"/>
-              </a:solidFill>
-              <a:effectLst/>
-              <a:uLnTx/>
-              <a:uFillTx/>
-              <a:latin typeface="Calibri" panose="020F0502020204030204"/>
-              <a:ea typeface="等线" panose="02010600030101010101" pitchFamily="2" charset="-122"/>
-              <a:cs typeface="+mn-cs"/>
-            </a:endParaRPr>
-          </a:p>
-        </p:txBody>
-      </p:sp>
-      <p:sp>
-        <p:nvSpPr>
-          <p:cNvPr id="5" name="文本框 4">
-            <a:extLst>
-              <a:ext uri="{FF2B5EF4-FFF2-40B4-BE49-F238E27FC236}">
-                <a16:creationId xmlns:a16="http://schemas.microsoft.com/office/drawing/2014/main" id="{3919AAC9-D388-4525-B1AD-BD82755F9FBC}"/>
-              </a:ext>
-            </a:extLst>
-          </p:cNvPr>
-          <p:cNvSpPr txBox="1"/>
-          <p:nvPr/>
-        </p:nvSpPr>
-        <p:spPr>
-          <a:xfrm>
-            <a:off x="7491548" y="1690688"/>
-            <a:ext cx="4702121" cy="2862322"/>
-          </a:xfrm>
-          <a:prstGeom prst="rect">
-            <a:avLst/>
-          </a:prstGeom>
-          <a:noFill/>
-        </p:spPr>
-        <p:txBody>
-          <a:bodyPr wrap="none" rtlCol="0">
-            <a:spAutoFit/>
-          </a:bodyPr>
-          <a:lstStyle/>
-          <a:p>
-            <a:pPr marL="285750" indent="-285750">
-              <a:buFont typeface="Arial" panose="020B0604020202020204" pitchFamily="34" charset="0"/>
-              <a:buChar char="•"/>
-            </a:pPr>
-            <a:r>
-              <a:rPr lang="en-US" altLang="zh-Hans-HK" dirty="0"/>
-              <a:t>Strategy(Learning)</a:t>
-            </a:r>
-          </a:p>
-          <a:p>
-            <a:pPr marL="742950" lvl="1" indent="-285750">
-              <a:buFont typeface="Arial" panose="020B0604020202020204" pitchFamily="34" charset="0"/>
-              <a:buChar char="•"/>
-            </a:pPr>
-            <a:r>
-              <a:rPr lang="en-US" altLang="zh-Hans-HK" dirty="0"/>
-              <a:t>Strategy</a:t>
-            </a:r>
-          </a:p>
-          <a:p>
-            <a:pPr marL="1200150" lvl="2" indent="-285750">
-              <a:buFont typeface="Arial" panose="020B0604020202020204" pitchFamily="34" charset="0"/>
-              <a:buChar char="•"/>
-            </a:pPr>
-            <a:r>
-              <a:rPr lang="en-US" altLang="zh-CN" dirty="0" err="1">
-                <a:highlight>
-                  <a:srgbClr val="FFFF00"/>
-                </a:highlight>
-              </a:rPr>
-              <a:t>GenerateEntryPrice</a:t>
-            </a:r>
-            <a:r>
-              <a:rPr lang="en-US" altLang="zh-CN" dirty="0">
-                <a:highlight>
-                  <a:srgbClr val="FFFF00"/>
-                </a:highlight>
-              </a:rPr>
-              <a:t>(</a:t>
-            </a:r>
-            <a:r>
-              <a:rPr lang="en-US" altLang="zh-CN" dirty="0" err="1">
-                <a:highlight>
-                  <a:srgbClr val="FFFF00"/>
-                </a:highlight>
-              </a:rPr>
-              <a:t>CurData</a:t>
-            </a:r>
-            <a:r>
-              <a:rPr lang="en-US" altLang="zh-CN" dirty="0">
-                <a:highlight>
-                  <a:srgbClr val="FFFF00"/>
-                </a:highlight>
-              </a:rPr>
-              <a:t>, </a:t>
-            </a:r>
-            <a:r>
-              <a:rPr lang="en-US" altLang="zh-CN" dirty="0" err="1">
-                <a:highlight>
-                  <a:srgbClr val="FFFF00"/>
-                </a:highlight>
-              </a:rPr>
-              <a:t>Stra</a:t>
-            </a:r>
-            <a:r>
-              <a:rPr lang="en-US" altLang="zh-CN" dirty="0">
-                <a:highlight>
-                  <a:srgbClr val="FFFF00"/>
-                </a:highlight>
-              </a:rPr>
-              <a:t>)</a:t>
-            </a:r>
-          </a:p>
-          <a:p>
-            <a:pPr marL="1200150" lvl="2" indent="-285750">
-              <a:buFont typeface="Arial" panose="020B0604020202020204" pitchFamily="34" charset="0"/>
-              <a:buChar char="•"/>
-            </a:pPr>
-            <a:r>
-              <a:rPr lang="en-US" altLang="zh-CN" dirty="0" err="1">
-                <a:highlight>
-                  <a:srgbClr val="FFFF00"/>
-                </a:highlight>
-              </a:rPr>
-              <a:t>ReNewAllTrade</a:t>
-            </a:r>
-            <a:r>
-              <a:rPr lang="en-US" altLang="zh-CN" dirty="0">
-                <a:highlight>
-                  <a:srgbClr val="FFFF00"/>
-                </a:highlight>
-              </a:rPr>
-              <a:t>(</a:t>
-            </a:r>
-            <a:r>
-              <a:rPr lang="en-US" altLang="zh-CN" dirty="0" err="1">
-                <a:highlight>
-                  <a:srgbClr val="FFFF00"/>
-                </a:highlight>
-              </a:rPr>
-              <a:t>CurData</a:t>
-            </a:r>
-            <a:r>
-              <a:rPr lang="en-US" altLang="zh-CN" dirty="0">
-                <a:highlight>
-                  <a:srgbClr val="FFFF00"/>
-                </a:highlight>
-              </a:rPr>
-              <a:t>, </a:t>
-            </a:r>
-            <a:r>
-              <a:rPr lang="en-US" altLang="zh-CN" dirty="0" err="1">
-                <a:highlight>
-                  <a:srgbClr val="FFFF00"/>
-                </a:highlight>
-              </a:rPr>
-              <a:t>Stra</a:t>
-            </a:r>
-            <a:r>
-              <a:rPr lang="en-US" altLang="zh-CN" dirty="0">
-                <a:highlight>
-                  <a:srgbClr val="FFFF00"/>
-                </a:highlight>
-              </a:rPr>
-              <a:t>)</a:t>
-            </a:r>
-          </a:p>
-          <a:p>
-            <a:pPr marL="742950" lvl="1" indent="-285750">
-              <a:buFont typeface="Arial" panose="020B0604020202020204" pitchFamily="34" charset="0"/>
-              <a:buChar char="•"/>
-            </a:pPr>
-            <a:r>
-              <a:rPr lang="en-US" altLang="zh-CN" dirty="0"/>
-              <a:t>Evaluation</a:t>
-            </a:r>
-          </a:p>
-          <a:p>
-            <a:pPr marL="1200150" lvl="2" indent="-285750">
-              <a:buFont typeface="Arial" panose="020B0604020202020204" pitchFamily="34" charset="0"/>
-              <a:buChar char="•"/>
-            </a:pPr>
-            <a:r>
-              <a:rPr lang="en-US" altLang="zh-CN" dirty="0" err="1"/>
-              <a:t>CostFunction</a:t>
-            </a:r>
-            <a:endParaRPr lang="en-US" altLang="zh-CN" dirty="0"/>
-          </a:p>
-          <a:p>
-            <a:pPr marL="1200150" lvl="2" indent="-285750">
-              <a:buFont typeface="Arial" panose="020B0604020202020204" pitchFamily="34" charset="0"/>
-              <a:buChar char="•"/>
-            </a:pPr>
-            <a:r>
-              <a:rPr lang="en-US" altLang="zh-CN" dirty="0"/>
-              <a:t>Performance</a:t>
-            </a:r>
-          </a:p>
-          <a:p>
-            <a:pPr marL="1200150" lvl="2" indent="-285750">
-              <a:buFont typeface="Arial" panose="020B0604020202020204" pitchFamily="34" charset="0"/>
-              <a:buChar char="•"/>
-            </a:pPr>
-            <a:r>
-              <a:rPr lang="en-US" altLang="zh-CN" dirty="0"/>
-              <a:t>Evaluate()</a:t>
-            </a:r>
-          </a:p>
-          <a:p>
-            <a:pPr marL="742950" lvl="1" indent="-285750">
-              <a:buFont typeface="Arial" panose="020B0604020202020204" pitchFamily="34" charset="0"/>
-              <a:buChar char="•"/>
-            </a:pPr>
-            <a:r>
-              <a:rPr lang="en-US" altLang="zh-CN" dirty="0"/>
-              <a:t>Learning</a:t>
-            </a:r>
-          </a:p>
-          <a:p>
-            <a:pPr marL="1200150" lvl="2" indent="-285750">
-              <a:buFont typeface="Arial" panose="020B0604020202020204" pitchFamily="34" charset="0"/>
-              <a:buChar char="•"/>
-            </a:pPr>
-            <a:r>
-              <a:rPr lang="en-US" altLang="zh-CN" dirty="0">
-                <a:solidFill>
-                  <a:schemeClr val="bg1">
-                    <a:lumMod val="75000"/>
-                  </a:schemeClr>
-                </a:solidFill>
-              </a:rPr>
-              <a:t>Add machine learning module here</a:t>
-            </a:r>
-          </a:p>
-        </p:txBody>
-      </p:sp>
-    </p:spTree>
-    <p:extLst>
-      <p:ext uri="{BB962C8B-B14F-4D97-AF65-F5344CB8AC3E}">
-        <p14:creationId xmlns:p14="http://schemas.microsoft.com/office/powerpoint/2010/main" val="1563037589"/>
-      </p:ext>
-    </p:extLst>
-  </p:cSld>
-  <p:clrMapOvr>
-    <a:masterClrMapping/>
-  </p:clrMapOvr>
-</p:sld>
-</file>
-
-<file path=ppt/slides/slide3.xml><?xml version="1.0" encoding="utf-8"?>
-<p:sld xmlns:a="http://schemas.openxmlformats.org/drawingml/2006/main" xmlns:r="http://schemas.openxmlformats.org/officeDocument/2006/relationships" xmlns:p="http://schemas.openxmlformats.org/presentationml/2006/main">
-  <p:cSld>
-    <p:spTree>
-      <p:nvGrpSpPr>
-        <p:cNvPr id="1" name=""/>
-        <p:cNvGrpSpPr/>
-        <p:nvPr/>
-      </p:nvGrpSpPr>
-      <p:grpSpPr>
-        <a:xfrm>
-          <a:off x="0" y="0"/>
-          <a:ext cx="0" cy="0"/>
-          <a:chOff x="0" y="0"/>
-          <a:chExt cx="0" cy="0"/>
-        </a:xfrm>
-      </p:grpSpPr>
-      <p:sp>
-        <p:nvSpPr>
-          <p:cNvPr id="42" name="矩形 41">
-            <a:extLst>
-              <a:ext uri="{FF2B5EF4-FFF2-40B4-BE49-F238E27FC236}">
-                <a16:creationId xmlns:a16="http://schemas.microsoft.com/office/drawing/2014/main" id="{40190391-A385-474C-87AF-8F045FD0E4AA}"/>
+                <a16:creationId xmlns:a16="http://schemas.microsoft.com/office/drawing/2014/main" id="{B2F36191-D900-4A2D-B75F-55F47CD7A76F}"/>
               </a:ext>
             </a:extLst>
           </p:cNvPr>
@@ -3875,7 +3846,7 @@
         </p:nvSpPr>
         <p:spPr>
           <a:xfrm>
-            <a:off x="3273585" y="4534412"/>
+            <a:off x="3158482" y="5324404"/>
             <a:ext cx="1624013" cy="561974"/>
           </a:xfrm>
           <a:prstGeom prst="rect">
@@ -3921,10 +3892,10 @@
       </p:sp>
       <p:sp>
         <p:nvSpPr>
-          <p:cNvPr id="44" name="文本框 43">
+          <p:cNvPr id="57" name="文本框 56">
             <a:extLst>
               <a:ext uri="{FF2B5EF4-FFF2-40B4-BE49-F238E27FC236}">
-                <a16:creationId xmlns:a16="http://schemas.microsoft.com/office/drawing/2014/main" id="{FA72CA5C-3B31-4F31-AAFE-94D5C225D4F9}"/>
+                <a16:creationId xmlns:a16="http://schemas.microsoft.com/office/drawing/2014/main" id="{28498F0E-96EF-445B-90B9-2E7C26C621CB}"/>
               </a:ext>
             </a:extLst>
           </p:cNvPr>
@@ -3933,7 +3904,7 @@
         </p:nvSpPr>
         <p:spPr>
           <a:xfrm>
-            <a:off x="3167326" y="5302929"/>
+            <a:off x="3052223" y="6092921"/>
             <a:ext cx="1836528" cy="646331"/>
           </a:xfrm>
           <a:prstGeom prst="rect">
@@ -3983,10 +3954,10 @@
       </p:sp>
       <p:sp>
         <p:nvSpPr>
-          <p:cNvPr id="45" name="流程图: 决策 44">
+          <p:cNvPr id="58" name="流程图: 决策 57">
             <a:extLst>
               <a:ext uri="{FF2B5EF4-FFF2-40B4-BE49-F238E27FC236}">
-                <a16:creationId xmlns:a16="http://schemas.microsoft.com/office/drawing/2014/main" id="{0A3139DF-CAFF-428C-8645-365C5B78848B}"/>
+                <a16:creationId xmlns:a16="http://schemas.microsoft.com/office/drawing/2014/main" id="{817A9C8E-F498-4092-9021-928F9AA16844}"/>
               </a:ext>
             </a:extLst>
           </p:cNvPr>
@@ -3995,7 +3966,7 @@
         </p:nvSpPr>
         <p:spPr>
           <a:xfrm>
-            <a:off x="3136109" y="3621232"/>
+            <a:off x="3021006" y="4411224"/>
             <a:ext cx="1898962" cy="750405"/>
           </a:xfrm>
           <a:prstGeom prst="flowChartDecision">
@@ -4047,10 +4018,10 @@
       </p:sp>
       <p:sp>
         <p:nvSpPr>
-          <p:cNvPr id="7" name="矩形 6">
+          <p:cNvPr id="61" name="矩形 60">
             <a:extLst>
               <a:ext uri="{FF2B5EF4-FFF2-40B4-BE49-F238E27FC236}">
-                <a16:creationId xmlns:a16="http://schemas.microsoft.com/office/drawing/2014/main" id="{D139656B-4698-4442-A3AE-A1B91B0CC568}"/>
+                <a16:creationId xmlns:a16="http://schemas.microsoft.com/office/drawing/2014/main" id="{AFC5F9BA-3315-43DA-8107-B864FEA63BB4}"/>
               </a:ext>
             </a:extLst>
           </p:cNvPr>
@@ -4059,7 +4030,7 @@
         </p:nvSpPr>
         <p:spPr>
           <a:xfrm>
-            <a:off x="3273585" y="6155803"/>
+            <a:off x="3158482" y="6945795"/>
             <a:ext cx="1624013" cy="561974"/>
           </a:xfrm>
           <a:prstGeom prst="rect">
@@ -4112,10 +4083,10 @@
       </p:sp>
       <p:sp>
         <p:nvSpPr>
-          <p:cNvPr id="11" name="流程图: 决策 10">
+          <p:cNvPr id="64" name="流程图: 决策 63">
             <a:extLst>
               <a:ext uri="{FF2B5EF4-FFF2-40B4-BE49-F238E27FC236}">
-                <a16:creationId xmlns:a16="http://schemas.microsoft.com/office/drawing/2014/main" id="{8B56A631-EB0B-4AB1-AF6B-882B79385E1F}"/>
+                <a16:creationId xmlns:a16="http://schemas.microsoft.com/office/drawing/2014/main" id="{17C4B228-6A86-454D-84B9-F16043EBB2E3}"/>
               </a:ext>
             </a:extLst>
           </p:cNvPr>
@@ -4124,7 +4095,7 @@
         </p:nvSpPr>
         <p:spPr>
           <a:xfrm>
-            <a:off x="8036087" y="5664973"/>
+            <a:off x="7920984" y="6454965"/>
             <a:ext cx="2474788" cy="750405"/>
           </a:xfrm>
           <a:prstGeom prst="flowChartDecision">
@@ -4176,10 +4147,10 @@
       </p:sp>
       <p:sp>
         <p:nvSpPr>
-          <p:cNvPr id="3" name="矩形 2">
+          <p:cNvPr id="65" name="矩形 64">
             <a:extLst>
               <a:ext uri="{FF2B5EF4-FFF2-40B4-BE49-F238E27FC236}">
-                <a16:creationId xmlns:a16="http://schemas.microsoft.com/office/drawing/2014/main" id="{E22208F1-F1DD-494F-91AE-0EF5AE904EF3}"/>
+                <a16:creationId xmlns:a16="http://schemas.microsoft.com/office/drawing/2014/main" id="{D32B3CAB-72FB-4CDC-9F61-27ED349AE5C2}"/>
               </a:ext>
             </a:extLst>
           </p:cNvPr>
@@ -4188,7 +4159,7 @@
         </p:nvSpPr>
         <p:spPr>
           <a:xfrm>
-            <a:off x="8461474" y="4822951"/>
+            <a:off x="8346371" y="5612943"/>
             <a:ext cx="1624013" cy="561974"/>
           </a:xfrm>
           <a:prstGeom prst="rect">
@@ -4234,10 +4205,10 @@
       </p:sp>
       <p:grpSp>
         <p:nvGrpSpPr>
-          <p:cNvPr id="85" name="组合 84">
+          <p:cNvPr id="66" name="组合 65">
             <a:extLst>
               <a:ext uri="{FF2B5EF4-FFF2-40B4-BE49-F238E27FC236}">
-                <a16:creationId xmlns:a16="http://schemas.microsoft.com/office/drawing/2014/main" id="{7DDD6124-1AA3-489A-8462-89AC5E71F414}"/>
+                <a16:creationId xmlns:a16="http://schemas.microsoft.com/office/drawing/2014/main" id="{01694402-6E2C-4AF2-B2A1-9F8B99AB9AEF}"/>
               </a:ext>
             </a:extLst>
           </p:cNvPr>
@@ -4246,7 +4217,7 @@
         </p:nvGrpSpPr>
         <p:grpSpPr>
           <a:xfrm>
-            <a:off x="8107390" y="3171411"/>
+            <a:off x="7992287" y="3961403"/>
             <a:ext cx="2151358" cy="1151704"/>
             <a:chOff x="5089376" y="3052241"/>
             <a:chExt cx="2151358" cy="1151704"/>
@@ -4254,10 +4225,10 @@
         </p:grpSpPr>
         <p:sp>
           <p:nvSpPr>
-            <p:cNvPr id="13" name="文本框 12">
+            <p:cNvPr id="67" name="文本框 66">
               <a:extLst>
                 <a:ext uri="{FF2B5EF4-FFF2-40B4-BE49-F238E27FC236}">
-                  <a16:creationId xmlns:a16="http://schemas.microsoft.com/office/drawing/2014/main" id="{3896289E-8CE6-4D57-B832-787357035CBC}"/>
+                  <a16:creationId xmlns:a16="http://schemas.microsoft.com/office/drawing/2014/main" id="{4DBC6354-37E3-4161-8563-2781CCBBC0DB}"/>
                 </a:ext>
               </a:extLst>
             </p:cNvPr>
@@ -4314,14 +4285,14 @@
             </a:p>
           </p:txBody>
         </p:sp>
-        <mc:AlternateContent xmlns:mc="http://schemas.openxmlformats.org/markup-compatibility/2006">
-          <mc:Choice xmlns:a14="http://schemas.microsoft.com/office/drawing/2010/main" Requires="a14">
+        <mc:AlternateContent xmlns:mc="http://schemas.openxmlformats.org/markup-compatibility/2006" xmlns:a14="http://schemas.microsoft.com/office/drawing/2010/main">
+          <mc:Choice Requires="a14">
             <p:sp>
               <p:nvSpPr>
-                <p:cNvPr id="15" name="文本框 14">
+                <p:cNvPr id="68" name="文本框 67">
                   <a:extLst>
                     <a:ext uri="{FF2B5EF4-FFF2-40B4-BE49-F238E27FC236}">
-                      <a16:creationId xmlns:a16="http://schemas.microsoft.com/office/drawing/2014/main" id="{C2F91AA1-7BCD-4911-9262-957137CE3E2E}"/>
+                      <a16:creationId xmlns:a16="http://schemas.microsoft.com/office/drawing/2014/main" id="{DD1B2B64-98AC-4B3C-A323-7867426B7D58}"/>
                     </a:ext>
                   </a:extLst>
                 </p:cNvPr>
@@ -4479,7 +4450,7 @@
               </p:txBody>
             </p:sp>
           </mc:Choice>
-          <mc:Fallback>
+          <mc:Fallback xmlns="">
             <p:sp>
               <p:nvSpPr>
                 <p:cNvPr id="15" name="文本框 14">
@@ -4527,10 +4498,10 @@
       </p:grpSp>
       <p:sp>
         <p:nvSpPr>
-          <p:cNvPr id="22" name="文本框 21">
+          <p:cNvPr id="69" name="文本框 68">
             <a:extLst>
               <a:ext uri="{FF2B5EF4-FFF2-40B4-BE49-F238E27FC236}">
-                <a16:creationId xmlns:a16="http://schemas.microsoft.com/office/drawing/2014/main" id="{8C8A49A0-0E82-4B5F-A1F3-87F20A21B261}"/>
+                <a16:creationId xmlns:a16="http://schemas.microsoft.com/office/drawing/2014/main" id="{63A171B4-9924-4986-BE35-BA666CB21CBC}"/>
               </a:ext>
             </a:extLst>
           </p:cNvPr>
@@ -4539,7 +4510,7 @@
         </p:nvSpPr>
         <p:spPr>
           <a:xfrm>
-            <a:off x="3098766" y="1361775"/>
+            <a:off x="2938918" y="1284650"/>
             <a:ext cx="1583639" cy="646331"/>
           </a:xfrm>
           <a:prstGeom prst="rect">
@@ -4589,10 +4560,10 @@
       </p:sp>
       <p:sp>
         <p:nvSpPr>
-          <p:cNvPr id="23" name="矩形 22">
+          <p:cNvPr id="70" name="矩形 69">
             <a:extLst>
               <a:ext uri="{FF2B5EF4-FFF2-40B4-BE49-F238E27FC236}">
-                <a16:creationId xmlns:a16="http://schemas.microsoft.com/office/drawing/2014/main" id="{FC448F33-9C40-4C20-93D9-FF7DC44CEA6D}"/>
+                <a16:creationId xmlns:a16="http://schemas.microsoft.com/office/drawing/2014/main" id="{D7311AD4-ED11-4E0E-AA1C-42DE2CA3E5D3}"/>
               </a:ext>
             </a:extLst>
           </p:cNvPr>
@@ -4601,7 +4572,7 @@
         </p:nvSpPr>
         <p:spPr>
           <a:xfrm>
-            <a:off x="5033126" y="1382043"/>
+            <a:off x="4873278" y="1304918"/>
             <a:ext cx="1624013" cy="561974"/>
           </a:xfrm>
           <a:prstGeom prst="rect">
@@ -4638,8 +4609,8 @@
           <a:p>
             <a:pPr algn="ctr"/>
             <a:r>
-              <a:rPr lang="en-US" altLang="zh-CN" dirty="0"/>
-              <a:t>Candle Chart</a:t>
+              <a:rPr lang="en-US" altLang="zh-CN" dirty="0" err="1"/>
+              <a:t>kline</a:t>
             </a:r>
             <a:br>
               <a:rPr lang="en-US" altLang="zh-CN" dirty="0"/>
@@ -4654,77 +4625,10 @@
       </p:sp>
       <p:sp>
         <p:nvSpPr>
-          <p:cNvPr id="2" name="矩形 1">
+          <p:cNvPr id="72" name="文本框 71">
             <a:extLst>
               <a:ext uri="{FF2B5EF4-FFF2-40B4-BE49-F238E27FC236}">
-                <a16:creationId xmlns:a16="http://schemas.microsoft.com/office/drawing/2014/main" id="{61B9A728-DF0B-4DE2-80C6-3B0EFA3D8B21}"/>
-              </a:ext>
-            </a:extLst>
-          </p:cNvPr>
-          <p:cNvSpPr/>
-          <p:nvPr/>
-        </p:nvSpPr>
-        <p:spPr>
-          <a:xfrm>
-            <a:off x="626495" y="357221"/>
-            <a:ext cx="1357312" cy="561974"/>
-          </a:xfrm>
-          <a:prstGeom prst="rect">
-            <a:avLst/>
-          </a:prstGeom>
-          <a:solidFill>
-            <a:schemeClr val="accent1">
-              <a:lumMod val="75000"/>
-            </a:schemeClr>
-          </a:solidFill>
-          <a:ln>
-            <a:solidFill>
-              <a:schemeClr val="bg1"/>
-            </a:solidFill>
-          </a:ln>
-        </p:spPr>
-        <p:style>
-          <a:lnRef idx="2">
-            <a:schemeClr val="dk1">
-              <a:shade val="50000"/>
-            </a:schemeClr>
-          </a:lnRef>
-          <a:fillRef idx="1">
-            <a:schemeClr val="dk1"/>
-          </a:fillRef>
-          <a:effectRef idx="0">
-            <a:schemeClr val="dk1"/>
-          </a:effectRef>
-          <a:fontRef idx="minor">
-            <a:schemeClr val="lt1"/>
-          </a:fontRef>
-        </p:style>
-        <p:txBody>
-          <a:bodyPr rtlCol="0" anchor="ctr"/>
-          <a:lstStyle/>
-          <a:p>
-            <a:pPr algn="ctr"/>
-            <a:r>
-              <a:rPr lang="en-US" altLang="zh-CN" dirty="0"/>
-              <a:t>Real-time</a:t>
-            </a:r>
-            <a:br>
-              <a:rPr lang="en-US" altLang="zh-CN" dirty="0"/>
-            </a:br>
-            <a:r>
-              <a:rPr lang="en-US" altLang="zh-CN" dirty="0"/>
-              <a:t>Data Source</a:t>
-            </a:r>
-            <a:endParaRPr lang="zh-Hans-HK" altLang="en-US" dirty="0"/>
-          </a:p>
-        </p:txBody>
-      </p:sp>
-      <p:sp>
-        <p:nvSpPr>
-          <p:cNvPr id="4" name="文本框 3">
-            <a:extLst>
-              <a:ext uri="{FF2B5EF4-FFF2-40B4-BE49-F238E27FC236}">
-                <a16:creationId xmlns:a16="http://schemas.microsoft.com/office/drawing/2014/main" id="{E67BFE0D-017E-428E-A7BA-7C82FD26A9CF}"/>
+                <a16:creationId xmlns:a16="http://schemas.microsoft.com/office/drawing/2014/main" id="{BCC9C163-BF8E-4F80-ACE5-2D7CF54AC7EE}"/>
               </a:ext>
             </a:extLst>
           </p:cNvPr>
@@ -4733,7 +4637,7 @@
         </p:nvSpPr>
         <p:spPr>
           <a:xfrm>
-            <a:off x="2206234" y="337236"/>
+            <a:off x="2253880" y="2595921"/>
             <a:ext cx="1583639" cy="646331"/>
           </a:xfrm>
           <a:prstGeom prst="rect">
@@ -4781,77 +4685,12 @@
           </a:p>
         </p:txBody>
       </p:sp>
-      <p:sp>
-        <p:nvSpPr>
-          <p:cNvPr id="32" name="矩形 31">
+      <p:grpSp>
+        <p:nvGrpSpPr>
+          <p:cNvPr id="74" name="组合 73">
             <a:extLst>
               <a:ext uri="{FF2B5EF4-FFF2-40B4-BE49-F238E27FC236}">
-                <a16:creationId xmlns:a16="http://schemas.microsoft.com/office/drawing/2014/main" id="{66B000BC-508E-4218-AC74-9C8C5FAFE7DC}"/>
-              </a:ext>
-            </a:extLst>
-          </p:cNvPr>
-          <p:cNvSpPr/>
-          <p:nvPr/>
-        </p:nvSpPr>
-        <p:spPr>
-          <a:xfrm>
-            <a:off x="3961912" y="360299"/>
-            <a:ext cx="830282" cy="561974"/>
-          </a:xfrm>
-          <a:prstGeom prst="rect">
-            <a:avLst/>
-          </a:prstGeom>
-          <a:solidFill>
-            <a:srgbClr val="FF0000"/>
-          </a:solidFill>
-          <a:ln>
-            <a:solidFill>
-              <a:schemeClr val="bg1"/>
-            </a:solidFill>
-          </a:ln>
-        </p:spPr>
-        <p:style>
-          <a:lnRef idx="2">
-            <a:schemeClr val="dk1">
-              <a:shade val="50000"/>
-            </a:schemeClr>
-          </a:lnRef>
-          <a:fillRef idx="1">
-            <a:schemeClr val="dk1"/>
-          </a:fillRef>
-          <a:effectRef idx="0">
-            <a:schemeClr val="dk1"/>
-          </a:effectRef>
-          <a:fontRef idx="minor">
-            <a:schemeClr val="lt1"/>
-          </a:fontRef>
-        </p:style>
-        <p:txBody>
-          <a:bodyPr rtlCol="0" anchor="ctr"/>
-          <a:lstStyle/>
-          <a:p>
-            <a:pPr algn="ctr"/>
-            <a:r>
-              <a:rPr lang="en-US" altLang="zh-CN" dirty="0"/>
-              <a:t>Temp</a:t>
-            </a:r>
-            <a:br>
-              <a:rPr lang="en-US" altLang="zh-CN" dirty="0"/>
-            </a:br>
-            <a:r>
-              <a:rPr lang="en-US" altLang="zh-CN" dirty="0"/>
-              <a:t>Data</a:t>
-            </a:r>
-            <a:endParaRPr lang="zh-Hans-HK" altLang="en-US" dirty="0"/>
-          </a:p>
-        </p:txBody>
-      </p:sp>
-      <p:grpSp>
-        <p:nvGrpSpPr>
-          <p:cNvPr id="9" name="组合 8">
-            <a:extLst>
-              <a:ext uri="{FF2B5EF4-FFF2-40B4-BE49-F238E27FC236}">
-                <a16:creationId xmlns:a16="http://schemas.microsoft.com/office/drawing/2014/main" id="{604C0084-93A9-484D-961D-803890A843E4}"/>
+                <a16:creationId xmlns:a16="http://schemas.microsoft.com/office/drawing/2014/main" id="{15BF68FA-8250-4927-A8F5-64E21AB82EFB}"/>
               </a:ext>
             </a:extLst>
           </p:cNvPr>
@@ -4860,7 +4699,7 @@
         </p:nvGrpSpPr>
         <p:grpSpPr>
           <a:xfrm>
-            <a:off x="656745" y="1189164"/>
+            <a:off x="496897" y="1112039"/>
             <a:ext cx="2443147" cy="1282808"/>
             <a:chOff x="411326" y="1002643"/>
             <a:chExt cx="2443147" cy="1282808"/>
@@ -4868,10 +4707,10 @@
         </p:grpSpPr>
         <p:sp>
           <p:nvSpPr>
-            <p:cNvPr id="16" name="矩形 15">
+            <p:cNvPr id="75" name="矩形 74">
               <a:extLst>
                 <a:ext uri="{FF2B5EF4-FFF2-40B4-BE49-F238E27FC236}">
-                  <a16:creationId xmlns:a16="http://schemas.microsoft.com/office/drawing/2014/main" id="{CB87D549-A1CD-4021-9B8B-790D666193D9}"/>
+                  <a16:creationId xmlns:a16="http://schemas.microsoft.com/office/drawing/2014/main" id="{1357BEBF-5879-4F29-9469-C16866728316}"/>
                 </a:ext>
               </a:extLst>
             </p:cNvPr>
@@ -4928,10 +4767,10 @@
         </p:sp>
         <p:sp>
           <p:nvSpPr>
-            <p:cNvPr id="17" name="矩形 16">
+            <p:cNvPr id="76" name="矩形 75">
               <a:extLst>
                 <a:ext uri="{FF2B5EF4-FFF2-40B4-BE49-F238E27FC236}">
-                  <a16:creationId xmlns:a16="http://schemas.microsoft.com/office/drawing/2014/main" id="{1D6029E4-5C45-4B0C-B18B-89E423F1F730}"/>
+                  <a16:creationId xmlns:a16="http://schemas.microsoft.com/office/drawing/2014/main" id="{252D8E29-372F-4A57-8750-6DDD70A44879}"/>
                 </a:ext>
               </a:extLst>
             </p:cNvPr>
@@ -4988,10 +4827,10 @@
         </p:sp>
         <p:sp>
           <p:nvSpPr>
-            <p:cNvPr id="18" name="矩形 17">
+            <p:cNvPr id="77" name="矩形 76">
               <a:extLst>
                 <a:ext uri="{FF2B5EF4-FFF2-40B4-BE49-F238E27FC236}">
-                  <a16:creationId xmlns:a16="http://schemas.microsoft.com/office/drawing/2014/main" id="{3AA54D5C-240C-4C10-803F-ACC4078E9959}"/>
+                  <a16:creationId xmlns:a16="http://schemas.microsoft.com/office/drawing/2014/main" id="{6CFDCBDE-F325-45BE-AFB8-B817CF40C7E3}"/>
                 </a:ext>
               </a:extLst>
             </p:cNvPr>
@@ -5048,16 +4887,16 @@
         </p:sp>
         <p:cxnSp>
           <p:nvCxnSpPr>
-            <p:cNvPr id="19" name="直接箭头连接符 18">
+            <p:cNvPr id="78" name="直接箭头连接符 77">
               <a:extLst>
                 <a:ext uri="{FF2B5EF4-FFF2-40B4-BE49-F238E27FC236}">
-                  <a16:creationId xmlns:a16="http://schemas.microsoft.com/office/drawing/2014/main" id="{2ACC8BC6-7B11-4C39-9E75-851E6D5D7BF8}"/>
+                  <a16:creationId xmlns:a16="http://schemas.microsoft.com/office/drawing/2014/main" id="{7B1224B3-178B-46BE-A4B4-DB2E954A3BE8}"/>
                 </a:ext>
               </a:extLst>
             </p:cNvPr>
             <p:cNvCxnSpPr>
               <a:cxnSpLocks/>
-              <a:stCxn id="17" idx="3"/>
+              <a:stCxn id="76" idx="3"/>
             </p:cNvCxnSpPr>
             <p:nvPr/>
           </p:nvCxnSpPr>
@@ -5090,16 +4929,16 @@
         </p:cxnSp>
         <p:cxnSp>
           <p:nvCxnSpPr>
-            <p:cNvPr id="20" name="连接符: 肘形 19">
+            <p:cNvPr id="79" name="连接符: 肘形 78">
               <a:extLst>
                 <a:ext uri="{FF2B5EF4-FFF2-40B4-BE49-F238E27FC236}">
-                  <a16:creationId xmlns:a16="http://schemas.microsoft.com/office/drawing/2014/main" id="{0B4F7F4B-A197-4EB0-9083-FF3308D8057B}"/>
+                  <a16:creationId xmlns:a16="http://schemas.microsoft.com/office/drawing/2014/main" id="{87FA0A87-4051-4D6A-9F09-A97BADF99870}"/>
                 </a:ext>
               </a:extLst>
             </p:cNvPr>
             <p:cNvCxnSpPr>
               <a:cxnSpLocks/>
-              <a:stCxn id="16" idx="3"/>
+              <a:stCxn id="75" idx="3"/>
             </p:cNvCxnSpPr>
             <p:nvPr/>
           </p:nvCxnSpPr>
@@ -5130,16 +4969,16 @@
         </p:cxnSp>
         <p:cxnSp>
           <p:nvCxnSpPr>
-            <p:cNvPr id="21" name="连接符: 肘形 20">
+            <p:cNvPr id="80" name="连接符: 肘形 79">
               <a:extLst>
                 <a:ext uri="{FF2B5EF4-FFF2-40B4-BE49-F238E27FC236}">
-                  <a16:creationId xmlns:a16="http://schemas.microsoft.com/office/drawing/2014/main" id="{01AE227B-A417-4C69-BA67-6801ADA8C60C}"/>
+                  <a16:creationId xmlns:a16="http://schemas.microsoft.com/office/drawing/2014/main" id="{A1DE71BA-369B-4038-B0D1-E3CA25BAE009}"/>
                 </a:ext>
               </a:extLst>
             </p:cNvPr>
             <p:cNvCxnSpPr>
               <a:cxnSpLocks/>
-              <a:stCxn id="18" idx="3"/>
+              <a:stCxn id="77" idx="3"/>
             </p:cNvCxnSpPr>
             <p:nvPr/>
           </p:nvCxnSpPr>
@@ -5170,10 +5009,10 @@
         </p:cxnSp>
         <p:sp>
           <p:nvSpPr>
-            <p:cNvPr id="6" name="文本框 5">
+            <p:cNvPr id="81" name="文本框 80">
               <a:extLst>
                 <a:ext uri="{FF2B5EF4-FFF2-40B4-BE49-F238E27FC236}">
-                  <a16:creationId xmlns:a16="http://schemas.microsoft.com/office/drawing/2014/main" id="{4339DF3B-F3F9-4577-9AC0-F3D5DC17B059}"/>
+                  <a16:creationId xmlns:a16="http://schemas.microsoft.com/office/drawing/2014/main" id="{36F742F4-19DD-43BD-8E76-3AB92D49E8FD}"/>
                 </a:ext>
               </a:extLst>
             </p:cNvPr>
@@ -5207,128 +5046,23 @@
       </p:grpSp>
       <p:cxnSp>
         <p:nvCxnSpPr>
-          <p:cNvPr id="24" name="直接箭头连接符 23">
+          <p:cNvPr id="82" name="直接箭头连接符 81">
             <a:extLst>
               <a:ext uri="{FF2B5EF4-FFF2-40B4-BE49-F238E27FC236}">
-                <a16:creationId xmlns:a16="http://schemas.microsoft.com/office/drawing/2014/main" id="{AB332A9B-AD21-4AB5-B5BA-BD38F0EB9978}"/>
+                <a16:creationId xmlns:a16="http://schemas.microsoft.com/office/drawing/2014/main" id="{186AA892-4262-450C-BBCA-4A61704B03CD}"/>
               </a:ext>
             </a:extLst>
           </p:cNvPr>
           <p:cNvCxnSpPr>
             <a:cxnSpLocks/>
-            <a:stCxn id="22" idx="3"/>
+            <a:stCxn id="69" idx="3"/>
           </p:cNvCxnSpPr>
           <p:nvPr/>
         </p:nvCxnSpPr>
         <p:spPr>
           <a:xfrm flipV="1">
-            <a:off x="4682405" y="1682559"/>
+            <a:off x="4522557" y="1605434"/>
             <a:ext cx="347838" cy="2382"/>
-          </a:xfrm>
-          <a:prstGeom prst="straightConnector1">
-            <a:avLst/>
-          </a:prstGeom>
-          <a:ln>
-            <a:tailEnd type="triangle"/>
-          </a:ln>
-        </p:spPr>
-        <p:style>
-          <a:lnRef idx="3">
-            <a:schemeClr val="dk1"/>
-          </a:lnRef>
-          <a:fillRef idx="0">
-            <a:schemeClr val="dk1"/>
-          </a:fillRef>
-          <a:effectRef idx="2">
-            <a:schemeClr val="dk1"/>
-          </a:effectRef>
-          <a:fontRef idx="minor">
-            <a:schemeClr val="tx1"/>
-          </a:fontRef>
-        </p:style>
-      </p:cxnSp>
-      <p:sp>
-        <p:nvSpPr>
-          <p:cNvPr id="26" name="文本框 25">
-            <a:extLst>
-              <a:ext uri="{FF2B5EF4-FFF2-40B4-BE49-F238E27FC236}">
-                <a16:creationId xmlns:a16="http://schemas.microsoft.com/office/drawing/2014/main" id="{65E0272C-DB6B-477A-A91A-94EB39CBF01B}"/>
-              </a:ext>
-            </a:extLst>
-          </p:cNvPr>
-          <p:cNvSpPr txBox="1"/>
-          <p:nvPr/>
-        </p:nvSpPr>
-        <p:spPr>
-          <a:xfrm>
-            <a:off x="5151809" y="294872"/>
-            <a:ext cx="992579" cy="646331"/>
-          </a:xfrm>
-          <a:prstGeom prst="rect">
-            <a:avLst/>
-          </a:prstGeom>
-          <a:noFill/>
-          <a:ln>
-            <a:solidFill>
-              <a:schemeClr val="tx1"/>
-            </a:solidFill>
-          </a:ln>
-        </p:spPr>
-        <p:style>
-          <a:lnRef idx="2">
-            <a:schemeClr val="dk1"/>
-          </a:lnRef>
-          <a:fillRef idx="1">
-            <a:schemeClr val="lt1"/>
-          </a:fillRef>
-          <a:effectRef idx="0">
-            <a:schemeClr val="dk1"/>
-          </a:effectRef>
-          <a:fontRef idx="minor">
-            <a:schemeClr val="dk1"/>
-          </a:fontRef>
-        </p:style>
-        <p:txBody>
-          <a:bodyPr wrap="none" rtlCol="0">
-            <a:spAutoFit/>
-          </a:bodyPr>
-          <a:lstStyle/>
-          <a:p>
-            <a:r>
-              <a:rPr lang="en-US" altLang="zh-Hans-HK" dirty="0"/>
-              <a:t>Data </a:t>
-            </a:r>
-            <a:br>
-              <a:rPr lang="en-US" altLang="zh-Hans-HK" dirty="0"/>
-            </a:br>
-            <a:r>
-              <a:rPr lang="en-US" altLang="zh-Hans-HK" dirty="0"/>
-              <a:t>Cleaning</a:t>
-            </a:r>
-            <a:endParaRPr lang="zh-Hans-HK" altLang="en-US" dirty="0"/>
-          </a:p>
-        </p:txBody>
-      </p:sp>
-      <p:cxnSp>
-        <p:nvCxnSpPr>
-          <p:cNvPr id="33" name="直接箭头连接符 32">
-            <a:extLst>
-              <a:ext uri="{FF2B5EF4-FFF2-40B4-BE49-F238E27FC236}">
-                <a16:creationId xmlns:a16="http://schemas.microsoft.com/office/drawing/2014/main" id="{F384F493-4001-43E8-BFD6-10BE9E0DF99F}"/>
-              </a:ext>
-            </a:extLst>
-          </p:cNvPr>
-          <p:cNvCxnSpPr>
-            <a:cxnSpLocks/>
-            <a:stCxn id="32" idx="3"/>
-            <a:endCxn id="26" idx="1"/>
-          </p:cNvCxnSpPr>
-          <p:nvPr/>
-        </p:nvCxnSpPr>
-        <p:spPr>
-          <a:xfrm flipV="1">
-            <a:off x="4792194" y="618038"/>
-            <a:ext cx="359615" cy="23248"/>
           </a:xfrm>
           <a:prstGeom prst="straightConnector1">
             <a:avLst/>
@@ -5354,24 +5088,24 @@
       </p:cxnSp>
       <p:cxnSp>
         <p:nvCxnSpPr>
-          <p:cNvPr id="34" name="直接箭头连接符 33">
+          <p:cNvPr id="86" name="直接箭头连接符 85">
             <a:extLst>
               <a:ext uri="{FF2B5EF4-FFF2-40B4-BE49-F238E27FC236}">
-                <a16:creationId xmlns:a16="http://schemas.microsoft.com/office/drawing/2014/main" id="{6F73A70F-2FEB-460A-B8D3-1D21AE127A5B}"/>
+                <a16:creationId xmlns:a16="http://schemas.microsoft.com/office/drawing/2014/main" id="{C8111E0C-B8F0-4B7C-A1C0-8F25A8E52112}"/>
               </a:ext>
             </a:extLst>
           </p:cNvPr>
           <p:cNvCxnSpPr>
             <a:cxnSpLocks/>
-            <a:stCxn id="4" idx="3"/>
-            <a:endCxn id="32" idx="1"/>
+            <a:stCxn id="72" idx="2"/>
+            <a:endCxn id="89" idx="1"/>
           </p:cNvCxnSpPr>
           <p:nvPr/>
         </p:nvCxnSpPr>
         <p:spPr>
-          <a:xfrm flipV="1">
-            <a:off x="3789873" y="641286"/>
-            <a:ext cx="172039" cy="19116"/>
+          <a:xfrm>
+            <a:off x="3045700" y="3242252"/>
+            <a:ext cx="70346" cy="693855"/>
           </a:xfrm>
           <a:prstGeom prst="straightConnector1">
             <a:avLst/>
@@ -5397,24 +5131,24 @@
       </p:cxnSp>
       <p:cxnSp>
         <p:nvCxnSpPr>
-          <p:cNvPr id="35" name="直接箭头连接符 34">
+          <p:cNvPr id="87" name="直接箭头连接符 86">
             <a:extLst>
               <a:ext uri="{FF2B5EF4-FFF2-40B4-BE49-F238E27FC236}">
-                <a16:creationId xmlns:a16="http://schemas.microsoft.com/office/drawing/2014/main" id="{5A7E8BD5-3737-4FEB-A286-509185B78A05}"/>
+                <a16:creationId xmlns:a16="http://schemas.microsoft.com/office/drawing/2014/main" id="{236427FB-1C3D-477E-8739-F4301324C566}"/>
               </a:ext>
             </a:extLst>
           </p:cNvPr>
           <p:cNvCxnSpPr>
             <a:cxnSpLocks/>
-            <a:stCxn id="2" idx="3"/>
-            <a:endCxn id="4" idx="1"/>
+            <a:stCxn id="77" idx="3"/>
+            <a:endCxn id="72" idx="1"/>
           </p:cNvCxnSpPr>
           <p:nvPr/>
         </p:nvCxnSpPr>
         <p:spPr>
           <a:xfrm>
-            <a:off x="1983807" y="638208"/>
-            <a:ext cx="222427" cy="22194"/>
+            <a:off x="2120910" y="2249591"/>
+            <a:ext cx="132970" cy="669496"/>
           </a:xfrm>
           <a:prstGeom prst="straightConnector1">
             <a:avLst/>
@@ -5438,55 +5172,12 @@
           </a:fontRef>
         </p:style>
       </p:cxnSp>
-      <p:cxnSp>
-        <p:nvCxnSpPr>
-          <p:cNvPr id="43" name="直接箭头连接符 42">
+      <p:sp>
+        <p:nvSpPr>
+          <p:cNvPr id="89" name="矩形 88">
             <a:extLst>
               <a:ext uri="{FF2B5EF4-FFF2-40B4-BE49-F238E27FC236}">
-                <a16:creationId xmlns:a16="http://schemas.microsoft.com/office/drawing/2014/main" id="{B64E6E01-4941-4A64-9EDD-A46BC241D0CB}"/>
-              </a:ext>
-            </a:extLst>
-          </p:cNvPr>
-          <p:cNvCxnSpPr>
-            <a:cxnSpLocks/>
-            <a:stCxn id="26" idx="2"/>
-            <a:endCxn id="23" idx="0"/>
-          </p:cNvCxnSpPr>
-          <p:nvPr/>
-        </p:nvCxnSpPr>
-        <p:spPr>
-          <a:xfrm>
-            <a:off x="5648099" y="941203"/>
-            <a:ext cx="197034" cy="440840"/>
-          </a:xfrm>
-          <a:prstGeom prst="straightConnector1">
-            <a:avLst/>
-          </a:prstGeom>
-          <a:ln>
-            <a:tailEnd type="triangle"/>
-          </a:ln>
-        </p:spPr>
-        <p:style>
-          <a:lnRef idx="3">
-            <a:schemeClr val="dk1"/>
-          </a:lnRef>
-          <a:fillRef idx="0">
-            <a:schemeClr val="dk1"/>
-          </a:fillRef>
-          <a:effectRef idx="2">
-            <a:schemeClr val="dk1"/>
-          </a:effectRef>
-          <a:fontRef idx="minor">
-            <a:schemeClr val="tx1"/>
-          </a:fontRef>
-        </p:style>
-      </p:cxnSp>
-      <p:sp>
-        <p:nvSpPr>
-          <p:cNvPr id="54" name="矩形 53">
-            <a:extLst>
-              <a:ext uri="{FF2B5EF4-FFF2-40B4-BE49-F238E27FC236}">
-                <a16:creationId xmlns:a16="http://schemas.microsoft.com/office/drawing/2014/main" id="{1F183993-368E-4EC4-AAED-EF66CE2E33E0}"/>
+                <a16:creationId xmlns:a16="http://schemas.microsoft.com/office/drawing/2014/main" id="{25489D56-39CB-468D-BBCE-C1FB15271FA4}"/>
               </a:ext>
             </a:extLst>
           </p:cNvPr>
@@ -5495,7 +5186,7 @@
         </p:nvSpPr>
         <p:spPr>
           <a:xfrm>
-            <a:off x="3231149" y="2866309"/>
+            <a:off x="3116046" y="3656301"/>
             <a:ext cx="1708883" cy="559612"/>
           </a:xfrm>
           <a:prstGeom prst="rect">
@@ -5552,41 +5243,47 @@
       </p:sp>
       <p:cxnSp>
         <p:nvCxnSpPr>
-          <p:cNvPr id="55" name="直接箭头连接符 54">
+          <p:cNvPr id="90" name="直接箭头连接符 89">
             <a:extLst>
               <a:ext uri="{FF2B5EF4-FFF2-40B4-BE49-F238E27FC236}">
-                <a16:creationId xmlns:a16="http://schemas.microsoft.com/office/drawing/2014/main" id="{BD149653-549A-4DBA-A773-E82B4BEF8394}"/>
+                <a16:creationId xmlns:a16="http://schemas.microsoft.com/office/drawing/2014/main" id="{B78D2A8C-CD93-48FE-B37B-4E70303A7F47}"/>
               </a:ext>
             </a:extLst>
           </p:cNvPr>
           <p:cNvCxnSpPr>
             <a:cxnSpLocks/>
-            <a:stCxn id="23" idx="2"/>
-            <a:endCxn id="54" idx="0"/>
+            <a:stCxn id="70" idx="2"/>
+            <a:endCxn id="89" idx="0"/>
           </p:cNvCxnSpPr>
           <p:nvPr/>
         </p:nvCxnSpPr>
         <p:spPr>
           <a:xfrm flipH="1">
-            <a:off x="4085591" y="1944017"/>
-            <a:ext cx="1759542" cy="922292"/>
+            <a:off x="3970488" y="1866892"/>
+            <a:ext cx="1714797" cy="1789409"/>
           </a:xfrm>
           <a:prstGeom prst="straightConnector1">
             <a:avLst/>
           </a:prstGeom>
-          <a:ln>
-            <a:tailEnd type="triangle"/>
+          <a:ln w="19050" cap="flat" cmpd="sng" algn="ctr">
+            <a:solidFill>
+              <a:srgbClr val="7030A0"/>
+            </a:solidFill>
+            <a:prstDash val="solid"/>
+            <a:round/>
+            <a:headEnd type="arrow" w="med" len="med"/>
+            <a:tailEnd type="arrow" w="med" len="med"/>
           </a:ln>
         </p:spPr>
         <p:style>
-          <a:lnRef idx="3">
-            <a:schemeClr val="dk1"/>
+          <a:lnRef idx="0">
+            <a:scrgbClr r="0" g="0" b="0"/>
           </a:lnRef>
           <a:fillRef idx="0">
-            <a:schemeClr val="dk1"/>
+            <a:scrgbClr r="0" g="0" b="0"/>
           </a:fillRef>
-          <a:effectRef idx="2">
-            <a:schemeClr val="dk1"/>
+          <a:effectRef idx="0">
+            <a:scrgbClr r="0" g="0" b="0"/>
           </a:effectRef>
           <a:fontRef idx="minor">
             <a:schemeClr val="tx1"/>
@@ -5595,10 +5292,10 @@
       </p:cxnSp>
       <p:grpSp>
         <p:nvGrpSpPr>
-          <p:cNvPr id="63" name="组合 62">
+          <p:cNvPr id="91" name="组合 90">
             <a:extLst>
               <a:ext uri="{FF2B5EF4-FFF2-40B4-BE49-F238E27FC236}">
-                <a16:creationId xmlns:a16="http://schemas.microsoft.com/office/drawing/2014/main" id="{3C5DA732-0FAC-4087-8CF7-9570828B2A9D}"/>
+                <a16:creationId xmlns:a16="http://schemas.microsoft.com/office/drawing/2014/main" id="{45C2737F-5C70-4932-97A2-33650EB30E03}"/>
               </a:ext>
             </a:extLst>
           </p:cNvPr>
@@ -5607,7 +5304,7 @@
         </p:nvGrpSpPr>
         <p:grpSpPr>
           <a:xfrm>
-            <a:off x="9560886" y="211623"/>
+            <a:off x="9445783" y="1001615"/>
             <a:ext cx="2781402" cy="975533"/>
             <a:chOff x="7125453" y="3552192"/>
             <a:chExt cx="2781402" cy="975533"/>
@@ -5615,10 +5312,10 @@
         </p:grpSpPr>
         <p:sp>
           <p:nvSpPr>
-            <p:cNvPr id="59" name="文本框 58">
+            <p:cNvPr id="92" name="文本框 91">
               <a:extLst>
                 <a:ext uri="{FF2B5EF4-FFF2-40B4-BE49-F238E27FC236}">
-                  <a16:creationId xmlns:a16="http://schemas.microsoft.com/office/drawing/2014/main" id="{7C58A2D0-CBE4-43AC-A576-53BA8ACB6742}"/>
+                  <a16:creationId xmlns:a16="http://schemas.microsoft.com/office/drawing/2014/main" id="{21DEA116-8306-4F78-97F9-15257BC2910B}"/>
                 </a:ext>
               </a:extLst>
             </p:cNvPr>
@@ -5651,10 +5348,10 @@
         </p:sp>
         <p:sp>
           <p:nvSpPr>
-            <p:cNvPr id="60" name="文本框 59">
+            <p:cNvPr id="94" name="文本框 93">
               <a:extLst>
                 <a:ext uri="{FF2B5EF4-FFF2-40B4-BE49-F238E27FC236}">
-                  <a16:creationId xmlns:a16="http://schemas.microsoft.com/office/drawing/2014/main" id="{A24BAF39-FC4C-410F-84B4-66429189740B}"/>
+                  <a16:creationId xmlns:a16="http://schemas.microsoft.com/office/drawing/2014/main" id="{762F6600-CCE2-432C-9803-A5A227CCAFCF}"/>
                 </a:ext>
               </a:extLst>
             </p:cNvPr>
@@ -5687,10 +5384,10 @@
         </p:sp>
         <p:sp>
           <p:nvSpPr>
-            <p:cNvPr id="62" name="矩形 61">
+            <p:cNvPr id="95" name="矩形 94">
               <a:extLst>
                 <a:ext uri="{FF2B5EF4-FFF2-40B4-BE49-F238E27FC236}">
-                  <a16:creationId xmlns:a16="http://schemas.microsoft.com/office/drawing/2014/main" id="{513E8B3D-08A3-4694-B4E8-D0CDB4A2994B}"/>
+                  <a16:creationId xmlns:a16="http://schemas.microsoft.com/office/drawing/2014/main" id="{670C3712-6FED-4672-9C88-1E7AFB1F1381}"/>
                 </a:ext>
               </a:extLst>
             </p:cNvPr>
@@ -5772,23 +5469,23 @@
       </p:grpSp>
       <p:cxnSp>
         <p:nvCxnSpPr>
-          <p:cNvPr id="93" name="直接箭头连接符 92">
+          <p:cNvPr id="97" name="直接箭头连接符 96">
             <a:extLst>
               <a:ext uri="{FF2B5EF4-FFF2-40B4-BE49-F238E27FC236}">
-                <a16:creationId xmlns:a16="http://schemas.microsoft.com/office/drawing/2014/main" id="{5DC2D0F5-1EC4-4459-BD5D-4C4FEB21BA74}"/>
+                <a16:creationId xmlns:a16="http://schemas.microsoft.com/office/drawing/2014/main" id="{A423EACB-2DA9-4F56-945E-215B0205F422}"/>
               </a:ext>
             </a:extLst>
           </p:cNvPr>
           <p:cNvCxnSpPr>
             <a:cxnSpLocks/>
-            <a:stCxn id="13" idx="1"/>
-            <a:endCxn id="45" idx="3"/>
+            <a:stCxn id="67" idx="1"/>
+            <a:endCxn id="58" idx="3"/>
           </p:cNvCxnSpPr>
           <p:nvPr/>
         </p:nvCxnSpPr>
         <p:spPr>
           <a:xfrm flipH="1" flipV="1">
-            <a:off x="5035071" y="3996435"/>
+            <a:off x="4919968" y="4786427"/>
             <a:ext cx="3359064" cy="3515"/>
           </a:xfrm>
           <a:prstGeom prst="straightConnector1">
@@ -5815,23 +5512,23 @@
       </p:cxnSp>
       <p:cxnSp>
         <p:nvCxnSpPr>
-          <p:cNvPr id="96" name="直接箭头连接符 95">
+          <p:cNvPr id="98" name="直接箭头连接符 97">
             <a:extLst>
               <a:ext uri="{FF2B5EF4-FFF2-40B4-BE49-F238E27FC236}">
-                <a16:creationId xmlns:a16="http://schemas.microsoft.com/office/drawing/2014/main" id="{BEFA6C12-4C16-4AAD-86B2-2615D2507240}"/>
+                <a16:creationId xmlns:a16="http://schemas.microsoft.com/office/drawing/2014/main" id="{9119D0D1-8593-40F4-9468-4FC27A60F399}"/>
               </a:ext>
             </a:extLst>
           </p:cNvPr>
           <p:cNvCxnSpPr>
             <a:cxnSpLocks/>
-            <a:stCxn id="54" idx="2"/>
-            <a:endCxn id="45" idx="0"/>
+            <a:stCxn id="89" idx="2"/>
+            <a:endCxn id="58" idx="0"/>
           </p:cNvCxnSpPr>
           <p:nvPr/>
         </p:nvCxnSpPr>
         <p:spPr>
           <a:xfrm flipH="1">
-            <a:off x="4085590" y="3425921"/>
+            <a:off x="3970487" y="4215913"/>
             <a:ext cx="1" cy="195311"/>
           </a:xfrm>
           <a:prstGeom prst="straightConnector1">
@@ -5858,23 +5555,23 @@
       </p:cxnSp>
       <p:cxnSp>
         <p:nvCxnSpPr>
-          <p:cNvPr id="99" name="直接箭头连接符 98">
+          <p:cNvPr id="100" name="直接箭头连接符 99">
             <a:extLst>
               <a:ext uri="{FF2B5EF4-FFF2-40B4-BE49-F238E27FC236}">
-                <a16:creationId xmlns:a16="http://schemas.microsoft.com/office/drawing/2014/main" id="{E7A1C5CA-8975-4856-843A-29C2953164EE}"/>
+                <a16:creationId xmlns:a16="http://schemas.microsoft.com/office/drawing/2014/main" id="{0C194811-D305-472D-82A4-39FCDDC2B2E5}"/>
               </a:ext>
             </a:extLst>
           </p:cNvPr>
           <p:cNvCxnSpPr>
             <a:cxnSpLocks/>
-            <a:stCxn id="45" idx="2"/>
-            <a:endCxn id="42" idx="0"/>
+            <a:stCxn id="58" idx="2"/>
+            <a:endCxn id="56" idx="0"/>
           </p:cNvCxnSpPr>
           <p:nvPr/>
         </p:nvCxnSpPr>
         <p:spPr>
           <a:xfrm>
-            <a:off x="4085590" y="4371637"/>
+            <a:off x="3970487" y="5161629"/>
             <a:ext cx="2" cy="162775"/>
           </a:xfrm>
           <a:prstGeom prst="straightConnector1">
@@ -5901,23 +5598,23 @@
       </p:cxnSp>
       <p:cxnSp>
         <p:nvCxnSpPr>
-          <p:cNvPr id="102" name="直接箭头连接符 101">
+          <p:cNvPr id="101" name="直接箭头连接符 100">
             <a:extLst>
               <a:ext uri="{FF2B5EF4-FFF2-40B4-BE49-F238E27FC236}">
-                <a16:creationId xmlns:a16="http://schemas.microsoft.com/office/drawing/2014/main" id="{42AD21B2-6580-42BF-9AE6-1F1CC95528B6}"/>
+                <a16:creationId xmlns:a16="http://schemas.microsoft.com/office/drawing/2014/main" id="{E85B268F-7447-4192-99C5-D713D98BA12A}"/>
               </a:ext>
             </a:extLst>
           </p:cNvPr>
           <p:cNvCxnSpPr>
             <a:cxnSpLocks/>
-            <a:stCxn id="42" idx="2"/>
-            <a:endCxn id="44" idx="0"/>
+            <a:stCxn id="56" idx="2"/>
+            <a:endCxn id="57" idx="0"/>
           </p:cNvCxnSpPr>
           <p:nvPr/>
         </p:nvCxnSpPr>
         <p:spPr>
           <a:xfrm flipH="1">
-            <a:off x="4085590" y="5096386"/>
+            <a:off x="3970487" y="5886378"/>
             <a:ext cx="2" cy="206543"/>
           </a:xfrm>
           <a:prstGeom prst="straightConnector1">
@@ -5944,23 +5641,23 @@
       </p:cxnSp>
       <p:cxnSp>
         <p:nvCxnSpPr>
-          <p:cNvPr id="105" name="直接箭头连接符 104">
+          <p:cNvPr id="103" name="直接箭头连接符 102">
             <a:extLst>
               <a:ext uri="{FF2B5EF4-FFF2-40B4-BE49-F238E27FC236}">
-                <a16:creationId xmlns:a16="http://schemas.microsoft.com/office/drawing/2014/main" id="{46802F52-CB2E-4D85-9CF9-9FCB98325037}"/>
+                <a16:creationId xmlns:a16="http://schemas.microsoft.com/office/drawing/2014/main" id="{33187E59-0EED-4D52-8FF9-DC127A2E2A6E}"/>
               </a:ext>
             </a:extLst>
           </p:cNvPr>
           <p:cNvCxnSpPr>
             <a:cxnSpLocks/>
-            <a:stCxn id="44" idx="2"/>
-            <a:endCxn id="7" idx="0"/>
+            <a:stCxn id="57" idx="2"/>
+            <a:endCxn id="61" idx="0"/>
           </p:cNvCxnSpPr>
           <p:nvPr/>
         </p:nvCxnSpPr>
         <p:spPr>
           <a:xfrm>
-            <a:off x="4085590" y="5949260"/>
+            <a:off x="3970487" y="6739252"/>
             <a:ext cx="2" cy="206543"/>
           </a:xfrm>
           <a:prstGeom prst="straightConnector1">
@@ -5987,23 +5684,23 @@
       </p:cxnSp>
       <p:cxnSp>
         <p:nvCxnSpPr>
-          <p:cNvPr id="108" name="直接箭头连接符 107">
+          <p:cNvPr id="104" name="直接箭头连接符 103">
             <a:extLst>
               <a:ext uri="{FF2B5EF4-FFF2-40B4-BE49-F238E27FC236}">
-                <a16:creationId xmlns:a16="http://schemas.microsoft.com/office/drawing/2014/main" id="{D29BCE5E-E10B-4AF8-893F-903B0FBDDA9C}"/>
+                <a16:creationId xmlns:a16="http://schemas.microsoft.com/office/drawing/2014/main" id="{F21A2710-CD26-4C98-BCF5-3E30AE8CAFA2}"/>
               </a:ext>
             </a:extLst>
           </p:cNvPr>
           <p:cNvCxnSpPr>
             <a:cxnSpLocks/>
-            <a:stCxn id="7" idx="3"/>
-            <a:endCxn id="11" idx="2"/>
+            <a:stCxn id="61" idx="3"/>
+            <a:endCxn id="64" idx="2"/>
           </p:cNvCxnSpPr>
           <p:nvPr/>
         </p:nvCxnSpPr>
         <p:spPr>
           <a:xfrm flipV="1">
-            <a:off x="4897598" y="6415378"/>
+            <a:off x="4782495" y="7205370"/>
             <a:ext cx="4375883" cy="21412"/>
           </a:xfrm>
           <a:prstGeom prst="straightConnector1">
@@ -6030,23 +5727,23 @@
       </p:cxnSp>
       <p:cxnSp>
         <p:nvCxnSpPr>
-          <p:cNvPr id="111" name="直接箭头连接符 110">
+          <p:cNvPr id="106" name="直接箭头连接符 105">
             <a:extLst>
               <a:ext uri="{FF2B5EF4-FFF2-40B4-BE49-F238E27FC236}">
-                <a16:creationId xmlns:a16="http://schemas.microsoft.com/office/drawing/2014/main" id="{533534F0-B9EA-42E3-A859-48D0B0456C20}"/>
+                <a16:creationId xmlns:a16="http://schemas.microsoft.com/office/drawing/2014/main" id="{4DE3608C-9A0E-4918-95F9-CB06A0E717D1}"/>
               </a:ext>
             </a:extLst>
           </p:cNvPr>
           <p:cNvCxnSpPr>
             <a:cxnSpLocks/>
-            <a:stCxn id="11" idx="0"/>
-            <a:endCxn id="3" idx="2"/>
+            <a:stCxn id="64" idx="0"/>
+            <a:endCxn id="65" idx="2"/>
           </p:cNvCxnSpPr>
           <p:nvPr/>
         </p:nvCxnSpPr>
         <p:spPr>
           <a:xfrm flipV="1">
-            <a:off x="9273481" y="5384925"/>
+            <a:off x="9158378" y="6174917"/>
             <a:ext cx="0" cy="280048"/>
           </a:xfrm>
           <a:prstGeom prst="straightConnector1">
@@ -6073,23 +5770,23 @@
       </p:cxnSp>
       <p:cxnSp>
         <p:nvCxnSpPr>
-          <p:cNvPr id="114" name="直接箭头连接符 113">
+          <p:cNvPr id="107" name="直接箭头连接符 106">
             <a:extLst>
               <a:ext uri="{FF2B5EF4-FFF2-40B4-BE49-F238E27FC236}">
-                <a16:creationId xmlns:a16="http://schemas.microsoft.com/office/drawing/2014/main" id="{0BDD2D16-611B-480A-945E-F21A1F4971BC}"/>
+                <a16:creationId xmlns:a16="http://schemas.microsoft.com/office/drawing/2014/main" id="{12249B31-E7F2-49BC-9F81-B75134127B99}"/>
               </a:ext>
             </a:extLst>
           </p:cNvPr>
           <p:cNvCxnSpPr>
             <a:cxnSpLocks/>
-            <a:stCxn id="3" idx="0"/>
-            <a:endCxn id="13" idx="2"/>
+            <a:stCxn id="65" idx="0"/>
+            <a:endCxn id="67" idx="2"/>
           </p:cNvCxnSpPr>
           <p:nvPr/>
         </p:nvCxnSpPr>
         <p:spPr>
           <a:xfrm flipV="1">
-            <a:off x="9273481" y="4323115"/>
+            <a:off x="9158378" y="5113107"/>
             <a:ext cx="52961" cy="499836"/>
           </a:xfrm>
           <a:prstGeom prst="straightConnector1">
@@ -6116,10 +5813,10 @@
       </p:cxnSp>
       <p:sp>
         <p:nvSpPr>
-          <p:cNvPr id="117" name="矩形: 圆角 116">
+          <p:cNvPr id="109" name="矩形: 圆角 108">
             <a:extLst>
               <a:ext uri="{FF2B5EF4-FFF2-40B4-BE49-F238E27FC236}">
-                <a16:creationId xmlns:a16="http://schemas.microsoft.com/office/drawing/2014/main" id="{EA561161-52EB-455E-853B-56465F321FBB}"/>
+                <a16:creationId xmlns:a16="http://schemas.microsoft.com/office/drawing/2014/main" id="{5B9F8FD6-89BD-467D-8C0C-C49D52B4DFF4}"/>
               </a:ext>
             </a:extLst>
           </p:cNvPr>
@@ -6128,8 +5825,8 @@
         </p:nvSpPr>
         <p:spPr>
           <a:xfrm>
-            <a:off x="177609" y="-107879"/>
-            <a:ext cx="6811020" cy="2801918"/>
+            <a:off x="62506" y="967983"/>
+            <a:ext cx="6811020" cy="2516047"/>
           </a:xfrm>
           <a:prstGeom prst="roundRect">
             <a:avLst/>
@@ -6168,10 +5865,10 @@
       </p:sp>
       <p:sp>
         <p:nvSpPr>
-          <p:cNvPr id="118" name="文本框 117">
+          <p:cNvPr id="110" name="文本框 109">
             <a:extLst>
               <a:ext uri="{FF2B5EF4-FFF2-40B4-BE49-F238E27FC236}">
-                <a16:creationId xmlns:a16="http://schemas.microsoft.com/office/drawing/2014/main" id="{5701D11D-082C-4882-9E13-A1CF46612E16}"/>
+                <a16:creationId xmlns:a16="http://schemas.microsoft.com/office/drawing/2014/main" id="{4D7AB0B4-D41E-49EE-858C-A0E17B8DF627}"/>
               </a:ext>
             </a:extLst>
           </p:cNvPr>
@@ -6180,8 +5877,8 @@
         </p:nvSpPr>
         <p:spPr>
           <a:xfrm>
-            <a:off x="316218" y="-520074"/>
-            <a:ext cx="620554" cy="369332"/>
+            <a:off x="201115" y="269918"/>
+            <a:ext cx="3102516" cy="369332"/>
           </a:xfrm>
           <a:prstGeom prst="rect">
             <a:avLst/>
@@ -6196,7 +5893,11 @@
           <a:p>
             <a:r>
               <a:rPr lang="en-US" altLang="zh-Hans-HK" dirty="0"/>
-              <a:t>Data</a:t>
+              <a:t>Data </a:t>
+            </a:r>
+            <a:r>
+              <a:rPr lang="en-US" altLang="zh-CN" dirty="0"/>
+              <a:t>Processing Platform (DPP)</a:t>
             </a:r>
             <a:endParaRPr lang="zh-Hans-HK" altLang="en-US" dirty="0"/>
           </a:p>
@@ -6204,10 +5905,10 @@
       </p:sp>
       <p:sp>
         <p:nvSpPr>
-          <p:cNvPr id="120" name="矩形: 圆角 119">
+          <p:cNvPr id="112" name="矩形: 圆角 111">
             <a:extLst>
               <a:ext uri="{FF2B5EF4-FFF2-40B4-BE49-F238E27FC236}">
-                <a16:creationId xmlns:a16="http://schemas.microsoft.com/office/drawing/2014/main" id="{B491BE5D-6E64-41F5-8C52-726FBAE6CEF2}"/>
+                <a16:creationId xmlns:a16="http://schemas.microsoft.com/office/drawing/2014/main" id="{6FDF94F6-ABA0-4632-AAB1-448102462D59}"/>
               </a:ext>
             </a:extLst>
           </p:cNvPr>
@@ -6216,7 +5917,7 @@
         </p:nvSpPr>
         <p:spPr>
           <a:xfrm>
-            <a:off x="2717979" y="2768391"/>
+            <a:off x="2602876" y="3558383"/>
             <a:ext cx="2618198" cy="4030825"/>
           </a:xfrm>
           <a:prstGeom prst="roundRect">
@@ -6256,10 +5957,10 @@
       </p:sp>
       <p:sp>
         <p:nvSpPr>
-          <p:cNvPr id="140" name="文本框 139">
+          <p:cNvPr id="113" name="文本框 112">
             <a:extLst>
               <a:ext uri="{FF2B5EF4-FFF2-40B4-BE49-F238E27FC236}">
-                <a16:creationId xmlns:a16="http://schemas.microsoft.com/office/drawing/2014/main" id="{AE414F35-3DB3-4F48-BFFF-4B515E073B96}"/>
+                <a16:creationId xmlns:a16="http://schemas.microsoft.com/office/drawing/2014/main" id="{03679450-4C28-46FB-AB16-59842F4B7C71}"/>
               </a:ext>
             </a:extLst>
           </p:cNvPr>
@@ -6268,8 +5969,8 @@
         </p:nvSpPr>
         <p:spPr>
           <a:xfrm>
-            <a:off x="1768499" y="3070794"/>
-            <a:ext cx="874150" cy="369332"/>
+            <a:off x="1343595" y="3852440"/>
+            <a:ext cx="993605" cy="1200329"/>
           </a:xfrm>
           <a:prstGeom prst="rect">
             <a:avLst/>
@@ -6284,7 +5985,28 @@
           <a:p>
             <a:r>
               <a:rPr lang="en-US" altLang="zh-Hans-HK" dirty="0"/>
-              <a:t>Trading</a:t>
+              <a:t>Trading/</a:t>
+            </a:r>
+            <a:br>
+              <a:rPr lang="en-US" altLang="zh-Hans-HK" dirty="0"/>
+            </a:br>
+            <a:r>
+              <a:rPr lang="en-US" altLang="zh-Hans-HK" dirty="0" err="1"/>
+              <a:t>Backtest</a:t>
+            </a:r>
+            <a:br>
+              <a:rPr lang="en-US" altLang="zh-Hans-HK" dirty="0"/>
+            </a:br>
+            <a:r>
+              <a:rPr lang="en-US" altLang="zh-Hans-HK" dirty="0"/>
+              <a:t>Platform</a:t>
+            </a:r>
+            <a:br>
+              <a:rPr lang="en-US" altLang="zh-Hans-HK" dirty="0"/>
+            </a:br>
+            <a:r>
+              <a:rPr lang="en-US" altLang="zh-Hans-HK" dirty="0"/>
+              <a:t>(TBP)</a:t>
             </a:r>
             <a:endParaRPr lang="zh-Hans-HK" altLang="en-US" dirty="0"/>
           </a:p>
@@ -6292,10 +6014,10 @@
       </p:sp>
       <p:sp>
         <p:nvSpPr>
-          <p:cNvPr id="148" name="矩形: 圆角 147">
+          <p:cNvPr id="115" name="矩形: 圆角 114">
             <a:extLst>
               <a:ext uri="{FF2B5EF4-FFF2-40B4-BE49-F238E27FC236}">
-                <a16:creationId xmlns:a16="http://schemas.microsoft.com/office/drawing/2014/main" id="{E232A219-4730-4F82-9E53-E0E1DDBDF65F}"/>
+                <a16:creationId xmlns:a16="http://schemas.microsoft.com/office/drawing/2014/main" id="{1F8CEC4C-141E-4FFB-B666-86D273D38474}"/>
               </a:ext>
             </a:extLst>
           </p:cNvPr>
@@ -6304,7 +6026,7 @@
         </p:nvSpPr>
         <p:spPr>
           <a:xfrm>
-            <a:off x="7843070" y="2926080"/>
+            <a:off x="7727967" y="3716072"/>
             <a:ext cx="2881536" cy="3798784"/>
           </a:xfrm>
           <a:prstGeom prst="roundRect">
@@ -6344,10 +6066,10 @@
       </p:sp>
       <p:sp>
         <p:nvSpPr>
-          <p:cNvPr id="149" name="文本框 148">
+          <p:cNvPr id="116" name="文本框 115">
             <a:extLst>
               <a:ext uri="{FF2B5EF4-FFF2-40B4-BE49-F238E27FC236}">
-                <a16:creationId xmlns:a16="http://schemas.microsoft.com/office/drawing/2014/main" id="{3D707BDF-511B-4AB3-A9C7-C615E0F5D539}"/>
+                <a16:creationId xmlns:a16="http://schemas.microsoft.com/office/drawing/2014/main" id="{1DAA197D-25FD-430B-BC95-49FE74F5FDC2}"/>
               </a:ext>
             </a:extLst>
           </p:cNvPr>
@@ -6356,7 +6078,7 @@
         </p:nvSpPr>
         <p:spPr>
           <a:xfrm>
-            <a:off x="8036087" y="2471972"/>
+            <a:off x="7920984" y="3261964"/>
             <a:ext cx="1904945" cy="369332"/>
           </a:xfrm>
           <a:prstGeom prst="rect">
@@ -6380,10 +6102,10 @@
       </p:sp>
       <p:grpSp>
         <p:nvGrpSpPr>
-          <p:cNvPr id="150" name="组合 149">
+          <p:cNvPr id="119" name="组合 118">
             <a:extLst>
               <a:ext uri="{FF2B5EF4-FFF2-40B4-BE49-F238E27FC236}">
-                <a16:creationId xmlns:a16="http://schemas.microsoft.com/office/drawing/2014/main" id="{4DF83B3F-2BA8-49FC-9EF6-876422D63895}"/>
+                <a16:creationId xmlns:a16="http://schemas.microsoft.com/office/drawing/2014/main" id="{85E43B29-9F38-4280-AC4D-6B9ED3D93465}"/>
               </a:ext>
             </a:extLst>
           </p:cNvPr>
@@ -6392,7 +6114,7 @@
         </p:nvGrpSpPr>
         <p:grpSpPr>
           <a:xfrm>
-            <a:off x="9523047" y="1420393"/>
+            <a:off x="9407944" y="2210385"/>
             <a:ext cx="2668953" cy="975533"/>
             <a:chOff x="6900751" y="3552192"/>
             <a:chExt cx="2668953" cy="975533"/>
@@ -6400,10 +6122,10 @@
         </p:grpSpPr>
         <p:sp>
           <p:nvSpPr>
-            <p:cNvPr id="151" name="文本框 150">
+            <p:cNvPr id="121" name="文本框 120">
               <a:extLst>
                 <a:ext uri="{FF2B5EF4-FFF2-40B4-BE49-F238E27FC236}">
-                  <a16:creationId xmlns:a16="http://schemas.microsoft.com/office/drawing/2014/main" id="{838DFC8F-41F5-4D17-967D-C386290D34E1}"/>
+                  <a16:creationId xmlns:a16="http://schemas.microsoft.com/office/drawing/2014/main" id="{B539495B-D2A3-43DB-AFBF-A62349A29E45}"/>
                 </a:ext>
               </a:extLst>
             </p:cNvPr>
@@ -6436,10 +6158,10 @@
         </p:sp>
         <p:sp>
           <p:nvSpPr>
-            <p:cNvPr id="152" name="文本框 151">
+            <p:cNvPr id="122" name="文本框 121">
               <a:extLst>
                 <a:ext uri="{FF2B5EF4-FFF2-40B4-BE49-F238E27FC236}">
-                  <a16:creationId xmlns:a16="http://schemas.microsoft.com/office/drawing/2014/main" id="{23B1AB3B-1AD2-4AFD-86DB-C219A7D3F85D}"/>
+                  <a16:creationId xmlns:a16="http://schemas.microsoft.com/office/drawing/2014/main" id="{4BC3C703-29F5-47C3-A07A-2AB90706A43F}"/>
                 </a:ext>
               </a:extLst>
             </p:cNvPr>
@@ -6472,10 +6194,10 @@
         </p:sp>
         <p:sp>
           <p:nvSpPr>
-            <p:cNvPr id="153" name="矩形 152">
+            <p:cNvPr id="123" name="矩形 122">
               <a:extLst>
                 <a:ext uri="{FF2B5EF4-FFF2-40B4-BE49-F238E27FC236}">
-                  <a16:creationId xmlns:a16="http://schemas.microsoft.com/office/drawing/2014/main" id="{03210422-BB3F-4076-856D-D30471FF639C}"/>
+                  <a16:creationId xmlns:a16="http://schemas.microsoft.com/office/drawing/2014/main" id="{8BD7A41E-0809-4651-B264-1CD5829167A2}"/>
                 </a:ext>
               </a:extLst>
             </p:cNvPr>
@@ -6539,6 +6261,1499 @@
     <p:extLst>
       <p:ext uri="{BB962C8B-B14F-4D97-AF65-F5344CB8AC3E}">
         <p14:creationId xmlns:p14="http://schemas.microsoft.com/office/powerpoint/2010/main" val="1341568196"/>
+      </p:ext>
+    </p:extLst>
+  </p:cSld>
+  <p:clrMapOvr>
+    <a:masterClrMapping/>
+  </p:clrMapOvr>
+</p:sld>
+</file>
+
+<file path=ppt/slides/slide3.xml><?xml version="1.0" encoding="utf-8"?>
+<p:sld xmlns:a="http://schemas.openxmlformats.org/drawingml/2006/main" xmlns:r="http://schemas.openxmlformats.org/officeDocument/2006/relationships" xmlns:p="http://schemas.openxmlformats.org/presentationml/2006/main">
+  <p:cSld>
+    <p:spTree>
+      <p:nvGrpSpPr>
+        <p:cNvPr id="1" name=""/>
+        <p:cNvGrpSpPr/>
+        <p:nvPr/>
+      </p:nvGrpSpPr>
+      <p:grpSpPr>
+        <a:xfrm>
+          <a:off x="0" y="0"/>
+          <a:ext cx="0" cy="0"/>
+          <a:chOff x="0" y="0"/>
+          <a:chExt cx="0" cy="0"/>
+        </a:xfrm>
+      </p:grpSpPr>
+      <p:sp>
+        <p:nvSpPr>
+          <p:cNvPr id="2" name="标题 1">
+            <a:extLst>
+              <a:ext uri="{FF2B5EF4-FFF2-40B4-BE49-F238E27FC236}">
+                <a16:creationId xmlns:a16="http://schemas.microsoft.com/office/drawing/2014/main" id="{F532A3AA-81D1-4278-BCDE-728827FF64A8}"/>
+              </a:ext>
+            </a:extLst>
+          </p:cNvPr>
+          <p:cNvSpPr>
+            <a:spLocks noGrp="1"/>
+          </p:cNvSpPr>
+          <p:nvPr>
+            <p:ph type="title"/>
+          </p:nvPr>
+        </p:nvSpPr>
+        <p:spPr/>
+        <p:txBody>
+          <a:bodyPr/>
+          <a:lstStyle/>
+          <a:p>
+            <a:r>
+              <a:rPr lang="en-US" altLang="zh-CN" dirty="0"/>
+              <a:t>Data structure</a:t>
+            </a:r>
+            <a:endParaRPr lang="zh-Hans-HK" altLang="en-US" dirty="0"/>
+          </a:p>
+        </p:txBody>
+      </p:sp>
+      <p:sp>
+        <p:nvSpPr>
+          <p:cNvPr id="3" name="内容占位符 2">
+            <a:extLst>
+              <a:ext uri="{FF2B5EF4-FFF2-40B4-BE49-F238E27FC236}">
+                <a16:creationId xmlns:a16="http://schemas.microsoft.com/office/drawing/2014/main" id="{33669BA7-BC6B-4D00-B213-670E84A2F61B}"/>
+              </a:ext>
+            </a:extLst>
+          </p:cNvPr>
+          <p:cNvSpPr>
+            <a:spLocks noGrp="1"/>
+          </p:cNvSpPr>
+          <p:nvPr>
+            <p:ph idx="1"/>
+          </p:nvPr>
+        </p:nvSpPr>
+        <p:spPr>
+          <a:xfrm>
+            <a:off x="1016392" y="1952512"/>
+            <a:ext cx="4697222" cy="5408914"/>
+          </a:xfrm>
+        </p:spPr>
+        <p:txBody>
+          <a:bodyPr>
+            <a:normAutofit fontScale="62500" lnSpcReduction="20000"/>
+          </a:bodyPr>
+          <a:lstStyle/>
+          <a:p>
+            <a:r>
+              <a:rPr lang="en-US" altLang="zh-CN" sz="1700" dirty="0"/>
+              <a:t>Data Process Platform(</a:t>
+            </a:r>
+            <a:r>
+              <a:rPr lang="en-US" altLang="zh-CN" sz="1700" dirty="0" err="1"/>
+              <a:t>dpp</a:t>
+            </a:r>
+            <a:r>
+              <a:rPr lang="en-US" altLang="zh-CN" sz="1700" dirty="0"/>
+              <a:t>)</a:t>
+            </a:r>
+          </a:p>
+          <a:p>
+            <a:pPr lvl="1"/>
+            <a:r>
+              <a:rPr lang="en-US" altLang="zh-CN" sz="1700" dirty="0"/>
+              <a:t>Data Base</a:t>
+            </a:r>
+          </a:p>
+          <a:p>
+            <a:pPr lvl="2"/>
+            <a:r>
+              <a:rPr lang="en-US" altLang="zh-CN" sz="1700" dirty="0"/>
+              <a:t>Source#1</a:t>
+            </a:r>
+          </a:p>
+          <a:p>
+            <a:pPr lvl="3"/>
+            <a:r>
+              <a:rPr lang="en-US" altLang="zh-CN" sz="1700" dirty="0"/>
+              <a:t>Stock#1</a:t>
+            </a:r>
+          </a:p>
+          <a:p>
+            <a:pPr lvl="4"/>
+            <a:r>
+              <a:rPr lang="en-US" altLang="zh-CN" sz="1700" dirty="0"/>
+              <a:t>Stock#1_M1</a:t>
+            </a:r>
+          </a:p>
+          <a:p>
+            <a:pPr lvl="4"/>
+            <a:r>
+              <a:rPr lang="en-US" altLang="zh-CN" sz="1700" dirty="0"/>
+              <a:t>Stock#1_H4</a:t>
+            </a:r>
+          </a:p>
+          <a:p>
+            <a:pPr lvl="4"/>
+            <a:r>
+              <a:rPr lang="en-US" altLang="zh-CN" sz="1700" dirty="0"/>
+              <a:t>Stock#1_D1</a:t>
+            </a:r>
+          </a:p>
+          <a:p>
+            <a:pPr lvl="4"/>
+            <a:r>
+              <a:rPr lang="en-US" altLang="zh-CN" sz="1700" dirty="0"/>
+              <a:t>…</a:t>
+            </a:r>
+          </a:p>
+          <a:p>
+            <a:pPr lvl="3"/>
+            <a:r>
+              <a:rPr lang="en-US" altLang="zh-CN" sz="1700" dirty="0" err="1"/>
+              <a:t>Stock#n</a:t>
+            </a:r>
+            <a:endParaRPr lang="en-US" altLang="zh-CN" sz="1700" dirty="0"/>
+          </a:p>
+          <a:p>
+            <a:pPr lvl="3"/>
+            <a:r>
+              <a:rPr lang="en-US" altLang="zh-CN" sz="1700" dirty="0"/>
+              <a:t>…</a:t>
+            </a:r>
+          </a:p>
+          <a:p>
+            <a:pPr lvl="2"/>
+            <a:r>
+              <a:rPr lang="en-US" altLang="zh-CN" sz="1700" dirty="0"/>
+              <a:t>Source#2</a:t>
+            </a:r>
+          </a:p>
+          <a:p>
+            <a:pPr lvl="3"/>
+            <a:r>
+              <a:rPr lang="en-US" altLang="zh-CN" sz="1700" dirty="0"/>
+              <a:t>Stock#1</a:t>
+            </a:r>
+          </a:p>
+          <a:p>
+            <a:pPr lvl="3"/>
+            <a:r>
+              <a:rPr lang="en-US" altLang="zh-CN" sz="1700" dirty="0"/>
+              <a:t>…</a:t>
+            </a:r>
+          </a:p>
+          <a:p>
+            <a:pPr lvl="2"/>
+            <a:r>
+              <a:rPr lang="en-US" altLang="zh-CN" sz="1700" dirty="0"/>
+              <a:t>…</a:t>
+            </a:r>
+          </a:p>
+          <a:p>
+            <a:pPr lvl="3"/>
+            <a:endParaRPr lang="en-US" altLang="zh-CN" sz="1700" dirty="0"/>
+          </a:p>
+          <a:p>
+            <a:pPr lvl="1"/>
+            <a:r>
+              <a:rPr lang="en-US" altLang="zh-CN" sz="1700" dirty="0"/>
+              <a:t>Class </a:t>
+            </a:r>
+            <a:r>
+              <a:rPr lang="en-US" altLang="zh-CN" sz="1700" dirty="0" err="1"/>
+              <a:t>kline</a:t>
+            </a:r>
+            <a:r>
+              <a:rPr lang="en-US" altLang="zh-CN" sz="1700" dirty="0"/>
+              <a:t>()</a:t>
+            </a:r>
+          </a:p>
+          <a:p>
+            <a:pPr lvl="2"/>
+            <a:r>
+              <a:rPr lang="en-US" altLang="zh-CN" sz="1700"/>
+              <a:t>Code name</a:t>
+            </a:r>
+            <a:endParaRPr lang="en-US" altLang="zh-CN" sz="1700" dirty="0"/>
+          </a:p>
+          <a:p>
+            <a:pPr lvl="2"/>
+            <a:r>
+              <a:rPr lang="en-US" altLang="zh-CN" sz="1700" dirty="0"/>
+              <a:t>source</a:t>
+            </a:r>
+          </a:p>
+          <a:p>
+            <a:pPr lvl="2"/>
+            <a:r>
+              <a:rPr lang="en-US" altLang="zh-CN" sz="1700" dirty="0"/>
+              <a:t>Pd data</a:t>
+            </a:r>
+          </a:p>
+          <a:p>
+            <a:pPr lvl="2"/>
+            <a:r>
+              <a:rPr lang="en-US" altLang="zh-CN" sz="1700" dirty="0" err="1"/>
+              <a:t>read_hist_data</a:t>
+            </a:r>
+            <a:r>
+              <a:rPr lang="en-US" altLang="zh-CN" sz="1700" dirty="0"/>
+              <a:t>(Source, Stock, type)</a:t>
+            </a:r>
+          </a:p>
+          <a:p>
+            <a:pPr lvl="2"/>
+            <a:r>
+              <a:rPr lang="en-US" altLang="zh-CN" sz="1700" dirty="0" err="1"/>
+              <a:t>Request_hist_data</a:t>
+            </a:r>
+            <a:r>
+              <a:rPr lang="en-US" altLang="zh-CN" sz="1700" dirty="0"/>
+              <a:t>(source, stock, type)</a:t>
+            </a:r>
+          </a:p>
+          <a:p>
+            <a:pPr lvl="2"/>
+            <a:r>
+              <a:rPr lang="en-US" altLang="zh-CN" sz="1700" dirty="0"/>
+              <a:t>binning(data, </a:t>
+            </a:r>
+            <a:r>
+              <a:rPr lang="en-US" altLang="zh-CN" sz="1700" dirty="0" err="1"/>
+              <a:t>from_type</a:t>
+            </a:r>
+            <a:r>
+              <a:rPr lang="en-US" altLang="zh-CN" sz="1700" dirty="0"/>
+              <a:t>, </a:t>
+            </a:r>
+            <a:r>
+              <a:rPr lang="en-US" altLang="zh-CN" sz="1700" dirty="0" err="1"/>
+              <a:t>to_type</a:t>
+            </a:r>
+            <a:r>
+              <a:rPr lang="en-US" altLang="zh-CN" sz="1700" dirty="0"/>
+              <a:t>)</a:t>
+            </a:r>
+          </a:p>
+          <a:p>
+            <a:pPr lvl="2"/>
+            <a:r>
+              <a:rPr lang="en-US" altLang="zh-CN" sz="1700" dirty="0"/>
+              <a:t>…</a:t>
+            </a:r>
+          </a:p>
+          <a:p>
+            <a:pPr lvl="1"/>
+            <a:r>
+              <a:rPr lang="en-US" altLang="zh-CN" sz="1700" dirty="0"/>
+              <a:t>Class </a:t>
+            </a:r>
+            <a:r>
+              <a:rPr lang="en-US" altLang="zh-CN" sz="1700" dirty="0" err="1"/>
+              <a:t>Source_factory</a:t>
+            </a:r>
+            <a:r>
+              <a:rPr lang="en-US" altLang="zh-CN" sz="1700" dirty="0"/>
+              <a:t>()</a:t>
+            </a:r>
+          </a:p>
+          <a:p>
+            <a:pPr lvl="1"/>
+            <a:r>
+              <a:rPr lang="en-US" altLang="zh-CN" sz="1700" dirty="0"/>
+              <a:t>Class kline_source#1(</a:t>
+            </a:r>
+            <a:r>
+              <a:rPr lang="en-US" altLang="zh-CN" sz="1700" dirty="0" err="1"/>
+              <a:t>kline</a:t>
+            </a:r>
+            <a:r>
+              <a:rPr lang="en-US" altLang="zh-CN" sz="1700" dirty="0"/>
+              <a:t>)</a:t>
+            </a:r>
+          </a:p>
+          <a:p>
+            <a:pPr lvl="1"/>
+            <a:r>
+              <a:rPr lang="en-US" altLang="zh-CN" sz="1700" dirty="0"/>
+              <a:t>Class </a:t>
+            </a:r>
+            <a:r>
+              <a:rPr lang="en-US" altLang="zh-CN" sz="1700" dirty="0" err="1"/>
+              <a:t>kline_source#n</a:t>
+            </a:r>
+            <a:r>
+              <a:rPr lang="en-US" altLang="zh-CN" sz="1700" dirty="0"/>
+              <a:t>(</a:t>
+            </a:r>
+            <a:r>
+              <a:rPr lang="en-US" altLang="zh-CN" sz="1700" dirty="0" err="1"/>
+              <a:t>kline</a:t>
+            </a:r>
+            <a:r>
+              <a:rPr lang="en-US" altLang="zh-CN" sz="1700" dirty="0"/>
+              <a:t>)</a:t>
+            </a:r>
+          </a:p>
+          <a:p>
+            <a:pPr lvl="1"/>
+            <a:r>
+              <a:rPr lang="en-US" altLang="zh-CN" sz="1700" dirty="0"/>
+              <a:t>…</a:t>
+            </a:r>
+          </a:p>
+          <a:p>
+            <a:pPr lvl="2"/>
+            <a:endParaRPr lang="en-US" altLang="zh-CN" sz="1538" dirty="0"/>
+          </a:p>
+          <a:p>
+            <a:pPr lvl="1"/>
+            <a:endParaRPr lang="zh-Hans-HK" altLang="en-US" sz="900" dirty="0"/>
+          </a:p>
+          <a:p>
+            <a:pPr lvl="1"/>
+            <a:endParaRPr lang="en-US" altLang="zh-CN" sz="1400" dirty="0"/>
+          </a:p>
+        </p:txBody>
+      </p:sp>
+      <p:sp>
+        <p:nvSpPr>
+          <p:cNvPr id="7" name="内容占位符 2">
+            <a:extLst>
+              <a:ext uri="{FF2B5EF4-FFF2-40B4-BE49-F238E27FC236}">
+                <a16:creationId xmlns:a16="http://schemas.microsoft.com/office/drawing/2014/main" id="{7E78429E-5A4A-4501-A1C5-082CBBED8DEC}"/>
+              </a:ext>
+            </a:extLst>
+          </p:cNvPr>
+          <p:cNvSpPr txBox="1">
+            <a:spLocks/>
+          </p:cNvSpPr>
+          <p:nvPr/>
+        </p:nvSpPr>
+        <p:spPr>
+          <a:xfrm>
+            <a:off x="5822030" y="1952512"/>
+            <a:ext cx="4697222" cy="5408914"/>
+          </a:xfrm>
+          <a:prstGeom prst="rect">
+            <a:avLst/>
+          </a:prstGeom>
+        </p:spPr>
+        <p:txBody>
+          <a:bodyPr vert="horz" lIns="91440" tIns="45720" rIns="91440" bIns="45720" rtlCol="0">
+            <a:normAutofit/>
+          </a:bodyPr>
+          <a:lstStyle>
+            <a:lvl1pPr marL="264010" indent="-264010" algn="l" defTabSz="1056041" rtl="0" eaLnBrk="1" latinLnBrk="0" hangingPunct="1">
+              <a:lnSpc>
+                <a:spcPct val="90000"/>
+              </a:lnSpc>
+              <a:spcBef>
+                <a:spcPts val="1155"/>
+              </a:spcBef>
+              <a:buFont typeface="Arial" panose="020B0604020202020204" pitchFamily="34" charset="0"/>
+              <a:buChar char="•"/>
+              <a:defRPr sz="3234" kern="1200">
+                <a:solidFill>
+                  <a:schemeClr val="tx1"/>
+                </a:solidFill>
+                <a:latin typeface="+mn-lt"/>
+                <a:ea typeface="+mn-ea"/>
+                <a:cs typeface="+mn-cs"/>
+              </a:defRPr>
+            </a:lvl1pPr>
+            <a:lvl2pPr marL="792030" indent="-264010" algn="l" defTabSz="1056041" rtl="0" eaLnBrk="1" latinLnBrk="0" hangingPunct="1">
+              <a:lnSpc>
+                <a:spcPct val="90000"/>
+              </a:lnSpc>
+              <a:spcBef>
+                <a:spcPts val="577"/>
+              </a:spcBef>
+              <a:buFont typeface="Arial" panose="020B0604020202020204" pitchFamily="34" charset="0"/>
+              <a:buChar char="•"/>
+              <a:defRPr sz="2772" kern="1200">
+                <a:solidFill>
+                  <a:schemeClr val="tx1"/>
+                </a:solidFill>
+                <a:latin typeface="+mn-lt"/>
+                <a:ea typeface="+mn-ea"/>
+                <a:cs typeface="+mn-cs"/>
+              </a:defRPr>
+            </a:lvl2pPr>
+            <a:lvl3pPr marL="1320051" indent="-264010" algn="l" defTabSz="1056041" rtl="0" eaLnBrk="1" latinLnBrk="0" hangingPunct="1">
+              <a:lnSpc>
+                <a:spcPct val="90000"/>
+              </a:lnSpc>
+              <a:spcBef>
+                <a:spcPts val="577"/>
+              </a:spcBef>
+              <a:buFont typeface="Arial" panose="020B0604020202020204" pitchFamily="34" charset="0"/>
+              <a:buChar char="•"/>
+              <a:defRPr sz="2310" kern="1200">
+                <a:solidFill>
+                  <a:schemeClr val="tx1"/>
+                </a:solidFill>
+                <a:latin typeface="+mn-lt"/>
+                <a:ea typeface="+mn-ea"/>
+                <a:cs typeface="+mn-cs"/>
+              </a:defRPr>
+            </a:lvl3pPr>
+            <a:lvl4pPr marL="1848071" indent="-264010" algn="l" defTabSz="1056041" rtl="0" eaLnBrk="1" latinLnBrk="0" hangingPunct="1">
+              <a:lnSpc>
+                <a:spcPct val="90000"/>
+              </a:lnSpc>
+              <a:spcBef>
+                <a:spcPts val="577"/>
+              </a:spcBef>
+              <a:buFont typeface="Arial" panose="020B0604020202020204" pitchFamily="34" charset="0"/>
+              <a:buChar char="•"/>
+              <a:defRPr sz="2079" kern="1200">
+                <a:solidFill>
+                  <a:schemeClr val="tx1"/>
+                </a:solidFill>
+                <a:latin typeface="+mn-lt"/>
+                <a:ea typeface="+mn-ea"/>
+                <a:cs typeface="+mn-cs"/>
+              </a:defRPr>
+            </a:lvl4pPr>
+            <a:lvl5pPr marL="2376091" indent="-264010" algn="l" defTabSz="1056041" rtl="0" eaLnBrk="1" latinLnBrk="0" hangingPunct="1">
+              <a:lnSpc>
+                <a:spcPct val="90000"/>
+              </a:lnSpc>
+              <a:spcBef>
+                <a:spcPts val="577"/>
+              </a:spcBef>
+              <a:buFont typeface="Arial" panose="020B0604020202020204" pitchFamily="34" charset="0"/>
+              <a:buChar char="•"/>
+              <a:defRPr sz="2079" kern="1200">
+                <a:solidFill>
+                  <a:schemeClr val="tx1"/>
+                </a:solidFill>
+                <a:latin typeface="+mn-lt"/>
+                <a:ea typeface="+mn-ea"/>
+                <a:cs typeface="+mn-cs"/>
+              </a:defRPr>
+            </a:lvl5pPr>
+            <a:lvl6pPr marL="2904112" indent="-264010" algn="l" defTabSz="1056041" rtl="0" eaLnBrk="1" latinLnBrk="0" hangingPunct="1">
+              <a:lnSpc>
+                <a:spcPct val="90000"/>
+              </a:lnSpc>
+              <a:spcBef>
+                <a:spcPts val="577"/>
+              </a:spcBef>
+              <a:buFont typeface="Arial" panose="020B0604020202020204" pitchFamily="34" charset="0"/>
+              <a:buChar char="•"/>
+              <a:defRPr sz="2079" kern="1200">
+                <a:solidFill>
+                  <a:schemeClr val="tx1"/>
+                </a:solidFill>
+                <a:latin typeface="+mn-lt"/>
+                <a:ea typeface="+mn-ea"/>
+                <a:cs typeface="+mn-cs"/>
+              </a:defRPr>
+            </a:lvl6pPr>
+            <a:lvl7pPr marL="3432132" indent="-264010" algn="l" defTabSz="1056041" rtl="0" eaLnBrk="1" latinLnBrk="0" hangingPunct="1">
+              <a:lnSpc>
+                <a:spcPct val="90000"/>
+              </a:lnSpc>
+              <a:spcBef>
+                <a:spcPts val="577"/>
+              </a:spcBef>
+              <a:buFont typeface="Arial" panose="020B0604020202020204" pitchFamily="34" charset="0"/>
+              <a:buChar char="•"/>
+              <a:defRPr sz="2079" kern="1200">
+                <a:solidFill>
+                  <a:schemeClr val="tx1"/>
+                </a:solidFill>
+                <a:latin typeface="+mn-lt"/>
+                <a:ea typeface="+mn-ea"/>
+                <a:cs typeface="+mn-cs"/>
+              </a:defRPr>
+            </a:lvl7pPr>
+            <a:lvl8pPr marL="3960152" indent="-264010" algn="l" defTabSz="1056041" rtl="0" eaLnBrk="1" latinLnBrk="0" hangingPunct="1">
+              <a:lnSpc>
+                <a:spcPct val="90000"/>
+              </a:lnSpc>
+              <a:spcBef>
+                <a:spcPts val="577"/>
+              </a:spcBef>
+              <a:buFont typeface="Arial" panose="020B0604020202020204" pitchFamily="34" charset="0"/>
+              <a:buChar char="•"/>
+              <a:defRPr sz="2079" kern="1200">
+                <a:solidFill>
+                  <a:schemeClr val="tx1"/>
+                </a:solidFill>
+                <a:latin typeface="+mn-lt"/>
+                <a:ea typeface="+mn-ea"/>
+                <a:cs typeface="+mn-cs"/>
+              </a:defRPr>
+            </a:lvl8pPr>
+            <a:lvl9pPr marL="4488172" indent="-264010" algn="l" defTabSz="1056041" rtl="0" eaLnBrk="1" latinLnBrk="0" hangingPunct="1">
+              <a:lnSpc>
+                <a:spcPct val="90000"/>
+              </a:lnSpc>
+              <a:spcBef>
+                <a:spcPts val="577"/>
+              </a:spcBef>
+              <a:buFont typeface="Arial" panose="020B0604020202020204" pitchFamily="34" charset="0"/>
+              <a:buChar char="•"/>
+              <a:defRPr sz="2079" kern="1200">
+                <a:solidFill>
+                  <a:schemeClr val="tx1"/>
+                </a:solidFill>
+                <a:latin typeface="+mn-lt"/>
+                <a:ea typeface="+mn-ea"/>
+                <a:cs typeface="+mn-cs"/>
+              </a:defRPr>
+            </a:lvl9pPr>
+          </a:lstStyle>
+          <a:p>
+            <a:r>
+              <a:rPr lang="en-US" altLang="zh-CN" sz="1400" dirty="0"/>
+              <a:t>Data Process Platform(</a:t>
+            </a:r>
+            <a:r>
+              <a:rPr lang="en-US" altLang="zh-CN" sz="1400" dirty="0" err="1"/>
+              <a:t>dpp</a:t>
+            </a:r>
+            <a:r>
+              <a:rPr lang="en-US" altLang="zh-CN" sz="1400" dirty="0"/>
+              <a:t>)   (continuing)</a:t>
+            </a:r>
+          </a:p>
+          <a:p>
+            <a:pPr lvl="1"/>
+            <a:r>
+              <a:rPr lang="en-US" altLang="zh-CN" sz="1400" dirty="0"/>
+              <a:t>Class Listener</a:t>
+            </a:r>
+          </a:p>
+          <a:p>
+            <a:pPr lvl="2"/>
+            <a:r>
+              <a:rPr lang="en-US" altLang="zh-CN" sz="1400" dirty="0"/>
+              <a:t>Callback()</a:t>
+            </a:r>
+          </a:p>
+          <a:p>
+            <a:pPr lvl="1"/>
+            <a:endParaRPr lang="en-US" altLang="zh-CN" sz="1400" dirty="0"/>
+          </a:p>
+          <a:p>
+            <a:pPr lvl="1"/>
+            <a:endParaRPr lang="zh-Hans-HK" altLang="en-US" sz="1400" dirty="0"/>
+          </a:p>
+          <a:p>
+            <a:pPr lvl="1"/>
+            <a:endParaRPr lang="en-US" altLang="zh-CN" sz="1400" dirty="0"/>
+          </a:p>
+        </p:txBody>
+      </p:sp>
+    </p:spTree>
+    <p:extLst>
+      <p:ext uri="{BB962C8B-B14F-4D97-AF65-F5344CB8AC3E}">
+        <p14:creationId xmlns:p14="http://schemas.microsoft.com/office/powerpoint/2010/main" val="1109516311"/>
+      </p:ext>
+    </p:extLst>
+  </p:cSld>
+  <p:clrMapOvr>
+    <a:masterClrMapping/>
+  </p:clrMapOvr>
+</p:sld>
+</file>
+
+<file path=ppt/slides/slide4.xml><?xml version="1.0" encoding="utf-8"?>
+<p:sld xmlns:a="http://schemas.openxmlformats.org/drawingml/2006/main" xmlns:r="http://schemas.openxmlformats.org/officeDocument/2006/relationships" xmlns:p="http://schemas.openxmlformats.org/presentationml/2006/main">
+  <p:cSld>
+    <p:spTree>
+      <p:nvGrpSpPr>
+        <p:cNvPr id="1" name=""/>
+        <p:cNvGrpSpPr/>
+        <p:nvPr/>
+      </p:nvGrpSpPr>
+      <p:grpSpPr>
+        <a:xfrm>
+          <a:off x="0" y="0"/>
+          <a:ext cx="0" cy="0"/>
+          <a:chOff x="0" y="0"/>
+          <a:chExt cx="0" cy="0"/>
+        </a:xfrm>
+      </p:grpSpPr>
+      <p:sp>
+        <p:nvSpPr>
+          <p:cNvPr id="2" name="标题 1">
+            <a:extLst>
+              <a:ext uri="{FF2B5EF4-FFF2-40B4-BE49-F238E27FC236}">
+                <a16:creationId xmlns:a16="http://schemas.microsoft.com/office/drawing/2014/main" id="{F532A3AA-81D1-4278-BCDE-728827FF64A8}"/>
+              </a:ext>
+            </a:extLst>
+          </p:cNvPr>
+          <p:cNvSpPr>
+            <a:spLocks noGrp="1"/>
+          </p:cNvSpPr>
+          <p:nvPr>
+            <p:ph type="title"/>
+          </p:nvPr>
+        </p:nvSpPr>
+        <p:spPr/>
+        <p:txBody>
+          <a:bodyPr/>
+          <a:lstStyle/>
+          <a:p>
+            <a:r>
+              <a:rPr lang="en-US" altLang="zh-CN" dirty="0"/>
+              <a:t>Data structure</a:t>
+            </a:r>
+            <a:endParaRPr lang="zh-Hans-HK" altLang="en-US" dirty="0"/>
+          </a:p>
+        </p:txBody>
+      </p:sp>
+      <p:sp>
+        <p:nvSpPr>
+          <p:cNvPr id="4" name="文本框 3">
+            <a:extLst>
+              <a:ext uri="{FF2B5EF4-FFF2-40B4-BE49-F238E27FC236}">
+                <a16:creationId xmlns:a16="http://schemas.microsoft.com/office/drawing/2014/main" id="{ADA621A2-CAC8-4C88-9AED-8766A9777630}"/>
+              </a:ext>
+            </a:extLst>
+          </p:cNvPr>
+          <p:cNvSpPr txBox="1"/>
+          <p:nvPr/>
+        </p:nvSpPr>
+        <p:spPr>
+          <a:xfrm>
+            <a:off x="1139894" y="1971726"/>
+            <a:ext cx="5492932" cy="5803640"/>
+          </a:xfrm>
+          <a:prstGeom prst="rect">
+            <a:avLst/>
+          </a:prstGeom>
+          <a:noFill/>
+        </p:spPr>
+        <p:txBody>
+          <a:bodyPr wrap="square" rtlCol="0">
+            <a:spAutoFit/>
+          </a:bodyPr>
+          <a:lstStyle/>
+          <a:p>
+            <a:pPr marL="342900" indent="-342900">
+              <a:buFont typeface="Arial" panose="020B0604020202020204" pitchFamily="34" charset="0"/>
+              <a:buChar char="•"/>
+            </a:pPr>
+            <a:r>
+              <a:rPr lang="en-US" altLang="zh-CN" sz="2000" dirty="0"/>
+              <a:t>Trading/</a:t>
+            </a:r>
+            <a:r>
+              <a:rPr lang="en-US" altLang="zh-CN" sz="2000" dirty="0" err="1"/>
+              <a:t>Backtest</a:t>
+            </a:r>
+            <a:r>
+              <a:rPr lang="en-US" altLang="zh-CN" sz="2000" dirty="0"/>
+              <a:t> Platform</a:t>
+            </a:r>
+          </a:p>
+          <a:p>
+            <a:pPr marL="800100" lvl="1" indent="-342900">
+              <a:buFont typeface="Arial" panose="020B0604020202020204" pitchFamily="34" charset="0"/>
+              <a:buChar char="•"/>
+            </a:pPr>
+            <a:r>
+              <a:rPr lang="en-US" altLang="zh-CN" dirty="0"/>
+              <a:t>Class </a:t>
+            </a:r>
+            <a:r>
+              <a:rPr lang="en-US" altLang="zh-CN" dirty="0" err="1"/>
+              <a:t>DataRepository</a:t>
+            </a:r>
+            <a:endParaRPr lang="en-US" altLang="zh-CN" dirty="0"/>
+          </a:p>
+          <a:p>
+            <a:pPr marL="1257300" lvl="2" indent="-342900">
+              <a:buFont typeface="Arial" panose="020B0604020202020204" pitchFamily="34" charset="0"/>
+              <a:buChar char="•"/>
+            </a:pPr>
+            <a:r>
+              <a:rPr lang="en-US" altLang="zh-CN" dirty="0"/>
+              <a:t>List(</a:t>
+            </a:r>
+            <a:r>
+              <a:rPr lang="en-US" altLang="zh-CN" dirty="0" err="1"/>
+              <a:t>kline</a:t>
+            </a:r>
+            <a:r>
+              <a:rPr lang="en-US" altLang="zh-CN" dirty="0"/>
+              <a:t>(</a:t>
+            </a:r>
+            <a:r>
+              <a:rPr lang="en-US" altLang="zh-CN" dirty="0" err="1"/>
+              <a:t>target#i</a:t>
+            </a:r>
+            <a:r>
+              <a:rPr lang="en-US" altLang="zh-CN" dirty="0"/>
+              <a:t>))</a:t>
+            </a:r>
+          </a:p>
+          <a:p>
+            <a:pPr marL="742950" lvl="1" indent="-285750">
+              <a:buFont typeface="Arial" panose="020B0604020202020204" pitchFamily="34" charset="0"/>
+              <a:buChar char="•"/>
+            </a:pPr>
+            <a:r>
+              <a:rPr lang="en-US" altLang="zh-CN" dirty="0"/>
+              <a:t>Class Trade</a:t>
+            </a:r>
+          </a:p>
+          <a:p>
+            <a:pPr marL="1200150" lvl="2" indent="-285750">
+              <a:buFont typeface="Arial" panose="020B0604020202020204" pitchFamily="34" charset="0"/>
+              <a:buChar char="•"/>
+            </a:pPr>
+            <a:r>
+              <a:rPr lang="en-US" altLang="zh-CN" sz="1600" dirty="0"/>
+              <a:t>Buy/Sold</a:t>
+            </a:r>
+          </a:p>
+          <a:p>
+            <a:pPr marL="1200150" lvl="2" indent="-285750">
+              <a:buFont typeface="Arial" panose="020B0604020202020204" pitchFamily="34" charset="0"/>
+              <a:buChar char="•"/>
+            </a:pPr>
+            <a:r>
+              <a:rPr lang="en-US" altLang="zh-CN" sz="1600" dirty="0"/>
+              <a:t>Stop-profit price/Stop limit</a:t>
+            </a:r>
+          </a:p>
+          <a:p>
+            <a:pPr marL="1200150" lvl="2" indent="-285750">
+              <a:buFont typeface="Arial" panose="020B0604020202020204" pitchFamily="34" charset="0"/>
+              <a:buChar char="•"/>
+            </a:pPr>
+            <a:r>
+              <a:rPr lang="en-US" altLang="zh-CN" sz="1600" dirty="0"/>
+              <a:t>Commissions/stamp</a:t>
+            </a:r>
+          </a:p>
+          <a:p>
+            <a:pPr marL="742950" lvl="1" indent="-285750">
+              <a:buFont typeface="Arial" panose="020B0604020202020204" pitchFamily="34" charset="0"/>
+              <a:buChar char="•"/>
+            </a:pPr>
+            <a:r>
+              <a:rPr lang="en-US" altLang="zh-CN" dirty="0"/>
+              <a:t>User Asset</a:t>
+            </a:r>
+          </a:p>
+          <a:p>
+            <a:pPr marL="1200150" lvl="2" indent="-285750">
+              <a:buFont typeface="Arial" panose="020B0604020202020204" pitchFamily="34" charset="0"/>
+              <a:buChar char="•"/>
+            </a:pPr>
+            <a:r>
+              <a:rPr lang="en-US" altLang="zh-CN" sz="1600" dirty="0"/>
+              <a:t>Quantity</a:t>
+            </a:r>
+          </a:p>
+          <a:p>
+            <a:pPr marL="1200150" lvl="2" indent="-285750">
+              <a:buFont typeface="Arial" panose="020B0604020202020204" pitchFamily="34" charset="0"/>
+              <a:buChar char="•"/>
+            </a:pPr>
+            <a:r>
+              <a:rPr lang="en-US" altLang="zh-CN" sz="1600" dirty="0"/>
+              <a:t>Profit</a:t>
+            </a:r>
+          </a:p>
+          <a:p>
+            <a:pPr marL="742950" lvl="1" indent="-285750">
+              <a:buFont typeface="Arial" panose="020B0604020202020204" pitchFamily="34" charset="0"/>
+              <a:buChar char="•"/>
+            </a:pPr>
+            <a:r>
+              <a:rPr lang="en-US" altLang="zh-CN" dirty="0" err="1"/>
+              <a:t>RunSimulation</a:t>
+            </a:r>
+            <a:r>
+              <a:rPr lang="en-US" altLang="zh-CN" dirty="0"/>
+              <a:t>()/</a:t>
+            </a:r>
+            <a:r>
+              <a:rPr lang="en-US" altLang="zh-CN" dirty="0" err="1"/>
+              <a:t>RunRealTime</a:t>
+            </a:r>
+            <a:r>
+              <a:rPr lang="en-US" altLang="zh-CN" dirty="0"/>
+              <a:t>()</a:t>
+            </a:r>
+          </a:p>
+          <a:p>
+            <a:pPr marL="1200150" lvl="2" indent="-285750">
+              <a:buFont typeface="Arial" panose="020B0604020202020204" pitchFamily="34" charset="0"/>
+              <a:buChar char="•"/>
+            </a:pPr>
+            <a:r>
+              <a:rPr lang="en-US" altLang="zh-CN" dirty="0" err="1"/>
+              <a:t>MainLoop</a:t>
+            </a:r>
+            <a:r>
+              <a:rPr lang="en-US" altLang="zh-CN" dirty="0"/>
+              <a:t>(daily)</a:t>
+            </a:r>
+          </a:p>
+          <a:p>
+            <a:pPr marL="1657350" lvl="3" indent="-285750">
+              <a:buFont typeface="Arial" panose="020B0604020202020204" pitchFamily="34" charset="0"/>
+              <a:buChar char="•"/>
+            </a:pPr>
+            <a:r>
+              <a:rPr lang="en-US" altLang="zh-CN" dirty="0" err="1"/>
+              <a:t>TradeLoop</a:t>
+            </a:r>
+            <a:r>
+              <a:rPr lang="en-US" altLang="zh-CN" dirty="0"/>
+              <a:t>(</a:t>
+            </a:r>
+            <a:r>
+              <a:rPr lang="en-US" altLang="zh-CN" dirty="0" err="1"/>
+              <a:t>PerMinute</a:t>
+            </a:r>
+            <a:r>
+              <a:rPr lang="en-US" altLang="zh-CN" dirty="0"/>
+              <a:t>)</a:t>
+            </a:r>
+          </a:p>
+          <a:p>
+            <a:pPr marL="2114550" lvl="4" indent="-285750">
+              <a:buFont typeface="Arial" panose="020B0604020202020204" pitchFamily="34" charset="0"/>
+              <a:buChar char="•"/>
+            </a:pPr>
+            <a:r>
+              <a:rPr lang="en-US" altLang="zh-CN" dirty="0" err="1">
+                <a:highlight>
+                  <a:srgbClr val="FFFF00"/>
+                </a:highlight>
+              </a:rPr>
+              <a:t>GenerateEntryPrice</a:t>
+            </a:r>
+            <a:r>
+              <a:rPr lang="en-US" altLang="zh-CN" dirty="0">
+                <a:highlight>
+                  <a:srgbClr val="FFFF00"/>
+                </a:highlight>
+              </a:rPr>
+              <a:t>(</a:t>
+            </a:r>
+            <a:r>
+              <a:rPr lang="en-US" altLang="zh-CN" dirty="0" err="1">
+                <a:highlight>
+                  <a:srgbClr val="FFFF00"/>
+                </a:highlight>
+              </a:rPr>
+              <a:t>CurData</a:t>
+            </a:r>
+            <a:r>
+              <a:rPr lang="en-US" altLang="zh-CN" dirty="0">
+                <a:highlight>
+                  <a:srgbClr val="FFFF00"/>
+                </a:highlight>
+              </a:rPr>
+              <a:t>, </a:t>
+            </a:r>
+            <a:r>
+              <a:rPr lang="en-US" altLang="zh-CN" dirty="0" err="1">
+                <a:highlight>
+                  <a:srgbClr val="FFFF00"/>
+                </a:highlight>
+              </a:rPr>
+              <a:t>Stra</a:t>
+            </a:r>
+            <a:r>
+              <a:rPr lang="en-US" altLang="zh-CN" dirty="0">
+                <a:highlight>
+                  <a:srgbClr val="FFFF00"/>
+                </a:highlight>
+              </a:rPr>
+              <a:t>)</a:t>
+            </a:r>
+          </a:p>
+          <a:p>
+            <a:pPr marL="2114550" lvl="4" indent="-285750">
+              <a:buFont typeface="Arial" panose="020B0604020202020204" pitchFamily="34" charset="0"/>
+              <a:buChar char="•"/>
+            </a:pPr>
+            <a:r>
+              <a:rPr lang="en-US" altLang="zh-CN" dirty="0" err="1"/>
+              <a:t>NewTrade</a:t>
+            </a:r>
+            <a:r>
+              <a:rPr lang="en-US" altLang="zh-CN" dirty="0"/>
+              <a:t>() if (</a:t>
+            </a:r>
+            <a:r>
+              <a:rPr lang="en-US" altLang="zh-CN" dirty="0" err="1"/>
+              <a:t>EntryPrice</a:t>
+            </a:r>
+            <a:r>
+              <a:rPr lang="en-US" altLang="zh-CN" dirty="0"/>
+              <a:t>)</a:t>
+            </a:r>
+          </a:p>
+          <a:p>
+            <a:pPr marL="2114550" lvl="4" indent="-285750">
+              <a:buFont typeface="Arial" panose="020B0604020202020204" pitchFamily="34" charset="0"/>
+              <a:buChar char="•"/>
+            </a:pPr>
+            <a:r>
+              <a:rPr lang="en-US" altLang="zh-CN" dirty="0" err="1"/>
+              <a:t>CheckAllTrade</a:t>
+            </a:r>
+            <a:r>
+              <a:rPr lang="en-US" altLang="zh-CN" dirty="0"/>
+              <a:t>()</a:t>
+            </a:r>
+          </a:p>
+          <a:p>
+            <a:pPr marL="2571750" lvl="5" indent="-285750">
+              <a:buFont typeface="Arial" panose="020B0604020202020204" pitchFamily="34" charset="0"/>
+              <a:buChar char="•"/>
+            </a:pPr>
+            <a:r>
+              <a:rPr lang="en-US" altLang="zh-CN" dirty="0" err="1">
+                <a:highlight>
+                  <a:srgbClr val="FFFF00"/>
+                </a:highlight>
+              </a:rPr>
+              <a:t>ReNewAllTrade</a:t>
+            </a:r>
+            <a:r>
+              <a:rPr lang="en-US" altLang="zh-CN" dirty="0">
+                <a:highlight>
+                  <a:srgbClr val="FFFF00"/>
+                </a:highlight>
+              </a:rPr>
+              <a:t>(</a:t>
+            </a:r>
+            <a:r>
+              <a:rPr lang="en-US" altLang="zh-CN" dirty="0" err="1">
+                <a:highlight>
+                  <a:srgbClr val="FFFF00"/>
+                </a:highlight>
+              </a:rPr>
+              <a:t>CurData</a:t>
+            </a:r>
+            <a:r>
+              <a:rPr lang="en-US" altLang="zh-CN" dirty="0">
+                <a:highlight>
+                  <a:srgbClr val="FFFF00"/>
+                </a:highlight>
+              </a:rPr>
+              <a:t>, </a:t>
+            </a:r>
+            <a:r>
+              <a:rPr lang="en-US" altLang="zh-CN" dirty="0" err="1">
+                <a:highlight>
+                  <a:srgbClr val="FFFF00"/>
+                </a:highlight>
+              </a:rPr>
+              <a:t>Stra</a:t>
+            </a:r>
+            <a:r>
+              <a:rPr lang="en-US" altLang="zh-CN" dirty="0">
+                <a:highlight>
+                  <a:srgbClr val="FFFF00"/>
+                </a:highlight>
+              </a:rPr>
+              <a:t>)</a:t>
+            </a:r>
+          </a:p>
+          <a:p>
+            <a:pPr marL="2571750" lvl="5" indent="-285750">
+              <a:buFont typeface="Arial" panose="020B0604020202020204" pitchFamily="34" charset="0"/>
+              <a:buChar char="•"/>
+            </a:pPr>
+            <a:r>
+              <a:rPr lang="en-US" altLang="zh-CN" dirty="0" err="1"/>
+              <a:t>CloseTrade</a:t>
+            </a:r>
+            <a:r>
+              <a:rPr lang="en-US" altLang="zh-CN" dirty="0"/>
+              <a:t>() if (Stop touch)</a:t>
+            </a:r>
+          </a:p>
+          <a:p>
+            <a:pPr marL="2114550" lvl="4" indent="-285750">
+              <a:buFont typeface="Arial" panose="020B0604020202020204" pitchFamily="34" charset="0"/>
+              <a:buChar char="•"/>
+            </a:pPr>
+            <a:r>
+              <a:rPr lang="en-US" altLang="zh-CN" dirty="0" err="1"/>
+              <a:t>CalculateUserAsset</a:t>
+            </a:r>
+            <a:r>
+              <a:rPr lang="en-US" altLang="zh-CN" dirty="0"/>
+              <a:t>()</a:t>
+            </a:r>
+          </a:p>
+          <a:p>
+            <a:pPr marL="685800" lvl="1" indent="-228600" defTabSz="914400">
+              <a:lnSpc>
+                <a:spcPct val="90000"/>
+              </a:lnSpc>
+              <a:spcBef>
+                <a:spcPts val="1000"/>
+              </a:spcBef>
+              <a:buFont typeface="Arial" panose="020B0604020202020204" pitchFamily="34" charset="0"/>
+              <a:buChar char="•"/>
+              <a:defRPr/>
+            </a:pPr>
+            <a:endParaRPr lang="en-US" altLang="zh-CN" sz="3200" dirty="0">
+              <a:solidFill>
+                <a:prstClr val="black"/>
+              </a:solidFill>
+              <a:latin typeface="Calibri" panose="020F0502020204030204"/>
+              <a:ea typeface="等线" panose="02010600030101010101" pitchFamily="2" charset="-122"/>
+            </a:endParaRPr>
+          </a:p>
+        </p:txBody>
+      </p:sp>
+    </p:spTree>
+    <p:extLst>
+      <p:ext uri="{BB962C8B-B14F-4D97-AF65-F5344CB8AC3E}">
+        <p14:creationId xmlns:p14="http://schemas.microsoft.com/office/powerpoint/2010/main" val="1563037589"/>
+      </p:ext>
+    </p:extLst>
+  </p:cSld>
+  <p:clrMapOvr>
+    <a:masterClrMapping/>
+  </p:clrMapOvr>
+</p:sld>
+</file>
+
+<file path=ppt/slides/slide5.xml><?xml version="1.0" encoding="utf-8"?>
+<p:sld xmlns:a="http://schemas.openxmlformats.org/drawingml/2006/main" xmlns:r="http://schemas.openxmlformats.org/officeDocument/2006/relationships" xmlns:p="http://schemas.openxmlformats.org/presentationml/2006/main">
+  <p:cSld>
+    <p:spTree>
+      <p:nvGrpSpPr>
+        <p:cNvPr id="1" name=""/>
+        <p:cNvGrpSpPr/>
+        <p:nvPr/>
+      </p:nvGrpSpPr>
+      <p:grpSpPr>
+        <a:xfrm>
+          <a:off x="0" y="0"/>
+          <a:ext cx="0" cy="0"/>
+          <a:chOff x="0" y="0"/>
+          <a:chExt cx="0" cy="0"/>
+        </a:xfrm>
+      </p:grpSpPr>
+      <p:sp>
+        <p:nvSpPr>
+          <p:cNvPr id="2" name="标题 1">
+            <a:extLst>
+              <a:ext uri="{FF2B5EF4-FFF2-40B4-BE49-F238E27FC236}">
+                <a16:creationId xmlns:a16="http://schemas.microsoft.com/office/drawing/2014/main" id="{F532A3AA-81D1-4278-BCDE-728827FF64A8}"/>
+              </a:ext>
+            </a:extLst>
+          </p:cNvPr>
+          <p:cNvSpPr>
+            <a:spLocks noGrp="1"/>
+          </p:cNvSpPr>
+          <p:nvPr>
+            <p:ph type="title"/>
+          </p:nvPr>
+        </p:nvSpPr>
+        <p:spPr/>
+        <p:txBody>
+          <a:bodyPr/>
+          <a:lstStyle/>
+          <a:p>
+            <a:r>
+              <a:rPr lang="en-US" altLang="zh-CN" dirty="0"/>
+              <a:t>Data structure</a:t>
+            </a:r>
+            <a:endParaRPr lang="zh-Hans-HK" altLang="en-US" dirty="0"/>
+          </a:p>
+        </p:txBody>
+      </p:sp>
+      <p:sp>
+        <p:nvSpPr>
+          <p:cNvPr id="5" name="文本框 4">
+            <a:extLst>
+              <a:ext uri="{FF2B5EF4-FFF2-40B4-BE49-F238E27FC236}">
+                <a16:creationId xmlns:a16="http://schemas.microsoft.com/office/drawing/2014/main" id="{3919AAC9-D388-4525-B1AD-BD82755F9FBC}"/>
+              </a:ext>
+            </a:extLst>
+          </p:cNvPr>
+          <p:cNvSpPr txBox="1"/>
+          <p:nvPr/>
+        </p:nvSpPr>
+        <p:spPr>
+          <a:xfrm>
+            <a:off x="7515361" y="2221708"/>
+            <a:ext cx="4881465" cy="3023905"/>
+          </a:xfrm>
+          <a:prstGeom prst="rect">
+            <a:avLst/>
+          </a:prstGeom>
+          <a:noFill/>
+        </p:spPr>
+        <p:txBody>
+          <a:bodyPr wrap="none" rtlCol="0">
+            <a:spAutoFit/>
+          </a:bodyPr>
+          <a:lstStyle/>
+          <a:p>
+            <a:pPr marL="285750" indent="-285750">
+              <a:buFont typeface="Arial" panose="020B0604020202020204" pitchFamily="34" charset="0"/>
+              <a:buChar char="•"/>
+            </a:pPr>
+            <a:r>
+              <a:rPr lang="en-US" altLang="zh-Hans-HK" dirty="0"/>
+              <a:t>Strategy(Learning)</a:t>
+            </a:r>
+          </a:p>
+          <a:p>
+            <a:pPr marL="742950" lvl="1" indent="-285750">
+              <a:buFont typeface="Arial" panose="020B0604020202020204" pitchFamily="34" charset="0"/>
+              <a:buChar char="•"/>
+            </a:pPr>
+            <a:r>
+              <a:rPr lang="en-US" altLang="zh-Hans-HK" dirty="0"/>
+              <a:t>Strategy</a:t>
+            </a:r>
+          </a:p>
+          <a:p>
+            <a:pPr marL="1200150" lvl="2" indent="-285750">
+              <a:buFont typeface="Arial" panose="020B0604020202020204" pitchFamily="34" charset="0"/>
+              <a:buChar char="•"/>
+            </a:pPr>
+            <a:r>
+              <a:rPr lang="en-US" altLang="zh-CN" dirty="0" err="1">
+                <a:highlight>
+                  <a:srgbClr val="FFFF00"/>
+                </a:highlight>
+              </a:rPr>
+              <a:t>GenerateEntryPrice</a:t>
+            </a:r>
+            <a:r>
+              <a:rPr lang="en-US" altLang="zh-CN" dirty="0">
+                <a:highlight>
+                  <a:srgbClr val="FFFF00"/>
+                </a:highlight>
+              </a:rPr>
+              <a:t>(</a:t>
+            </a:r>
+            <a:r>
+              <a:rPr lang="en-US" altLang="zh-CN" dirty="0" err="1">
+                <a:highlight>
+                  <a:srgbClr val="FFFF00"/>
+                </a:highlight>
+              </a:rPr>
+              <a:t>CurData</a:t>
+            </a:r>
+            <a:r>
+              <a:rPr lang="en-US" altLang="zh-CN" dirty="0">
+                <a:highlight>
+                  <a:srgbClr val="FFFF00"/>
+                </a:highlight>
+              </a:rPr>
+              <a:t>, </a:t>
+            </a:r>
+            <a:r>
+              <a:rPr lang="en-US" altLang="zh-CN" dirty="0" err="1">
+                <a:highlight>
+                  <a:srgbClr val="FFFF00"/>
+                </a:highlight>
+              </a:rPr>
+              <a:t>Stra</a:t>
+            </a:r>
+            <a:r>
+              <a:rPr lang="en-US" altLang="zh-CN" dirty="0">
+                <a:highlight>
+                  <a:srgbClr val="FFFF00"/>
+                </a:highlight>
+              </a:rPr>
+              <a:t>)</a:t>
+            </a:r>
+          </a:p>
+          <a:p>
+            <a:pPr marL="1200150" lvl="2" indent="-285750">
+              <a:buFont typeface="Arial" panose="020B0604020202020204" pitchFamily="34" charset="0"/>
+              <a:buChar char="•"/>
+            </a:pPr>
+            <a:r>
+              <a:rPr lang="en-US" altLang="zh-CN" dirty="0" err="1">
+                <a:highlight>
+                  <a:srgbClr val="FFFF00"/>
+                </a:highlight>
+              </a:rPr>
+              <a:t>ReNewAllTrade</a:t>
+            </a:r>
+            <a:r>
+              <a:rPr lang="en-US" altLang="zh-CN" dirty="0">
+                <a:highlight>
+                  <a:srgbClr val="FFFF00"/>
+                </a:highlight>
+              </a:rPr>
+              <a:t>(</a:t>
+            </a:r>
+            <a:r>
+              <a:rPr lang="en-US" altLang="zh-CN" dirty="0" err="1">
+                <a:highlight>
+                  <a:srgbClr val="FFFF00"/>
+                </a:highlight>
+              </a:rPr>
+              <a:t>CurData</a:t>
+            </a:r>
+            <a:r>
+              <a:rPr lang="en-US" altLang="zh-CN" dirty="0">
+                <a:highlight>
+                  <a:srgbClr val="FFFF00"/>
+                </a:highlight>
+              </a:rPr>
+              <a:t>, </a:t>
+            </a:r>
+            <a:r>
+              <a:rPr lang="en-US" altLang="zh-CN" dirty="0" err="1">
+                <a:highlight>
+                  <a:srgbClr val="FFFF00"/>
+                </a:highlight>
+              </a:rPr>
+              <a:t>Stra</a:t>
+            </a:r>
+            <a:r>
+              <a:rPr lang="en-US" altLang="zh-CN" dirty="0">
+                <a:highlight>
+                  <a:srgbClr val="FFFF00"/>
+                </a:highlight>
+              </a:rPr>
+              <a:t>)</a:t>
+            </a:r>
+          </a:p>
+          <a:p>
+            <a:pPr marL="742950" lvl="1" indent="-285750">
+              <a:buFont typeface="Arial" panose="020B0604020202020204" pitchFamily="34" charset="0"/>
+              <a:buChar char="•"/>
+            </a:pPr>
+            <a:r>
+              <a:rPr lang="en-US" altLang="zh-CN" dirty="0"/>
+              <a:t>Evaluation</a:t>
+            </a:r>
+          </a:p>
+          <a:p>
+            <a:pPr marL="1200150" lvl="2" indent="-285750">
+              <a:buFont typeface="Arial" panose="020B0604020202020204" pitchFamily="34" charset="0"/>
+              <a:buChar char="•"/>
+            </a:pPr>
+            <a:r>
+              <a:rPr lang="en-US" altLang="zh-CN" dirty="0" err="1"/>
+              <a:t>CostFunction</a:t>
+            </a:r>
+            <a:endParaRPr lang="en-US" altLang="zh-CN" dirty="0"/>
+          </a:p>
+          <a:p>
+            <a:pPr marL="1200150" lvl="2" indent="-285750">
+              <a:buFont typeface="Arial" panose="020B0604020202020204" pitchFamily="34" charset="0"/>
+              <a:buChar char="•"/>
+            </a:pPr>
+            <a:r>
+              <a:rPr lang="en-US" altLang="zh-CN" dirty="0"/>
+              <a:t>Performance</a:t>
+            </a:r>
+          </a:p>
+          <a:p>
+            <a:pPr marL="1200150" lvl="2" indent="-285750">
+              <a:buFont typeface="Arial" panose="020B0604020202020204" pitchFamily="34" charset="0"/>
+              <a:buChar char="•"/>
+            </a:pPr>
+            <a:r>
+              <a:rPr lang="en-US" altLang="zh-CN" dirty="0"/>
+              <a:t>Evaluate()</a:t>
+            </a:r>
+          </a:p>
+          <a:p>
+            <a:pPr marL="742950" lvl="1" indent="-285750">
+              <a:buFont typeface="Arial" panose="020B0604020202020204" pitchFamily="34" charset="0"/>
+              <a:buChar char="•"/>
+            </a:pPr>
+            <a:r>
+              <a:rPr lang="en-US" altLang="zh-CN" dirty="0"/>
+              <a:t>Learning</a:t>
+            </a:r>
+          </a:p>
+          <a:p>
+            <a:pPr marL="1200150" lvl="2" indent="-285750">
+              <a:buFont typeface="Arial" panose="020B0604020202020204" pitchFamily="34" charset="0"/>
+              <a:buChar char="•"/>
+            </a:pPr>
+            <a:r>
+              <a:rPr lang="en-US" altLang="zh-CN" dirty="0">
+                <a:solidFill>
+                  <a:schemeClr val="bg1">
+                    <a:lumMod val="75000"/>
+                  </a:schemeClr>
+                </a:solidFill>
+              </a:rPr>
+              <a:t>Add machine learning module here</a:t>
+            </a:r>
+          </a:p>
+        </p:txBody>
+      </p:sp>
+    </p:spTree>
+    <p:extLst>
+      <p:ext uri="{BB962C8B-B14F-4D97-AF65-F5344CB8AC3E}">
+        <p14:creationId xmlns:p14="http://schemas.microsoft.com/office/powerpoint/2010/main" val="4037334084"/>
+      </p:ext>
+    </p:extLst>
+  </p:cSld>
+  <p:clrMapOvr>
+    <a:masterClrMapping/>
+  </p:clrMapOvr>
+</p:sld>
+</file>
+
+<file path=ppt/slides/slide6.xml><?xml version="1.0" encoding="utf-8"?>
+<p:sld xmlns:a="http://schemas.openxmlformats.org/drawingml/2006/main" xmlns:r="http://schemas.openxmlformats.org/officeDocument/2006/relationships" xmlns:p="http://schemas.openxmlformats.org/presentationml/2006/main">
+  <p:cSld>
+    <p:spTree>
+      <p:nvGrpSpPr>
+        <p:cNvPr id="1" name=""/>
+        <p:cNvGrpSpPr/>
+        <p:nvPr/>
+      </p:nvGrpSpPr>
+      <p:grpSpPr>
+        <a:xfrm>
+          <a:off x="0" y="0"/>
+          <a:ext cx="0" cy="0"/>
+          <a:chOff x="0" y="0"/>
+          <a:chExt cx="0" cy="0"/>
+        </a:xfrm>
+      </p:grpSpPr>
+      <p:sp>
+        <p:nvSpPr>
+          <p:cNvPr id="2" name="标题 1">
+            <a:extLst>
+              <a:ext uri="{FF2B5EF4-FFF2-40B4-BE49-F238E27FC236}">
+                <a16:creationId xmlns:a16="http://schemas.microsoft.com/office/drawing/2014/main" id="{0ED4C7F3-B72A-4B22-899E-40CDFEF6D3FB}"/>
+              </a:ext>
+            </a:extLst>
+          </p:cNvPr>
+          <p:cNvSpPr>
+            <a:spLocks noGrp="1"/>
+          </p:cNvSpPr>
+          <p:nvPr>
+            <p:ph type="title"/>
+          </p:nvPr>
+        </p:nvSpPr>
+        <p:spPr/>
+        <p:txBody>
+          <a:bodyPr/>
+          <a:lstStyle/>
+          <a:p>
+            <a:r>
+              <a:rPr lang="en-US" altLang="zh-Hans-HK" dirty="0"/>
+              <a:t>Data source</a:t>
+            </a:r>
+            <a:endParaRPr lang="zh-Hans-HK" altLang="en-US" dirty="0"/>
+          </a:p>
+        </p:txBody>
+      </p:sp>
+      <p:sp>
+        <p:nvSpPr>
+          <p:cNvPr id="3" name="内容占位符 2">
+            <a:extLst>
+              <a:ext uri="{FF2B5EF4-FFF2-40B4-BE49-F238E27FC236}">
+                <a16:creationId xmlns:a16="http://schemas.microsoft.com/office/drawing/2014/main" id="{0A76FAF2-A6B6-4CA1-B845-CB5CDC7D2FB6}"/>
+              </a:ext>
+            </a:extLst>
+          </p:cNvPr>
+          <p:cNvSpPr>
+            <a:spLocks noGrp="1"/>
+          </p:cNvSpPr>
+          <p:nvPr>
+            <p:ph idx="1"/>
+          </p:nvPr>
+        </p:nvSpPr>
+        <p:spPr/>
+        <p:txBody>
+          <a:bodyPr/>
+          <a:lstStyle/>
+          <a:p>
+            <a:r>
+              <a:rPr lang="en-US" altLang="zh-Hans-HK" dirty="0"/>
+              <a:t>From </a:t>
+            </a:r>
+            <a:r>
+              <a:rPr lang="en-US" altLang="zh-Hans-HK" dirty="0" err="1"/>
+              <a:t>FutuOpenAPI</a:t>
+            </a:r>
+            <a:endParaRPr lang="zh-Hans-HK" altLang="en-US" dirty="0"/>
+          </a:p>
+        </p:txBody>
+      </p:sp>
+    </p:spTree>
+    <p:extLst>
+      <p:ext uri="{BB962C8B-B14F-4D97-AF65-F5344CB8AC3E}">
+        <p14:creationId xmlns:p14="http://schemas.microsoft.com/office/powerpoint/2010/main" val="3423985256"/>
+      </p:ext>
+    </p:extLst>
+  </p:cSld>
+  <p:clrMapOvr>
+    <a:masterClrMapping/>
+  </p:clrMapOvr>
+</p:sld>
+</file>
+
+<file path=ppt/slides/slide7.xml><?xml version="1.0" encoding="utf-8"?>
+<p:sld xmlns:a="http://schemas.openxmlformats.org/drawingml/2006/main" xmlns:r="http://schemas.openxmlformats.org/officeDocument/2006/relationships" xmlns:p="http://schemas.openxmlformats.org/presentationml/2006/main">
+  <p:cSld>
+    <p:spTree>
+      <p:nvGrpSpPr>
+        <p:cNvPr id="1" name=""/>
+        <p:cNvGrpSpPr/>
+        <p:nvPr/>
+      </p:nvGrpSpPr>
+      <p:grpSpPr>
+        <a:xfrm>
+          <a:off x="0" y="0"/>
+          <a:ext cx="0" cy="0"/>
+          <a:chOff x="0" y="0"/>
+          <a:chExt cx="0" cy="0"/>
+        </a:xfrm>
+      </p:grpSpPr>
+      <p:sp>
+        <p:nvSpPr>
+          <p:cNvPr id="2" name="标题 1">
+            <a:extLst>
+              <a:ext uri="{FF2B5EF4-FFF2-40B4-BE49-F238E27FC236}">
+                <a16:creationId xmlns:a16="http://schemas.microsoft.com/office/drawing/2014/main" id="{01E081EF-C18E-4365-8CFD-D3AADA5184C8}"/>
+              </a:ext>
+            </a:extLst>
+          </p:cNvPr>
+          <p:cNvSpPr>
+            <a:spLocks noGrp="1"/>
+          </p:cNvSpPr>
+          <p:nvPr>
+            <p:ph type="title"/>
+          </p:nvPr>
+        </p:nvSpPr>
+        <p:spPr/>
+        <p:txBody>
+          <a:bodyPr/>
+          <a:lstStyle/>
+          <a:p>
+            <a:r>
+              <a:rPr lang="en-US" altLang="zh-Hans-HK" dirty="0"/>
+              <a:t>GUI</a:t>
+            </a:r>
+            <a:endParaRPr lang="zh-Hans-HK" altLang="en-US" dirty="0"/>
+          </a:p>
+        </p:txBody>
+      </p:sp>
+    </p:spTree>
+    <p:extLst>
+      <p:ext uri="{BB962C8B-B14F-4D97-AF65-F5344CB8AC3E}">
+        <p14:creationId xmlns:p14="http://schemas.microsoft.com/office/powerpoint/2010/main" val="2455654000"/>
       </p:ext>
     </p:extLst>
   </p:cSld>
@@ -6807,4 +8022,299 @@
     </a:ext>
   </a:extLst>
 </a:theme>
+</file>
+
+<file path=ppt/theme/theme2.xml><?xml version="1.0" encoding="utf-8"?>
+<a:theme xmlns:a="http://schemas.openxmlformats.org/drawingml/2006/main" name="Office 主题​​">
+  <a:themeElements>
+    <a:clrScheme name="Office">
+      <a:dk1>
+        <a:sysClr val="windowText" lastClr="000000"/>
+      </a:dk1>
+      <a:lt1>
+        <a:sysClr val="window" lastClr="FFFFFF"/>
+      </a:lt1>
+      <a:dk2>
+        <a:srgbClr val="44546A"/>
+      </a:dk2>
+      <a:lt2>
+        <a:srgbClr val="E7E6E6"/>
+      </a:lt2>
+      <a:accent1>
+        <a:srgbClr val="4472C4"/>
+      </a:accent1>
+      <a:accent2>
+        <a:srgbClr val="ED7D31"/>
+      </a:accent2>
+      <a:accent3>
+        <a:srgbClr val="A5A5A5"/>
+      </a:accent3>
+      <a:accent4>
+        <a:srgbClr val="FFC000"/>
+      </a:accent4>
+      <a:accent5>
+        <a:srgbClr val="5B9BD5"/>
+      </a:accent5>
+      <a:accent6>
+        <a:srgbClr val="70AD47"/>
+      </a:accent6>
+      <a:hlink>
+        <a:srgbClr val="0563C1"/>
+      </a:hlink>
+      <a:folHlink>
+        <a:srgbClr val="954F72"/>
+      </a:folHlink>
+    </a:clrScheme>
+    <a:fontScheme name="Office">
+      <a:majorFont>
+        <a:latin typeface="Calibri Light" panose="020F0302020204030204"/>
+        <a:ea typeface=""/>
+        <a:cs typeface=""/>
+        <a:font script="Jpan" typeface="游ゴシック Light"/>
+        <a:font script="Hang" typeface="맑은 고딕"/>
+        <a:font script="Hans" typeface="等线 Light"/>
+        <a:font script="Hant" typeface="新細明體"/>
+        <a:font script="Arab" typeface="Times New Roman"/>
+        <a:font script="Hebr" typeface="Times New Roman"/>
+        <a:font script="Thai" typeface="Angsana New"/>
+        <a:font script="Ethi" typeface="Nyala"/>
+        <a:font script="Beng" typeface="Vrinda"/>
+        <a:font script="Gujr" typeface="Shruti"/>
+        <a:font script="Khmr" typeface="MoolBoran"/>
+        <a:font script="Knda" typeface="Tunga"/>
+        <a:font script="Guru" typeface="Raavi"/>
+        <a:font script="Cans" typeface="Euphemia"/>
+        <a:font script="Cher" typeface="Plantagenet Cherokee"/>
+        <a:font script="Yiii" typeface="Microsoft Yi Baiti"/>
+        <a:font script="Tibt" typeface="Microsoft Himalaya"/>
+        <a:font script="Thaa" typeface="MV Boli"/>
+        <a:font script="Deva" typeface="Mangal"/>
+        <a:font script="Telu" typeface="Gautami"/>
+        <a:font script="Taml" typeface="Latha"/>
+        <a:font script="Syrc" typeface="Estrangelo Edessa"/>
+        <a:font script="Orya" typeface="Kalinga"/>
+        <a:font script="Mlym" typeface="Kartika"/>
+        <a:font script="Laoo" typeface="DokChampa"/>
+        <a:font script="Sinh" typeface="Iskoola Pota"/>
+        <a:font script="Mong" typeface="Mongolian Baiti"/>
+        <a:font script="Viet" typeface="Times New Roman"/>
+        <a:font script="Uigh" typeface="Microsoft Uighur"/>
+        <a:font script="Geor" typeface="Sylfaen"/>
+        <a:font script="Armn" typeface="Arial"/>
+        <a:font script="Bugi" typeface="Leelawadee UI"/>
+        <a:font script="Bopo" typeface="Microsoft JhengHei"/>
+        <a:font script="Java" typeface="Javanese Text"/>
+        <a:font script="Lisu" typeface="Segoe UI"/>
+        <a:font script="Mymr" typeface="Myanmar Text"/>
+        <a:font script="Nkoo" typeface="Ebrima"/>
+        <a:font script="Olck" typeface="Nirmala UI"/>
+        <a:font script="Osma" typeface="Ebrima"/>
+        <a:font script="Phag" typeface="Phagspa"/>
+        <a:font script="Syrn" typeface="Estrangelo Edessa"/>
+        <a:font script="Syrj" typeface="Estrangelo Edessa"/>
+        <a:font script="Syre" typeface="Estrangelo Edessa"/>
+        <a:font script="Sora" typeface="Nirmala UI"/>
+        <a:font script="Tale" typeface="Microsoft Tai Le"/>
+        <a:font script="Talu" typeface="Microsoft New Tai Lue"/>
+        <a:font script="Tfng" typeface="Ebrima"/>
+      </a:majorFont>
+      <a:minorFont>
+        <a:latin typeface="Calibri" panose="020F0502020204030204"/>
+        <a:ea typeface=""/>
+        <a:cs typeface=""/>
+        <a:font script="Jpan" typeface="游ゴシック"/>
+        <a:font script="Hang" typeface="맑은 고딕"/>
+        <a:font script="Hans" typeface="等线"/>
+        <a:font script="Hant" typeface="新細明體"/>
+        <a:font script="Arab" typeface="Arial"/>
+        <a:font script="Hebr" typeface="Arial"/>
+        <a:font script="Thai" typeface="Cordia New"/>
+        <a:font script="Ethi" typeface="Nyala"/>
+        <a:font script="Beng" typeface="Vrinda"/>
+        <a:font script="Gujr" typeface="Shruti"/>
+        <a:font script="Khmr" typeface="DaunPenh"/>
+        <a:font script="Knda" typeface="Tunga"/>
+        <a:font script="Guru" typeface="Raavi"/>
+        <a:font script="Cans" typeface="Euphemia"/>
+        <a:font script="Cher" typeface="Plantagenet Cherokee"/>
+        <a:font script="Yiii" typeface="Microsoft Yi Baiti"/>
+        <a:font script="Tibt" typeface="Microsoft Himalaya"/>
+        <a:font script="Thaa" typeface="MV Boli"/>
+        <a:font script="Deva" typeface="Mangal"/>
+        <a:font script="Telu" typeface="Gautami"/>
+        <a:font script="Taml" typeface="Latha"/>
+        <a:font script="Syrc" typeface="Estrangelo Edessa"/>
+        <a:font script="Orya" typeface="Kalinga"/>
+        <a:font script="Mlym" typeface="Kartika"/>
+        <a:font script="Laoo" typeface="DokChampa"/>
+        <a:font script="Sinh" typeface="Iskoola Pota"/>
+        <a:font script="Mong" typeface="Mongolian Baiti"/>
+        <a:font script="Viet" typeface="Arial"/>
+        <a:font script="Uigh" typeface="Microsoft Uighur"/>
+        <a:font script="Geor" typeface="Sylfaen"/>
+        <a:font script="Armn" typeface="Arial"/>
+        <a:font script="Bugi" typeface="Leelawadee UI"/>
+        <a:font script="Bopo" typeface="Microsoft JhengHei"/>
+        <a:font script="Java" typeface="Javanese Text"/>
+        <a:font script="Lisu" typeface="Segoe UI"/>
+        <a:font script="Mymr" typeface="Myanmar Text"/>
+        <a:font script="Nkoo" typeface="Ebrima"/>
+        <a:font script="Olck" typeface="Nirmala UI"/>
+        <a:font script="Osma" typeface="Ebrima"/>
+        <a:font script="Phag" typeface="Phagspa"/>
+        <a:font script="Syrn" typeface="Estrangelo Edessa"/>
+        <a:font script="Syrj" typeface="Estrangelo Edessa"/>
+        <a:font script="Syre" typeface="Estrangelo Edessa"/>
+        <a:font script="Sora" typeface="Nirmala UI"/>
+        <a:font script="Tale" typeface="Microsoft Tai Le"/>
+        <a:font script="Talu" typeface="Microsoft New Tai Lue"/>
+        <a:font script="Tfng" typeface="Ebrima"/>
+      </a:minorFont>
+    </a:fontScheme>
+    <a:fmtScheme name="Office">
+      <a:fillStyleLst>
+        <a:solidFill>
+          <a:schemeClr val="phClr"/>
+        </a:solidFill>
+        <a:gradFill rotWithShape="1">
+          <a:gsLst>
+            <a:gs pos="0">
+              <a:schemeClr val="phClr">
+                <a:lumMod val="110000"/>
+                <a:satMod val="105000"/>
+                <a:tint val="67000"/>
+              </a:schemeClr>
+            </a:gs>
+            <a:gs pos="50000">
+              <a:schemeClr val="phClr">
+                <a:lumMod val="105000"/>
+                <a:satMod val="103000"/>
+                <a:tint val="73000"/>
+              </a:schemeClr>
+            </a:gs>
+            <a:gs pos="100000">
+              <a:schemeClr val="phClr">
+                <a:lumMod val="105000"/>
+                <a:satMod val="109000"/>
+                <a:tint val="81000"/>
+              </a:schemeClr>
+            </a:gs>
+          </a:gsLst>
+          <a:lin ang="5400000" scaled="0"/>
+        </a:gradFill>
+        <a:gradFill rotWithShape="1">
+          <a:gsLst>
+            <a:gs pos="0">
+              <a:schemeClr val="phClr">
+                <a:satMod val="103000"/>
+                <a:lumMod val="102000"/>
+                <a:tint val="94000"/>
+              </a:schemeClr>
+            </a:gs>
+            <a:gs pos="50000">
+              <a:schemeClr val="phClr">
+                <a:satMod val="110000"/>
+                <a:lumMod val="100000"/>
+                <a:shade val="100000"/>
+              </a:schemeClr>
+            </a:gs>
+            <a:gs pos="100000">
+              <a:schemeClr val="phClr">
+                <a:lumMod val="99000"/>
+                <a:satMod val="120000"/>
+                <a:shade val="78000"/>
+              </a:schemeClr>
+            </a:gs>
+          </a:gsLst>
+          <a:lin ang="5400000" scaled="0"/>
+        </a:gradFill>
+      </a:fillStyleLst>
+      <a:lnStyleLst>
+        <a:ln w="6350" cap="flat" cmpd="sng" algn="ctr">
+          <a:solidFill>
+            <a:schemeClr val="phClr"/>
+          </a:solidFill>
+          <a:prstDash val="solid"/>
+          <a:miter lim="800000"/>
+        </a:ln>
+        <a:ln w="12700" cap="flat" cmpd="sng" algn="ctr">
+          <a:solidFill>
+            <a:schemeClr val="phClr"/>
+          </a:solidFill>
+          <a:prstDash val="solid"/>
+          <a:miter lim="800000"/>
+        </a:ln>
+        <a:ln w="19050" cap="flat" cmpd="sng" algn="ctr">
+          <a:solidFill>
+            <a:schemeClr val="phClr"/>
+          </a:solidFill>
+          <a:prstDash val="solid"/>
+          <a:miter lim="800000"/>
+        </a:ln>
+      </a:lnStyleLst>
+      <a:effectStyleLst>
+        <a:effectStyle>
+          <a:effectLst/>
+        </a:effectStyle>
+        <a:effectStyle>
+          <a:effectLst/>
+        </a:effectStyle>
+        <a:effectStyle>
+          <a:effectLst>
+            <a:outerShdw blurRad="57150" dist="19050" dir="5400000" algn="ctr" rotWithShape="0">
+              <a:srgbClr val="000000">
+                <a:alpha val="63000"/>
+              </a:srgbClr>
+            </a:outerShdw>
+          </a:effectLst>
+        </a:effectStyle>
+      </a:effectStyleLst>
+      <a:bgFillStyleLst>
+        <a:solidFill>
+          <a:schemeClr val="phClr"/>
+        </a:solidFill>
+        <a:solidFill>
+          <a:schemeClr val="phClr">
+            <a:tint val="95000"/>
+            <a:satMod val="170000"/>
+          </a:schemeClr>
+        </a:solidFill>
+        <a:gradFill rotWithShape="1">
+          <a:gsLst>
+            <a:gs pos="0">
+              <a:schemeClr val="phClr">
+                <a:tint val="93000"/>
+                <a:satMod val="150000"/>
+                <a:shade val="98000"/>
+                <a:lumMod val="102000"/>
+              </a:schemeClr>
+            </a:gs>
+            <a:gs pos="50000">
+              <a:schemeClr val="phClr">
+                <a:tint val="98000"/>
+                <a:satMod val="130000"/>
+                <a:shade val="90000"/>
+                <a:lumMod val="103000"/>
+              </a:schemeClr>
+            </a:gs>
+            <a:gs pos="100000">
+              <a:schemeClr val="phClr">
+                <a:shade val="63000"/>
+                <a:satMod val="120000"/>
+              </a:schemeClr>
+            </a:gs>
+          </a:gsLst>
+          <a:lin ang="5400000" scaled="0"/>
+        </a:gradFill>
+      </a:bgFillStyleLst>
+    </a:fmtScheme>
+  </a:themeElements>
+  <a:objectDefaults/>
+  <a:extraClrSchemeLst/>
+  <a:extLst>
+    <a:ext uri="{05A4C25C-085E-4340-85A3-A5531E510DB2}">
+      <thm15:themeFamily xmlns:thm15="http://schemas.microsoft.com/office/thememl/2012/main" name="Office Theme" id="{62F939B6-93AF-4DB8-9C6B-D6C7DFDC589F}" vid="{4A3C46E8-61CC-4603-A589-7422A47A8E4A}"/>
+    </a:ext>
+  </a:extLst>
+</a:theme>
 </file>
--- a/@Test/_structure/Data Structure and UML Diagram of QuantPy.pptx
+++ b/@Test/_structure/Data Structure and UML Diagram of QuantPy.pptx
@@ -5,16 +5,17 @@
     <p:sldMasterId id="2147483684" r:id="rId1"/>
   </p:sldMasterIdLst>
   <p:notesMasterIdLst>
-    <p:notesMasterId r:id="rId9"/>
+    <p:notesMasterId r:id="rId10"/>
   </p:notesMasterIdLst>
   <p:sldIdLst>
     <p:sldId id="256" r:id="rId2"/>
     <p:sldId id="262" r:id="rId3"/>
     <p:sldId id="265" r:id="rId4"/>
-    <p:sldId id="263" r:id="rId5"/>
-    <p:sldId id="266" r:id="rId6"/>
-    <p:sldId id="264" r:id="rId7"/>
-    <p:sldId id="267" r:id="rId8"/>
+    <p:sldId id="268" r:id="rId5"/>
+    <p:sldId id="263" r:id="rId6"/>
+    <p:sldId id="266" r:id="rId7"/>
+    <p:sldId id="264" r:id="rId8"/>
+    <p:sldId id="267" r:id="rId9"/>
   </p:sldIdLst>
   <p:sldSz cx="12239625" cy="7920038"/>
   <p:notesSz cx="6858000" cy="9144000"/>
@@ -214,7 +215,7 @@
           <a:p>
             <a:fld id="{056539EE-56A0-4490-B02B-36C3AF8F0608}" type="datetimeFigureOut">
               <a:rPr lang="zh-Hans-HK" altLang="en-US" smtClean="0"/>
-              <a:t>21/12/2020</a:t>
+              <a:t>22/12/2020</a:t>
             </a:fld>
             <a:endParaRPr lang="zh-Hans-HK" altLang="en-US"/>
           </a:p>
@@ -828,7 +829,7 @@
           <a:p>
             <a:fld id="{251ED145-B0BC-4448-B378-88A8340C3E58}" type="slidenum">
               <a:rPr lang="zh-Hans-HK" altLang="en-US" smtClean="0"/>
-              <a:t>4</a:t>
+              <a:t>5</a:t>
             </a:fld>
             <a:endParaRPr lang="zh-Hans-HK" altLang="en-US"/>
           </a:p>
@@ -978,7 +979,7 @@
           <a:p>
             <a:fld id="{C88486A0-91B1-42F4-AA0D-0D56FAEE0A7C}" type="datetimeFigureOut">
               <a:rPr lang="zh-Hans-HK" altLang="en-US" smtClean="0"/>
-              <a:t>21/12/2020</a:t>
+              <a:t>22/12/2020</a:t>
             </a:fld>
             <a:endParaRPr lang="zh-Hans-HK" altLang="en-US"/>
           </a:p>
@@ -1148,7 +1149,7 @@
           <a:p>
             <a:fld id="{C88486A0-91B1-42F4-AA0D-0D56FAEE0A7C}" type="datetimeFigureOut">
               <a:rPr lang="zh-Hans-HK" altLang="en-US" smtClean="0"/>
-              <a:t>21/12/2020</a:t>
+              <a:t>22/12/2020</a:t>
             </a:fld>
             <a:endParaRPr lang="zh-Hans-HK" altLang="en-US"/>
           </a:p>
@@ -1328,7 +1329,7 @@
           <a:p>
             <a:fld id="{C88486A0-91B1-42F4-AA0D-0D56FAEE0A7C}" type="datetimeFigureOut">
               <a:rPr lang="zh-Hans-HK" altLang="en-US" smtClean="0"/>
-              <a:t>21/12/2020</a:t>
+              <a:t>22/12/2020</a:t>
             </a:fld>
             <a:endParaRPr lang="zh-Hans-HK" altLang="en-US"/>
           </a:p>
@@ -1498,7 +1499,7 @@
           <a:p>
             <a:fld id="{C88486A0-91B1-42F4-AA0D-0D56FAEE0A7C}" type="datetimeFigureOut">
               <a:rPr lang="zh-Hans-HK" altLang="en-US" smtClean="0"/>
-              <a:t>21/12/2020</a:t>
+              <a:t>22/12/2020</a:t>
             </a:fld>
             <a:endParaRPr lang="zh-Hans-HK" altLang="en-US"/>
           </a:p>
@@ -1742,7 +1743,7 @@
           <a:p>
             <a:fld id="{C88486A0-91B1-42F4-AA0D-0D56FAEE0A7C}" type="datetimeFigureOut">
               <a:rPr lang="zh-Hans-HK" altLang="en-US" smtClean="0"/>
-              <a:t>21/12/2020</a:t>
+              <a:t>22/12/2020</a:t>
             </a:fld>
             <a:endParaRPr lang="zh-Hans-HK" altLang="en-US"/>
           </a:p>
@@ -1974,7 +1975,7 @@
           <a:p>
             <a:fld id="{C88486A0-91B1-42F4-AA0D-0D56FAEE0A7C}" type="datetimeFigureOut">
               <a:rPr lang="zh-Hans-HK" altLang="en-US" smtClean="0"/>
-              <a:t>21/12/2020</a:t>
+              <a:t>22/12/2020</a:t>
             </a:fld>
             <a:endParaRPr lang="zh-Hans-HK" altLang="en-US"/>
           </a:p>
@@ -2341,7 +2342,7 @@
           <a:p>
             <a:fld id="{C88486A0-91B1-42F4-AA0D-0D56FAEE0A7C}" type="datetimeFigureOut">
               <a:rPr lang="zh-Hans-HK" altLang="en-US" smtClean="0"/>
-              <a:t>21/12/2020</a:t>
+              <a:t>22/12/2020</a:t>
             </a:fld>
             <a:endParaRPr lang="zh-Hans-HK" altLang="en-US"/>
           </a:p>
@@ -2459,7 +2460,7 @@
           <a:p>
             <a:fld id="{C88486A0-91B1-42F4-AA0D-0D56FAEE0A7C}" type="datetimeFigureOut">
               <a:rPr lang="zh-Hans-HK" altLang="en-US" smtClean="0"/>
-              <a:t>21/12/2020</a:t>
+              <a:t>22/12/2020</a:t>
             </a:fld>
             <a:endParaRPr lang="zh-Hans-HK" altLang="en-US"/>
           </a:p>
@@ -2554,7 +2555,7 @@
           <a:p>
             <a:fld id="{C88486A0-91B1-42F4-AA0D-0D56FAEE0A7C}" type="datetimeFigureOut">
               <a:rPr lang="zh-Hans-HK" altLang="en-US" smtClean="0"/>
-              <a:t>21/12/2020</a:t>
+              <a:t>22/12/2020</a:t>
             </a:fld>
             <a:endParaRPr lang="zh-Hans-HK" altLang="en-US"/>
           </a:p>
@@ -2831,7 +2832,7 @@
           <a:p>
             <a:fld id="{C88486A0-91B1-42F4-AA0D-0D56FAEE0A7C}" type="datetimeFigureOut">
               <a:rPr lang="zh-Hans-HK" altLang="en-US" smtClean="0"/>
-              <a:t>21/12/2020</a:t>
+              <a:t>22/12/2020</a:t>
             </a:fld>
             <a:endParaRPr lang="zh-Hans-HK" altLang="en-US"/>
           </a:p>
@@ -3088,7 +3089,7 @@
           <a:p>
             <a:fld id="{C88486A0-91B1-42F4-AA0D-0D56FAEE0A7C}" type="datetimeFigureOut">
               <a:rPr lang="zh-Hans-HK" altLang="en-US" smtClean="0"/>
-              <a:t>21/12/2020</a:t>
+              <a:t>22/12/2020</a:t>
             </a:fld>
             <a:endParaRPr lang="zh-Hans-HK" altLang="en-US"/>
           </a:p>
@@ -3301,7 +3302,7 @@
           <a:p>
             <a:fld id="{C88486A0-91B1-42F4-AA0D-0D56FAEE0A7C}" type="datetimeFigureOut">
               <a:rPr lang="zh-Hans-HK" altLang="en-US" smtClean="0"/>
-              <a:t>21/12/2020</a:t>
+              <a:t>22/12/2020</a:t>
             </a:fld>
             <a:endParaRPr lang="zh-Hans-HK" altLang="en-US"/>
           </a:p>
@@ -6881,445 +6882,60 @@
       </p:grpSpPr>
       <p:sp>
         <p:nvSpPr>
-          <p:cNvPr id="2" name="标题 1">
+          <p:cNvPr id="4" name="流程图: 过程 3">
             <a:extLst>
               <a:ext uri="{FF2B5EF4-FFF2-40B4-BE49-F238E27FC236}">
-                <a16:creationId xmlns:a16="http://schemas.microsoft.com/office/drawing/2014/main" id="{F532A3AA-81D1-4278-BCDE-728827FF64A8}"/>
+                <a16:creationId xmlns:a16="http://schemas.microsoft.com/office/drawing/2014/main" id="{A0F0E936-824E-41E8-B013-1051678A03A6}"/>
               </a:ext>
             </a:extLst>
           </p:cNvPr>
-          <p:cNvSpPr>
-            <a:spLocks noGrp="1"/>
-          </p:cNvSpPr>
-          <p:nvPr>
-            <p:ph type="title"/>
-          </p:nvPr>
-        </p:nvSpPr>
-        <p:spPr/>
-        <p:txBody>
-          <a:bodyPr/>
-          <a:lstStyle/>
-          <a:p>
-            <a:r>
-              <a:rPr lang="en-US" altLang="zh-CN" dirty="0"/>
-              <a:t>Data structure</a:t>
-            </a:r>
-            <a:endParaRPr lang="zh-Hans-HK" altLang="en-US" dirty="0"/>
-          </a:p>
-        </p:txBody>
-      </p:sp>
-      <p:sp>
-        <p:nvSpPr>
-          <p:cNvPr id="4" name="文本框 3">
-            <a:extLst>
-              <a:ext uri="{FF2B5EF4-FFF2-40B4-BE49-F238E27FC236}">
-                <a16:creationId xmlns:a16="http://schemas.microsoft.com/office/drawing/2014/main" id="{ADA621A2-CAC8-4C88-9AED-8766A9777630}"/>
-              </a:ext>
-            </a:extLst>
-          </p:cNvPr>
-          <p:cNvSpPr txBox="1"/>
+          <p:cNvSpPr/>
           <p:nvPr/>
         </p:nvSpPr>
         <p:spPr>
           <a:xfrm>
-            <a:off x="1139894" y="1971726"/>
-            <a:ext cx="5492932" cy="5803640"/>
+            <a:off x="3174842" y="1329004"/>
+            <a:ext cx="2567135" cy="1550504"/>
           </a:xfrm>
-          <a:prstGeom prst="rect">
+          <a:prstGeom prst="flowChartProcess">
             <a:avLst/>
           </a:prstGeom>
           <a:noFill/>
+          <a:ln>
+            <a:solidFill>
+              <a:schemeClr val="tx1"/>
+            </a:solidFill>
+          </a:ln>
         </p:spPr>
-        <p:txBody>
-          <a:bodyPr wrap="square" rtlCol="0">
-            <a:spAutoFit/>
-          </a:bodyPr>
+        <p:style>
+          <a:lnRef idx="2">
+            <a:schemeClr val="accent1">
+              <a:shade val="50000"/>
+            </a:schemeClr>
+          </a:lnRef>
+          <a:fillRef idx="1">
+            <a:schemeClr val="accent1"/>
+          </a:fillRef>
+          <a:effectRef idx="0">
+            <a:schemeClr val="accent1"/>
+          </a:effectRef>
+          <a:fontRef idx="minor">
+            <a:schemeClr val="lt1"/>
+          </a:fontRef>
+        </p:style>
+        <p:txBody>
+          <a:bodyPr rtlCol="0" anchor="ctr"/>
           <a:lstStyle/>
           <a:p>
-            <a:pPr marL="342900" indent="-342900">
-              <a:buFont typeface="Arial" panose="020B0604020202020204" pitchFamily="34" charset="0"/>
-              <a:buChar char="•"/>
-            </a:pPr>
-            <a:r>
-              <a:rPr lang="en-US" altLang="zh-CN" sz="2000" dirty="0"/>
-              <a:t>Trading/</a:t>
-            </a:r>
-            <a:r>
-              <a:rPr lang="en-US" altLang="zh-CN" sz="2000" dirty="0" err="1"/>
-              <a:t>Backtest</a:t>
-            </a:r>
-            <a:r>
-              <a:rPr lang="en-US" altLang="zh-CN" sz="2000" dirty="0"/>
-              <a:t> Platform</a:t>
-            </a:r>
-          </a:p>
-          <a:p>
-            <a:pPr marL="800100" lvl="1" indent="-342900">
-              <a:buFont typeface="Arial" panose="020B0604020202020204" pitchFamily="34" charset="0"/>
-              <a:buChar char="•"/>
-            </a:pPr>
-            <a:r>
-              <a:rPr lang="en-US" altLang="zh-CN" dirty="0"/>
-              <a:t>Class </a:t>
-            </a:r>
-            <a:r>
-              <a:rPr lang="en-US" altLang="zh-CN" dirty="0" err="1"/>
-              <a:t>DataRepository</a:t>
-            </a:r>
-            <a:endParaRPr lang="en-US" altLang="zh-CN" dirty="0"/>
-          </a:p>
-          <a:p>
-            <a:pPr marL="1257300" lvl="2" indent="-342900">
-              <a:buFont typeface="Arial" panose="020B0604020202020204" pitchFamily="34" charset="0"/>
-              <a:buChar char="•"/>
-            </a:pPr>
-            <a:r>
-              <a:rPr lang="en-US" altLang="zh-CN" dirty="0"/>
-              <a:t>List(</a:t>
-            </a:r>
-            <a:r>
-              <a:rPr lang="en-US" altLang="zh-CN" dirty="0" err="1"/>
-              <a:t>kline</a:t>
-            </a:r>
-            <a:r>
-              <a:rPr lang="en-US" altLang="zh-CN" dirty="0"/>
-              <a:t>(</a:t>
-            </a:r>
-            <a:r>
-              <a:rPr lang="en-US" altLang="zh-CN" dirty="0" err="1"/>
-              <a:t>target#i</a:t>
-            </a:r>
-            <a:r>
-              <a:rPr lang="en-US" altLang="zh-CN" dirty="0"/>
-              <a:t>))</a:t>
-            </a:r>
-          </a:p>
-          <a:p>
-            <a:pPr marL="742950" lvl="1" indent="-285750">
-              <a:buFont typeface="Arial" panose="020B0604020202020204" pitchFamily="34" charset="0"/>
-              <a:buChar char="•"/>
-            </a:pPr>
-            <a:r>
-              <a:rPr lang="en-US" altLang="zh-CN" dirty="0"/>
-              <a:t>Class Trade</a:t>
-            </a:r>
-          </a:p>
-          <a:p>
-            <a:pPr marL="1200150" lvl="2" indent="-285750">
-              <a:buFont typeface="Arial" panose="020B0604020202020204" pitchFamily="34" charset="0"/>
-              <a:buChar char="•"/>
-            </a:pPr>
-            <a:r>
-              <a:rPr lang="en-US" altLang="zh-CN" sz="1600" dirty="0"/>
-              <a:t>Buy/Sold</a:t>
-            </a:r>
-          </a:p>
-          <a:p>
-            <a:pPr marL="1200150" lvl="2" indent="-285750">
-              <a:buFont typeface="Arial" panose="020B0604020202020204" pitchFamily="34" charset="0"/>
-              <a:buChar char="•"/>
-            </a:pPr>
-            <a:r>
-              <a:rPr lang="en-US" altLang="zh-CN" sz="1600" dirty="0"/>
-              <a:t>Stop-profit price/Stop limit</a:t>
-            </a:r>
-          </a:p>
-          <a:p>
-            <a:pPr marL="1200150" lvl="2" indent="-285750">
-              <a:buFont typeface="Arial" panose="020B0604020202020204" pitchFamily="34" charset="0"/>
-              <a:buChar char="•"/>
-            </a:pPr>
-            <a:r>
-              <a:rPr lang="en-US" altLang="zh-CN" sz="1600" dirty="0"/>
-              <a:t>Commissions/stamp</a:t>
-            </a:r>
-          </a:p>
-          <a:p>
-            <a:pPr marL="742950" lvl="1" indent="-285750">
-              <a:buFont typeface="Arial" panose="020B0604020202020204" pitchFamily="34" charset="0"/>
-              <a:buChar char="•"/>
-            </a:pPr>
-            <a:r>
-              <a:rPr lang="en-US" altLang="zh-CN" dirty="0"/>
-              <a:t>User Asset</a:t>
-            </a:r>
-          </a:p>
-          <a:p>
-            <a:pPr marL="1200150" lvl="2" indent="-285750">
-              <a:buFont typeface="Arial" panose="020B0604020202020204" pitchFamily="34" charset="0"/>
-              <a:buChar char="•"/>
-            </a:pPr>
-            <a:r>
-              <a:rPr lang="en-US" altLang="zh-CN" sz="1600" dirty="0"/>
-              <a:t>Quantity</a:t>
-            </a:r>
-          </a:p>
-          <a:p>
-            <a:pPr marL="1200150" lvl="2" indent="-285750">
-              <a:buFont typeface="Arial" panose="020B0604020202020204" pitchFamily="34" charset="0"/>
-              <a:buChar char="•"/>
-            </a:pPr>
-            <a:r>
-              <a:rPr lang="en-US" altLang="zh-CN" sz="1600" dirty="0"/>
-              <a:t>Profit</a:t>
-            </a:r>
-          </a:p>
-          <a:p>
-            <a:pPr marL="742950" lvl="1" indent="-285750">
-              <a:buFont typeface="Arial" panose="020B0604020202020204" pitchFamily="34" charset="0"/>
-              <a:buChar char="•"/>
-            </a:pPr>
-            <a:r>
-              <a:rPr lang="en-US" altLang="zh-CN" dirty="0" err="1"/>
-              <a:t>RunSimulation</a:t>
-            </a:r>
-            <a:r>
-              <a:rPr lang="en-US" altLang="zh-CN" dirty="0"/>
-              <a:t>()/</a:t>
-            </a:r>
-            <a:r>
-              <a:rPr lang="en-US" altLang="zh-CN" dirty="0" err="1"/>
-              <a:t>RunRealTime</a:t>
-            </a:r>
-            <a:r>
-              <a:rPr lang="en-US" altLang="zh-CN" dirty="0"/>
-              <a:t>()</a:t>
-            </a:r>
-          </a:p>
-          <a:p>
-            <a:pPr marL="1200150" lvl="2" indent="-285750">
-              <a:buFont typeface="Arial" panose="020B0604020202020204" pitchFamily="34" charset="0"/>
-              <a:buChar char="•"/>
-            </a:pPr>
-            <a:r>
-              <a:rPr lang="en-US" altLang="zh-CN" dirty="0" err="1"/>
-              <a:t>MainLoop</a:t>
-            </a:r>
-            <a:r>
-              <a:rPr lang="en-US" altLang="zh-CN" dirty="0"/>
-              <a:t>(daily)</a:t>
-            </a:r>
-          </a:p>
-          <a:p>
-            <a:pPr marL="1657350" lvl="3" indent="-285750">
-              <a:buFont typeface="Arial" panose="020B0604020202020204" pitchFamily="34" charset="0"/>
-              <a:buChar char="•"/>
-            </a:pPr>
-            <a:r>
-              <a:rPr lang="en-US" altLang="zh-CN" dirty="0" err="1"/>
-              <a:t>TradeLoop</a:t>
-            </a:r>
-            <a:r>
-              <a:rPr lang="en-US" altLang="zh-CN" dirty="0"/>
-              <a:t>(</a:t>
-            </a:r>
-            <a:r>
-              <a:rPr lang="en-US" altLang="zh-CN" dirty="0" err="1"/>
-              <a:t>PerMinute</a:t>
-            </a:r>
-            <a:r>
-              <a:rPr lang="en-US" altLang="zh-CN" dirty="0"/>
-              <a:t>)</a:t>
-            </a:r>
-          </a:p>
-          <a:p>
-            <a:pPr marL="2114550" lvl="4" indent="-285750">
-              <a:buFont typeface="Arial" panose="020B0604020202020204" pitchFamily="34" charset="0"/>
-              <a:buChar char="•"/>
-            </a:pPr>
-            <a:r>
-              <a:rPr lang="en-US" altLang="zh-CN" dirty="0" err="1">
-                <a:highlight>
-                  <a:srgbClr val="FFFF00"/>
-                </a:highlight>
-              </a:rPr>
-              <a:t>GenerateEntryPrice</a:t>
-            </a:r>
-            <a:r>
-              <a:rPr lang="en-US" altLang="zh-CN" dirty="0">
-                <a:highlight>
-                  <a:srgbClr val="FFFF00"/>
-                </a:highlight>
-              </a:rPr>
-              <a:t>(</a:t>
-            </a:r>
-            <a:r>
-              <a:rPr lang="en-US" altLang="zh-CN" dirty="0" err="1">
-                <a:highlight>
-                  <a:srgbClr val="FFFF00"/>
-                </a:highlight>
-              </a:rPr>
-              <a:t>CurData</a:t>
-            </a:r>
-            <a:r>
-              <a:rPr lang="en-US" altLang="zh-CN" dirty="0">
-                <a:highlight>
-                  <a:srgbClr val="FFFF00"/>
-                </a:highlight>
-              </a:rPr>
-              <a:t>, </a:t>
-            </a:r>
-            <a:r>
-              <a:rPr lang="en-US" altLang="zh-CN" dirty="0" err="1">
-                <a:highlight>
-                  <a:srgbClr val="FFFF00"/>
-                </a:highlight>
-              </a:rPr>
-              <a:t>Stra</a:t>
-            </a:r>
-            <a:r>
-              <a:rPr lang="en-US" altLang="zh-CN" dirty="0">
-                <a:highlight>
-                  <a:srgbClr val="FFFF00"/>
-                </a:highlight>
-              </a:rPr>
-              <a:t>)</a:t>
-            </a:r>
-          </a:p>
-          <a:p>
-            <a:pPr marL="2114550" lvl="4" indent="-285750">
-              <a:buFont typeface="Arial" panose="020B0604020202020204" pitchFamily="34" charset="0"/>
-              <a:buChar char="•"/>
-            </a:pPr>
-            <a:r>
-              <a:rPr lang="en-US" altLang="zh-CN" dirty="0" err="1"/>
-              <a:t>NewTrade</a:t>
-            </a:r>
-            <a:r>
-              <a:rPr lang="en-US" altLang="zh-CN" dirty="0"/>
-              <a:t>() if (</a:t>
-            </a:r>
-            <a:r>
-              <a:rPr lang="en-US" altLang="zh-CN" dirty="0" err="1"/>
-              <a:t>EntryPrice</a:t>
-            </a:r>
-            <a:r>
-              <a:rPr lang="en-US" altLang="zh-CN" dirty="0"/>
-              <a:t>)</a:t>
-            </a:r>
-          </a:p>
-          <a:p>
-            <a:pPr marL="2114550" lvl="4" indent="-285750">
-              <a:buFont typeface="Arial" panose="020B0604020202020204" pitchFamily="34" charset="0"/>
-              <a:buChar char="•"/>
-            </a:pPr>
-            <a:r>
-              <a:rPr lang="en-US" altLang="zh-CN" dirty="0" err="1"/>
-              <a:t>CheckAllTrade</a:t>
-            </a:r>
-            <a:r>
-              <a:rPr lang="en-US" altLang="zh-CN" dirty="0"/>
-              <a:t>()</a:t>
-            </a:r>
-          </a:p>
-          <a:p>
-            <a:pPr marL="2571750" lvl="5" indent="-285750">
-              <a:buFont typeface="Arial" panose="020B0604020202020204" pitchFamily="34" charset="0"/>
-              <a:buChar char="•"/>
-            </a:pPr>
-            <a:r>
-              <a:rPr lang="en-US" altLang="zh-CN" dirty="0" err="1">
-                <a:highlight>
-                  <a:srgbClr val="FFFF00"/>
-                </a:highlight>
-              </a:rPr>
-              <a:t>ReNewAllTrade</a:t>
-            </a:r>
-            <a:r>
-              <a:rPr lang="en-US" altLang="zh-CN" dirty="0">
-                <a:highlight>
-                  <a:srgbClr val="FFFF00"/>
-                </a:highlight>
-              </a:rPr>
-              <a:t>(</a:t>
-            </a:r>
-            <a:r>
-              <a:rPr lang="en-US" altLang="zh-CN" dirty="0" err="1">
-                <a:highlight>
-                  <a:srgbClr val="FFFF00"/>
-                </a:highlight>
-              </a:rPr>
-              <a:t>CurData</a:t>
-            </a:r>
-            <a:r>
-              <a:rPr lang="en-US" altLang="zh-CN" dirty="0">
-                <a:highlight>
-                  <a:srgbClr val="FFFF00"/>
-                </a:highlight>
-              </a:rPr>
-              <a:t>, </a:t>
-            </a:r>
-            <a:r>
-              <a:rPr lang="en-US" altLang="zh-CN" dirty="0" err="1">
-                <a:highlight>
-                  <a:srgbClr val="FFFF00"/>
-                </a:highlight>
-              </a:rPr>
-              <a:t>Stra</a:t>
-            </a:r>
-            <a:r>
-              <a:rPr lang="en-US" altLang="zh-CN" dirty="0">
-                <a:highlight>
-                  <a:srgbClr val="FFFF00"/>
-                </a:highlight>
-              </a:rPr>
-              <a:t>)</a:t>
-            </a:r>
-          </a:p>
-          <a:p>
-            <a:pPr marL="2571750" lvl="5" indent="-285750">
-              <a:buFont typeface="Arial" panose="020B0604020202020204" pitchFamily="34" charset="0"/>
-              <a:buChar char="•"/>
-            </a:pPr>
-            <a:r>
-              <a:rPr lang="en-US" altLang="zh-CN" dirty="0" err="1"/>
-              <a:t>CloseTrade</a:t>
-            </a:r>
-            <a:r>
-              <a:rPr lang="en-US" altLang="zh-CN" dirty="0"/>
-              <a:t>() if (Stop touch)</a:t>
-            </a:r>
-          </a:p>
-          <a:p>
-            <a:pPr marL="2114550" lvl="4" indent="-285750">
-              <a:buFont typeface="Arial" panose="020B0604020202020204" pitchFamily="34" charset="0"/>
-              <a:buChar char="•"/>
-            </a:pPr>
-            <a:r>
-              <a:rPr lang="en-US" altLang="zh-CN" dirty="0" err="1"/>
-              <a:t>CalculateUserAsset</a:t>
-            </a:r>
-            <a:r>
-              <a:rPr lang="en-US" altLang="zh-CN" dirty="0"/>
-              <a:t>()</a:t>
-            </a:r>
-          </a:p>
-          <a:p>
-            <a:pPr marL="685800" lvl="1" indent="-228600" defTabSz="914400">
-              <a:lnSpc>
-                <a:spcPct val="90000"/>
-              </a:lnSpc>
-              <a:spcBef>
-                <a:spcPts val="1000"/>
-              </a:spcBef>
-              <a:buFont typeface="Arial" panose="020B0604020202020204" pitchFamily="34" charset="0"/>
-              <a:buChar char="•"/>
-              <a:defRPr/>
-            </a:pPr>
-            <a:endParaRPr lang="en-US" altLang="zh-CN" sz="3200" dirty="0">
-              <a:solidFill>
-                <a:prstClr val="black"/>
-              </a:solidFill>
-              <a:latin typeface="Calibri" panose="020F0502020204030204"/>
-              <a:ea typeface="等线" panose="02010600030101010101" pitchFamily="2" charset="-122"/>
-            </a:endParaRPr>
+            <a:pPr algn="ctr"/>
+            <a:endParaRPr lang="zh-Hans-HK" altLang="en-US"/>
           </a:p>
         </p:txBody>
       </p:sp>
     </p:spTree>
     <p:extLst>
       <p:ext uri="{BB962C8B-B14F-4D97-AF65-F5344CB8AC3E}">
-        <p14:creationId xmlns:p14="http://schemas.microsoft.com/office/powerpoint/2010/main" val="1563037589"/>
+        <p14:creationId xmlns:p14="http://schemas.microsoft.com/office/powerpoint/2010/main" val="1711966303"/>
       </p:ext>
     </p:extLst>
   </p:cSld>
@@ -7377,10 +6993,10 @@
       </p:sp>
       <p:sp>
         <p:nvSpPr>
-          <p:cNvPr id="5" name="文本框 4">
+          <p:cNvPr id="4" name="文本框 3">
             <a:extLst>
               <a:ext uri="{FF2B5EF4-FFF2-40B4-BE49-F238E27FC236}">
-                <a16:creationId xmlns:a16="http://schemas.microsoft.com/office/drawing/2014/main" id="{3919AAC9-D388-4525-B1AD-BD82755F9FBC}"/>
+                <a16:creationId xmlns:a16="http://schemas.microsoft.com/office/drawing/2014/main" id="{ADA621A2-CAC8-4C88-9AED-8766A9777630}"/>
               </a:ext>
             </a:extLst>
           </p:cNvPr>
@@ -7389,8 +7005,8 @@
         </p:nvSpPr>
         <p:spPr>
           <a:xfrm>
-            <a:off x="7515361" y="2221708"/>
-            <a:ext cx="4881465" cy="3023905"/>
+            <a:off x="1139894" y="1971726"/>
+            <a:ext cx="5492932" cy="5803640"/>
           </a:xfrm>
           <a:prstGeom prst="rect">
             <a:avLst/>
@@ -7398,18 +7014,67 @@
           <a:noFill/>
         </p:spPr>
         <p:txBody>
-          <a:bodyPr wrap="none" rtlCol="0">
+          <a:bodyPr wrap="square" rtlCol="0">
             <a:spAutoFit/>
           </a:bodyPr>
           <a:lstStyle/>
           <a:p>
-            <a:pPr marL="285750" indent="-285750">
+            <a:pPr marL="342900" indent="-342900">
               <a:buFont typeface="Arial" panose="020B0604020202020204" pitchFamily="34" charset="0"/>
               <a:buChar char="•"/>
             </a:pPr>
             <a:r>
-              <a:rPr lang="en-US" altLang="zh-Hans-HK" dirty="0"/>
-              <a:t>Strategy(Learning)</a:t>
+              <a:rPr lang="en-US" altLang="zh-CN" sz="2000" dirty="0"/>
+              <a:t>Trading/</a:t>
+            </a:r>
+            <a:r>
+              <a:rPr lang="en-US" altLang="zh-CN" sz="2000" dirty="0" err="1"/>
+              <a:t>Backtest</a:t>
+            </a:r>
+            <a:r>
+              <a:rPr lang="en-US" altLang="zh-CN" sz="2000" dirty="0"/>
+              <a:t> Platform</a:t>
+            </a:r>
+          </a:p>
+          <a:p>
+            <a:pPr marL="800100" lvl="1" indent="-342900">
+              <a:buFont typeface="Arial" panose="020B0604020202020204" pitchFamily="34" charset="0"/>
+              <a:buChar char="•"/>
+            </a:pPr>
+            <a:r>
+              <a:rPr lang="en-US" altLang="zh-CN" dirty="0"/>
+              <a:t>Class </a:t>
+            </a:r>
+            <a:r>
+              <a:rPr lang="en-US" altLang="zh-CN" dirty="0" err="1"/>
+              <a:t>DataRepository</a:t>
+            </a:r>
+            <a:endParaRPr lang="en-US" altLang="zh-CN" dirty="0"/>
+          </a:p>
+          <a:p>
+            <a:pPr marL="1257300" lvl="2" indent="-342900">
+              <a:buFont typeface="Arial" panose="020B0604020202020204" pitchFamily="34" charset="0"/>
+              <a:buChar char="•"/>
+            </a:pPr>
+            <a:r>
+              <a:rPr lang="en-US" altLang="zh-CN" dirty="0"/>
+              <a:t>List(</a:t>
+            </a:r>
+            <a:r>
+              <a:rPr lang="en-US" altLang="zh-CN" dirty="0" err="1"/>
+              <a:t>kline</a:t>
+            </a:r>
+            <a:r>
+              <a:rPr lang="en-US" altLang="zh-CN" dirty="0"/>
+              <a:t>(</a:t>
+            </a:r>
+            <a:r>
+              <a:rPr lang="en-US" altLang="zh-CN" dirty="0" err="1"/>
+              <a:t>target#i</a:t>
+            </a:r>
+            <a:r>
+              <a:rPr lang="en-US" altLang="zh-CN" dirty="0"/>
+              <a:t>))</a:t>
             </a:r>
           </a:p>
           <a:p>
@@ -7418,12 +7083,130 @@
               <a:buChar char="•"/>
             </a:pPr>
             <a:r>
-              <a:rPr lang="en-US" altLang="zh-Hans-HK" dirty="0"/>
-              <a:t>Strategy</a:t>
+              <a:rPr lang="en-US" altLang="zh-CN" dirty="0"/>
+              <a:t>Class Trade</a:t>
             </a:r>
           </a:p>
           <a:p>
             <a:pPr marL="1200150" lvl="2" indent="-285750">
+              <a:buFont typeface="Arial" panose="020B0604020202020204" pitchFamily="34" charset="0"/>
+              <a:buChar char="•"/>
+            </a:pPr>
+            <a:r>
+              <a:rPr lang="en-US" altLang="zh-CN" sz="1600" dirty="0"/>
+              <a:t>Buy/Sold</a:t>
+            </a:r>
+          </a:p>
+          <a:p>
+            <a:pPr marL="1200150" lvl="2" indent="-285750">
+              <a:buFont typeface="Arial" panose="020B0604020202020204" pitchFamily="34" charset="0"/>
+              <a:buChar char="•"/>
+            </a:pPr>
+            <a:r>
+              <a:rPr lang="en-US" altLang="zh-CN" sz="1600" dirty="0"/>
+              <a:t>Stop-profit price/Stop limit</a:t>
+            </a:r>
+          </a:p>
+          <a:p>
+            <a:pPr marL="1200150" lvl="2" indent="-285750">
+              <a:buFont typeface="Arial" panose="020B0604020202020204" pitchFamily="34" charset="0"/>
+              <a:buChar char="•"/>
+            </a:pPr>
+            <a:r>
+              <a:rPr lang="en-US" altLang="zh-CN" sz="1600" dirty="0"/>
+              <a:t>Commissions/stamp</a:t>
+            </a:r>
+          </a:p>
+          <a:p>
+            <a:pPr marL="742950" lvl="1" indent="-285750">
+              <a:buFont typeface="Arial" panose="020B0604020202020204" pitchFamily="34" charset="0"/>
+              <a:buChar char="•"/>
+            </a:pPr>
+            <a:r>
+              <a:rPr lang="en-US" altLang="zh-CN" dirty="0"/>
+              <a:t>User Asset</a:t>
+            </a:r>
+          </a:p>
+          <a:p>
+            <a:pPr marL="1200150" lvl="2" indent="-285750">
+              <a:buFont typeface="Arial" panose="020B0604020202020204" pitchFamily="34" charset="0"/>
+              <a:buChar char="•"/>
+            </a:pPr>
+            <a:r>
+              <a:rPr lang="en-US" altLang="zh-CN" sz="1600" dirty="0"/>
+              <a:t>Quantity</a:t>
+            </a:r>
+          </a:p>
+          <a:p>
+            <a:pPr marL="1200150" lvl="2" indent="-285750">
+              <a:buFont typeface="Arial" panose="020B0604020202020204" pitchFamily="34" charset="0"/>
+              <a:buChar char="•"/>
+            </a:pPr>
+            <a:r>
+              <a:rPr lang="en-US" altLang="zh-CN" sz="1600" dirty="0"/>
+              <a:t>Profit</a:t>
+            </a:r>
+          </a:p>
+          <a:p>
+            <a:pPr marL="742950" lvl="1" indent="-285750">
+              <a:buFont typeface="Arial" panose="020B0604020202020204" pitchFamily="34" charset="0"/>
+              <a:buChar char="•"/>
+            </a:pPr>
+            <a:r>
+              <a:rPr lang="en-US" altLang="zh-CN" dirty="0" err="1"/>
+              <a:t>RunSimulation</a:t>
+            </a:r>
+            <a:r>
+              <a:rPr lang="en-US" altLang="zh-CN" dirty="0"/>
+              <a:t>()/</a:t>
+            </a:r>
+            <a:r>
+              <a:rPr lang="en-US" altLang="zh-CN" dirty="0" err="1"/>
+              <a:t>RunRealTime</a:t>
+            </a:r>
+            <a:r>
+              <a:rPr lang="en-US" altLang="zh-CN" dirty="0"/>
+              <a:t>()</a:t>
+            </a:r>
+          </a:p>
+          <a:p>
+            <a:pPr marL="1200150" lvl="2" indent="-285750">
+              <a:buFont typeface="Arial" panose="020B0604020202020204" pitchFamily="34" charset="0"/>
+              <a:buChar char="•"/>
+            </a:pPr>
+            <a:r>
+              <a:rPr lang="en-US" altLang="zh-CN" dirty="0" err="1"/>
+              <a:t>MainLoop</a:t>
+            </a:r>
+            <a:r>
+              <a:rPr lang="en-US" altLang="zh-CN" dirty="0"/>
+              <a:t>(daily)</a:t>
+            </a:r>
+          </a:p>
+          <a:p>
+            <a:pPr marL="1657350" lvl="3" indent="-285750">
+              <a:buFont typeface="Arial" panose="020B0604020202020204" pitchFamily="34" charset="0"/>
+              <a:buChar char="•"/>
+            </a:pPr>
+            <a:r>
+              <a:rPr lang="en-US" altLang="zh-CN" dirty="0" err="1"/>
+              <a:t>TradeLoop</a:t>
+            </a:r>
+            <a:r>
+              <a:rPr lang="en-US" altLang="zh-CN" dirty="0"/>
+              <a:t>(</a:t>
+            </a:r>
+            <a:r>
+              <a:rPr lang="en-US" altLang="zh-CN" dirty="0" err="1"/>
+              <a:t>PerMinute</a:t>
+            </a:r>
+            <a:r>
+              <a:rPr lang="en-US" altLang="zh-CN" dirty="0"/>
+              <a:t>)</a:t>
+            </a:r>
+          </a:p>
+          <a:p>
+            <a:pPr marL="2114550" lvl="4" indent="-285750">
               <a:buFont typeface="Arial" panose="020B0604020202020204" pitchFamily="34" charset="0"/>
               <a:buChar char="•"/>
             </a:pPr>
@@ -7477,7 +7260,43 @@
             </a:r>
           </a:p>
           <a:p>
-            <a:pPr marL="1200150" lvl="2" indent="-285750">
+            <a:pPr marL="2114550" lvl="4" indent="-285750">
+              <a:buFont typeface="Arial" panose="020B0604020202020204" pitchFamily="34" charset="0"/>
+              <a:buChar char="•"/>
+            </a:pPr>
+            <a:r>
+              <a:rPr lang="en-US" altLang="zh-CN" dirty="0" err="1"/>
+              <a:t>NewTrade</a:t>
+            </a:r>
+            <a:r>
+              <a:rPr lang="en-US" altLang="zh-CN" dirty="0"/>
+              <a:t>() if (</a:t>
+            </a:r>
+            <a:r>
+              <a:rPr lang="en-US" altLang="zh-CN" dirty="0" err="1"/>
+              <a:t>EntryPrice</a:t>
+            </a:r>
+            <a:r>
+              <a:rPr lang="en-US" altLang="zh-CN" dirty="0"/>
+              <a:t>)</a:t>
+            </a:r>
+          </a:p>
+          <a:p>
+            <a:pPr marL="2114550" lvl="4" indent="-285750">
+              <a:buFont typeface="Arial" panose="020B0604020202020204" pitchFamily="34" charset="0"/>
+              <a:buChar char="•"/>
+            </a:pPr>
+            <a:r>
+              <a:rPr lang="en-US" altLang="zh-CN" dirty="0" err="1"/>
+              <a:t>CheckAllTrade</a:t>
+            </a:r>
+            <a:r>
+              <a:rPr lang="en-US" altLang="zh-CN" dirty="0"/>
+              <a:t>()</a:t>
+            </a:r>
+          </a:p>
+          <a:p>
+            <a:pPr marL="2571750" lvl="5" indent="-285750">
               <a:buFont typeface="Arial" panose="020B0604020202020204" pitchFamily="34" charset="0"/>
               <a:buChar char="•"/>
             </a:pPr>
@@ -7531,78 +7350,59 @@
             </a:r>
           </a:p>
           <a:p>
-            <a:pPr marL="742950" lvl="1" indent="-285750">
+            <a:pPr marL="2571750" lvl="5" indent="-285750">
               <a:buFont typeface="Arial" panose="020B0604020202020204" pitchFamily="34" charset="0"/>
               <a:buChar char="•"/>
             </a:pPr>
             <a:r>
+              <a:rPr lang="en-US" altLang="zh-CN" dirty="0" err="1"/>
+              <a:t>CloseTrade</a:t>
+            </a:r>
+            <a:r>
               <a:rPr lang="en-US" altLang="zh-CN" dirty="0"/>
-              <a:t>Evaluation</a:t>
-            </a:r>
-          </a:p>
-          <a:p>
-            <a:pPr marL="1200150" lvl="2" indent="-285750">
+              <a:t>() if (Stop touch)</a:t>
+            </a:r>
+          </a:p>
+          <a:p>
+            <a:pPr marL="2114550" lvl="4" indent="-285750">
               <a:buFont typeface="Arial" panose="020B0604020202020204" pitchFamily="34" charset="0"/>
               <a:buChar char="•"/>
             </a:pPr>
             <a:r>
               <a:rPr lang="en-US" altLang="zh-CN" dirty="0" err="1"/>
-              <a:t>CostFunction</a:t>
-            </a:r>
-            <a:endParaRPr lang="en-US" altLang="zh-CN" dirty="0"/>
-          </a:p>
-          <a:p>
-            <a:pPr marL="1200150" lvl="2" indent="-285750">
+              <a:t>CalculateUserAsset</a:t>
+            </a:r>
+            <a:r>
+              <a:rPr lang="en-US" altLang="zh-CN" dirty="0"/>
+              <a:t>()</a:t>
+            </a:r>
+          </a:p>
+          <a:p>
+            <a:pPr marL="685800" lvl="1" indent="-228600" defTabSz="914400">
+              <a:lnSpc>
+                <a:spcPct val="90000"/>
+              </a:lnSpc>
+              <a:spcBef>
+                <a:spcPts val="1000"/>
+              </a:spcBef>
               <a:buFont typeface="Arial" panose="020B0604020202020204" pitchFamily="34" charset="0"/>
               <a:buChar char="•"/>
+              <a:defRPr/>
             </a:pPr>
-            <a:r>
-              <a:rPr lang="en-US" altLang="zh-CN" dirty="0"/>
-              <a:t>Performance</a:t>
-            </a:r>
-          </a:p>
-          <a:p>
-            <a:pPr marL="1200150" lvl="2" indent="-285750">
-              <a:buFont typeface="Arial" panose="020B0604020202020204" pitchFamily="34" charset="0"/>
-              <a:buChar char="•"/>
-            </a:pPr>
-            <a:r>
-              <a:rPr lang="en-US" altLang="zh-CN" dirty="0"/>
-              <a:t>Evaluate()</a:t>
-            </a:r>
-          </a:p>
-          <a:p>
-            <a:pPr marL="742950" lvl="1" indent="-285750">
-              <a:buFont typeface="Arial" panose="020B0604020202020204" pitchFamily="34" charset="0"/>
-              <a:buChar char="•"/>
-            </a:pPr>
-            <a:r>
-              <a:rPr lang="en-US" altLang="zh-CN" dirty="0"/>
-              <a:t>Learning</a:t>
-            </a:r>
-          </a:p>
-          <a:p>
-            <a:pPr marL="1200150" lvl="2" indent="-285750">
-              <a:buFont typeface="Arial" panose="020B0604020202020204" pitchFamily="34" charset="0"/>
-              <a:buChar char="•"/>
-            </a:pPr>
-            <a:r>
-              <a:rPr lang="en-US" altLang="zh-CN" dirty="0">
-                <a:solidFill>
-                  <a:schemeClr val="bg1">
-                    <a:lumMod val="75000"/>
-                  </a:schemeClr>
-                </a:solidFill>
-              </a:rPr>
-              <a:t>Add machine learning module here</a:t>
-            </a:r>
+            <a:endParaRPr lang="en-US" altLang="zh-CN" sz="3200" dirty="0">
+              <a:solidFill>
+                <a:prstClr val="black"/>
+              </a:solidFill>
+              <a:latin typeface="Calibri" panose="020F0502020204030204"/>
+              <a:ea typeface="等线" panose="02010600030101010101" pitchFamily="2" charset="-122"/>
+            </a:endParaRPr>
           </a:p>
         </p:txBody>
       </p:sp>
     </p:spTree>
     <p:extLst>
       <p:ext uri="{BB962C8B-B14F-4D97-AF65-F5344CB8AC3E}">
-        <p14:creationId xmlns:p14="http://schemas.microsoft.com/office/powerpoint/2010/main" val="4037334084"/>
+        <p14:creationId xmlns:p14="http://schemas.microsoft.com/office/powerpoint/2010/main" val="1563037589"/>
       </p:ext>
     </p:extLst>
   </p:cSld>
@@ -7634,6 +7434,289 @@
           <p:cNvPr id="2" name="标题 1">
             <a:extLst>
               <a:ext uri="{FF2B5EF4-FFF2-40B4-BE49-F238E27FC236}">
+                <a16:creationId xmlns:a16="http://schemas.microsoft.com/office/drawing/2014/main" id="{F532A3AA-81D1-4278-BCDE-728827FF64A8}"/>
+              </a:ext>
+            </a:extLst>
+          </p:cNvPr>
+          <p:cNvSpPr>
+            <a:spLocks noGrp="1"/>
+          </p:cNvSpPr>
+          <p:nvPr>
+            <p:ph type="title"/>
+          </p:nvPr>
+        </p:nvSpPr>
+        <p:spPr/>
+        <p:txBody>
+          <a:bodyPr/>
+          <a:lstStyle/>
+          <a:p>
+            <a:r>
+              <a:rPr lang="en-US" altLang="zh-CN" dirty="0"/>
+              <a:t>Data structure</a:t>
+            </a:r>
+            <a:endParaRPr lang="zh-Hans-HK" altLang="en-US" dirty="0"/>
+          </a:p>
+        </p:txBody>
+      </p:sp>
+      <p:sp>
+        <p:nvSpPr>
+          <p:cNvPr id="5" name="文本框 4">
+            <a:extLst>
+              <a:ext uri="{FF2B5EF4-FFF2-40B4-BE49-F238E27FC236}">
+                <a16:creationId xmlns:a16="http://schemas.microsoft.com/office/drawing/2014/main" id="{3919AAC9-D388-4525-B1AD-BD82755F9FBC}"/>
+              </a:ext>
+            </a:extLst>
+          </p:cNvPr>
+          <p:cNvSpPr txBox="1"/>
+          <p:nvPr/>
+        </p:nvSpPr>
+        <p:spPr>
+          <a:xfrm>
+            <a:off x="7515361" y="2221708"/>
+            <a:ext cx="4881465" cy="3023905"/>
+          </a:xfrm>
+          <a:prstGeom prst="rect">
+            <a:avLst/>
+          </a:prstGeom>
+          <a:noFill/>
+        </p:spPr>
+        <p:txBody>
+          <a:bodyPr wrap="none" rtlCol="0">
+            <a:spAutoFit/>
+          </a:bodyPr>
+          <a:lstStyle/>
+          <a:p>
+            <a:pPr marL="285750" indent="-285750">
+              <a:buFont typeface="Arial" panose="020B0604020202020204" pitchFamily="34" charset="0"/>
+              <a:buChar char="•"/>
+            </a:pPr>
+            <a:r>
+              <a:rPr lang="en-US" altLang="zh-Hans-HK" dirty="0"/>
+              <a:t>Strategy(Learning)</a:t>
+            </a:r>
+          </a:p>
+          <a:p>
+            <a:pPr marL="742950" lvl="1" indent="-285750">
+              <a:buFont typeface="Arial" panose="020B0604020202020204" pitchFamily="34" charset="0"/>
+              <a:buChar char="•"/>
+            </a:pPr>
+            <a:r>
+              <a:rPr lang="en-US" altLang="zh-Hans-HK" dirty="0"/>
+              <a:t>Strategy</a:t>
+            </a:r>
+          </a:p>
+          <a:p>
+            <a:pPr marL="1200150" lvl="2" indent="-285750">
+              <a:buFont typeface="Arial" panose="020B0604020202020204" pitchFamily="34" charset="0"/>
+              <a:buChar char="•"/>
+            </a:pPr>
+            <a:r>
+              <a:rPr lang="en-US" altLang="zh-CN" dirty="0" err="1">
+                <a:highlight>
+                  <a:srgbClr val="FFFF00"/>
+                </a:highlight>
+              </a:rPr>
+              <a:t>GenerateEntryPrice</a:t>
+            </a:r>
+            <a:r>
+              <a:rPr lang="en-US" altLang="zh-CN" dirty="0">
+                <a:highlight>
+                  <a:srgbClr val="FFFF00"/>
+                </a:highlight>
+              </a:rPr>
+              <a:t>(</a:t>
+            </a:r>
+            <a:r>
+              <a:rPr lang="en-US" altLang="zh-CN" dirty="0" err="1">
+                <a:highlight>
+                  <a:srgbClr val="FFFF00"/>
+                </a:highlight>
+              </a:rPr>
+              <a:t>CurData</a:t>
+            </a:r>
+            <a:r>
+              <a:rPr lang="en-US" altLang="zh-CN" dirty="0">
+                <a:highlight>
+                  <a:srgbClr val="FFFF00"/>
+                </a:highlight>
+              </a:rPr>
+              <a:t>, </a:t>
+            </a:r>
+            <a:r>
+              <a:rPr lang="en-US" altLang="zh-CN" dirty="0" err="1">
+                <a:highlight>
+                  <a:srgbClr val="FFFF00"/>
+                </a:highlight>
+              </a:rPr>
+              <a:t>Stra</a:t>
+            </a:r>
+            <a:r>
+              <a:rPr lang="en-US" altLang="zh-CN" dirty="0">
+                <a:highlight>
+                  <a:srgbClr val="FFFF00"/>
+                </a:highlight>
+              </a:rPr>
+              <a:t>)</a:t>
+            </a:r>
+          </a:p>
+          <a:p>
+            <a:pPr marL="1200150" lvl="2" indent="-285750">
+              <a:buFont typeface="Arial" panose="020B0604020202020204" pitchFamily="34" charset="0"/>
+              <a:buChar char="•"/>
+            </a:pPr>
+            <a:r>
+              <a:rPr lang="en-US" altLang="zh-CN" dirty="0" err="1">
+                <a:highlight>
+                  <a:srgbClr val="FFFF00"/>
+                </a:highlight>
+              </a:rPr>
+              <a:t>ReNewAllTrade</a:t>
+            </a:r>
+            <a:r>
+              <a:rPr lang="en-US" altLang="zh-CN" dirty="0">
+                <a:highlight>
+                  <a:srgbClr val="FFFF00"/>
+                </a:highlight>
+              </a:rPr>
+              <a:t>(</a:t>
+            </a:r>
+            <a:r>
+              <a:rPr lang="en-US" altLang="zh-CN" dirty="0" err="1">
+                <a:highlight>
+                  <a:srgbClr val="FFFF00"/>
+                </a:highlight>
+              </a:rPr>
+              <a:t>CurData</a:t>
+            </a:r>
+            <a:r>
+              <a:rPr lang="en-US" altLang="zh-CN" dirty="0">
+                <a:highlight>
+                  <a:srgbClr val="FFFF00"/>
+                </a:highlight>
+              </a:rPr>
+              <a:t>, </a:t>
+            </a:r>
+            <a:r>
+              <a:rPr lang="en-US" altLang="zh-CN" dirty="0" err="1">
+                <a:highlight>
+                  <a:srgbClr val="FFFF00"/>
+                </a:highlight>
+              </a:rPr>
+              <a:t>Stra</a:t>
+            </a:r>
+            <a:r>
+              <a:rPr lang="en-US" altLang="zh-CN" dirty="0">
+                <a:highlight>
+                  <a:srgbClr val="FFFF00"/>
+                </a:highlight>
+              </a:rPr>
+              <a:t>)</a:t>
+            </a:r>
+          </a:p>
+          <a:p>
+            <a:pPr marL="742950" lvl="1" indent="-285750">
+              <a:buFont typeface="Arial" panose="020B0604020202020204" pitchFamily="34" charset="0"/>
+              <a:buChar char="•"/>
+            </a:pPr>
+            <a:r>
+              <a:rPr lang="en-US" altLang="zh-CN" dirty="0"/>
+              <a:t>Evaluation</a:t>
+            </a:r>
+          </a:p>
+          <a:p>
+            <a:pPr marL="1200150" lvl="2" indent="-285750">
+              <a:buFont typeface="Arial" panose="020B0604020202020204" pitchFamily="34" charset="0"/>
+              <a:buChar char="•"/>
+            </a:pPr>
+            <a:r>
+              <a:rPr lang="en-US" altLang="zh-CN" dirty="0" err="1"/>
+              <a:t>CostFunction</a:t>
+            </a:r>
+            <a:endParaRPr lang="en-US" altLang="zh-CN" dirty="0"/>
+          </a:p>
+          <a:p>
+            <a:pPr marL="1200150" lvl="2" indent="-285750">
+              <a:buFont typeface="Arial" panose="020B0604020202020204" pitchFamily="34" charset="0"/>
+              <a:buChar char="•"/>
+            </a:pPr>
+            <a:r>
+              <a:rPr lang="en-US" altLang="zh-CN" dirty="0"/>
+              <a:t>Performance</a:t>
+            </a:r>
+          </a:p>
+          <a:p>
+            <a:pPr marL="1200150" lvl="2" indent="-285750">
+              <a:buFont typeface="Arial" panose="020B0604020202020204" pitchFamily="34" charset="0"/>
+              <a:buChar char="•"/>
+            </a:pPr>
+            <a:r>
+              <a:rPr lang="en-US" altLang="zh-CN" dirty="0"/>
+              <a:t>Evaluate()</a:t>
+            </a:r>
+          </a:p>
+          <a:p>
+            <a:pPr marL="742950" lvl="1" indent="-285750">
+              <a:buFont typeface="Arial" panose="020B0604020202020204" pitchFamily="34" charset="0"/>
+              <a:buChar char="•"/>
+            </a:pPr>
+            <a:r>
+              <a:rPr lang="en-US" altLang="zh-CN" dirty="0"/>
+              <a:t>Learning</a:t>
+            </a:r>
+          </a:p>
+          <a:p>
+            <a:pPr marL="1200150" lvl="2" indent="-285750">
+              <a:buFont typeface="Arial" panose="020B0604020202020204" pitchFamily="34" charset="0"/>
+              <a:buChar char="•"/>
+            </a:pPr>
+            <a:r>
+              <a:rPr lang="en-US" altLang="zh-CN" dirty="0">
+                <a:solidFill>
+                  <a:schemeClr val="bg1">
+                    <a:lumMod val="75000"/>
+                  </a:schemeClr>
+                </a:solidFill>
+              </a:rPr>
+              <a:t>Add machine learning module here</a:t>
+            </a:r>
+          </a:p>
+        </p:txBody>
+      </p:sp>
+    </p:spTree>
+    <p:extLst>
+      <p:ext uri="{BB962C8B-B14F-4D97-AF65-F5344CB8AC3E}">
+        <p14:creationId xmlns:p14="http://schemas.microsoft.com/office/powerpoint/2010/main" val="4037334084"/>
+      </p:ext>
+    </p:extLst>
+  </p:cSld>
+  <p:clrMapOvr>
+    <a:masterClrMapping/>
+  </p:clrMapOvr>
+</p:sld>
+</file>
+
+<file path=ppt/slides/slide7.xml><?xml version="1.0" encoding="utf-8"?>
+<p:sld xmlns:a="http://schemas.openxmlformats.org/drawingml/2006/main" xmlns:r="http://schemas.openxmlformats.org/officeDocument/2006/relationships" xmlns:p="http://schemas.openxmlformats.org/presentationml/2006/main">
+  <p:cSld>
+    <p:spTree>
+      <p:nvGrpSpPr>
+        <p:cNvPr id="1" name=""/>
+        <p:cNvGrpSpPr/>
+        <p:nvPr/>
+      </p:nvGrpSpPr>
+      <p:grpSpPr>
+        <a:xfrm>
+          <a:off x="0" y="0"/>
+          <a:ext cx="0" cy="0"/>
+          <a:chOff x="0" y="0"/>
+          <a:chExt cx="0" cy="0"/>
+        </a:xfrm>
+      </p:grpSpPr>
+      <p:sp>
+        <p:nvSpPr>
+          <p:cNvPr id="2" name="标题 1">
+            <a:extLst>
+              <a:ext uri="{FF2B5EF4-FFF2-40B4-BE49-F238E27FC236}">
                 <a16:creationId xmlns:a16="http://schemas.microsoft.com/office/drawing/2014/main" id="{0ED4C7F3-B72A-4B22-899E-40CDFEF6D3FB}"/>
               </a:ext>
             </a:extLst>
@@ -7704,7 +7787,7 @@
 </p:sld>
 </file>
 
-<file path=ppt/slides/slide7.xml><?xml version="1.0" encoding="utf-8"?>
+<file path=ppt/slides/slide8.xml><?xml version="1.0" encoding="utf-8"?>
 <p:sld xmlns:a="http://schemas.openxmlformats.org/drawingml/2006/main" xmlns:r="http://schemas.openxmlformats.org/officeDocument/2006/relationships" xmlns:p="http://schemas.openxmlformats.org/presentationml/2006/main">
   <p:cSld>
     <p:spTree>

--- a/@Test/_structure/Data Structure and UML Diagram of QuantPy.pptx
+++ b/@Test/_structure/Data Structure and UML Diagram of QuantPy.pptx
@@ -5,17 +5,16 @@
     <p:sldMasterId id="2147483684" r:id="rId1"/>
   </p:sldMasterIdLst>
   <p:notesMasterIdLst>
-    <p:notesMasterId r:id="rId10"/>
+    <p:notesMasterId r:id="rId9"/>
   </p:notesMasterIdLst>
   <p:sldIdLst>
     <p:sldId id="256" r:id="rId2"/>
     <p:sldId id="262" r:id="rId3"/>
     <p:sldId id="265" r:id="rId4"/>
-    <p:sldId id="268" r:id="rId5"/>
-    <p:sldId id="263" r:id="rId6"/>
-    <p:sldId id="266" r:id="rId7"/>
-    <p:sldId id="264" r:id="rId8"/>
-    <p:sldId id="267" r:id="rId9"/>
+    <p:sldId id="263" r:id="rId5"/>
+    <p:sldId id="266" r:id="rId6"/>
+    <p:sldId id="264" r:id="rId7"/>
+    <p:sldId id="267" r:id="rId8"/>
   </p:sldIdLst>
   <p:sldSz cx="12239625" cy="7920038"/>
   <p:notesSz cx="6858000" cy="9144000"/>
@@ -133,6 +132,65 @@
 </p:presentation>
 </file>
 
+<file path=ppt/revisionInfo.xml><?xml version="1.0" encoding="utf-8"?>
+<p1510:revInfo xmlns:a="http://schemas.openxmlformats.org/drawingml/2006/main" xmlns:r="http://schemas.openxmlformats.org/officeDocument/2006/relationships" xmlns:p1510="http://schemas.microsoft.com/office/powerpoint/2015/10/main">
+  <p1510:revLst>
+    <p1510:client id="{1C3FB1A2-3D25-432B-88CD-142BCF747D88}" v="5" dt="2022-02-22T15:27:26.531"/>
+  </p1510:revLst>
+</p1510:revInfo>
+</file>
+
+<file path=ppt/changesInfos/changesInfo1.xml><?xml version="1.0" encoding="utf-8"?>
+<pc:chgInfo xmlns:a="http://schemas.openxmlformats.org/drawingml/2006/main" xmlns:r="http://schemas.openxmlformats.org/officeDocument/2006/relationships" xmlns:ac="http://schemas.microsoft.com/office/drawing/2013/main/command" xmlns:pc="http://schemas.microsoft.com/office/powerpoint/2013/main/command">
+  <pc:docChgLst>
+    <pc:chgData name="Guo, Charles" userId="b1956738-71da-496c-9764-afe27944dc86" providerId="ADAL" clId="{1C3FB1A2-3D25-432B-88CD-142BCF747D88}"/>
+    <pc:docChg chg="custSel delSld modSld">
+      <pc:chgData name="Guo, Charles" userId="b1956738-71da-496c-9764-afe27944dc86" providerId="ADAL" clId="{1C3FB1A2-3D25-432B-88CD-142BCF747D88}" dt="2022-02-22T15:27:49.779" v="47" actId="20577"/>
+      <pc:docMkLst>
+        <pc:docMk/>
+      </pc:docMkLst>
+      <pc:sldChg chg="modSp mod">
+        <pc:chgData name="Guo, Charles" userId="b1956738-71da-496c-9764-afe27944dc86" providerId="ADAL" clId="{1C3FB1A2-3D25-432B-88CD-142BCF747D88}" dt="2022-02-22T15:27:49.779" v="47" actId="20577"/>
+        <pc:sldMkLst>
+          <pc:docMk/>
+          <pc:sldMk cId="1506985498" sldId="256"/>
+        </pc:sldMkLst>
+        <pc:spChg chg="mod">
+          <ac:chgData name="Guo, Charles" userId="b1956738-71da-496c-9764-afe27944dc86" providerId="ADAL" clId="{1C3FB1A2-3D25-432B-88CD-142BCF747D88}" dt="2022-02-22T15:27:49.779" v="47" actId="20577"/>
+          <ac:spMkLst>
+            <pc:docMk/>
+            <pc:sldMk cId="1506985498" sldId="256"/>
+            <ac:spMk id="3" creationId="{B6594272-C452-428D-B0CC-ECEC06B654BE}"/>
+          </ac:spMkLst>
+        </pc:spChg>
+      </pc:sldChg>
+      <pc:sldChg chg="modSp mod">
+        <pc:chgData name="Guo, Charles" userId="b1956738-71da-496c-9764-afe27944dc86" providerId="ADAL" clId="{1C3FB1A2-3D25-432B-88CD-142BCF747D88}" dt="2022-02-22T15:27:03.020" v="10" actId="20577"/>
+        <pc:sldMkLst>
+          <pc:docMk/>
+          <pc:sldMk cId="3423985256" sldId="264"/>
+        </pc:sldMkLst>
+        <pc:spChg chg="mod">
+          <ac:chgData name="Guo, Charles" userId="b1956738-71da-496c-9764-afe27944dc86" providerId="ADAL" clId="{1C3FB1A2-3D25-432B-88CD-142BCF747D88}" dt="2022-02-22T15:27:03.020" v="10" actId="20577"/>
+          <ac:spMkLst>
+            <pc:docMk/>
+            <pc:sldMk cId="3423985256" sldId="264"/>
+            <ac:spMk id="3" creationId="{0A76FAF2-A6B6-4CA1-B845-CB5CDC7D2FB6}"/>
+          </ac:spMkLst>
+        </pc:spChg>
+      </pc:sldChg>
+      <pc:sldChg chg="del">
+        <pc:chgData name="Guo, Charles" userId="b1956738-71da-496c-9764-afe27944dc86" providerId="ADAL" clId="{1C3FB1A2-3D25-432B-88CD-142BCF747D88}" dt="2022-02-22T15:26:31.444" v="0" actId="47"/>
+        <pc:sldMkLst>
+          <pc:docMk/>
+          <pc:sldMk cId="1711966303" sldId="268"/>
+        </pc:sldMkLst>
+      </pc:sldChg>
+    </pc:docChg>
+  </pc:docChgLst>
+</pc:chgInfo>
+</file>
+
 <file path=ppt/notesMasters/notesMaster1.xml><?xml version="1.0" encoding="utf-8"?>
 <p:notesMaster xmlns:a="http://schemas.openxmlformats.org/drawingml/2006/main" xmlns:r="http://schemas.openxmlformats.org/officeDocument/2006/relationships" xmlns:p="http://schemas.openxmlformats.org/presentationml/2006/main">
   <p:cSld>
@@ -215,7 +273,7 @@
           <a:p>
             <a:fld id="{056539EE-56A0-4490-B02B-36C3AF8F0608}" type="datetimeFigureOut">
               <a:rPr lang="zh-Hans-HK" altLang="en-US" smtClean="0"/>
-              <a:t>22/12/2020</a:t>
+              <a:t>02/22/2022</a:t>
             </a:fld>
             <a:endParaRPr lang="zh-Hans-HK" altLang="en-US"/>
           </a:p>
@@ -829,7 +887,7 @@
           <a:p>
             <a:fld id="{251ED145-B0BC-4448-B378-88A8340C3E58}" type="slidenum">
               <a:rPr lang="zh-Hans-HK" altLang="en-US" smtClean="0"/>
-              <a:t>5</a:t>
+              <a:t>4</a:t>
             </a:fld>
             <a:endParaRPr lang="zh-Hans-HK" altLang="en-US"/>
           </a:p>
@@ -979,7 +1037,7 @@
           <a:p>
             <a:fld id="{C88486A0-91B1-42F4-AA0D-0D56FAEE0A7C}" type="datetimeFigureOut">
               <a:rPr lang="zh-Hans-HK" altLang="en-US" smtClean="0"/>
-              <a:t>22/12/2020</a:t>
+              <a:t>02/22/2022</a:t>
             </a:fld>
             <a:endParaRPr lang="zh-Hans-HK" altLang="en-US"/>
           </a:p>
@@ -1149,7 +1207,7 @@
           <a:p>
             <a:fld id="{C88486A0-91B1-42F4-AA0D-0D56FAEE0A7C}" type="datetimeFigureOut">
               <a:rPr lang="zh-Hans-HK" altLang="en-US" smtClean="0"/>
-              <a:t>22/12/2020</a:t>
+              <a:t>02/22/2022</a:t>
             </a:fld>
             <a:endParaRPr lang="zh-Hans-HK" altLang="en-US"/>
           </a:p>
@@ -1329,7 +1387,7 @@
           <a:p>
             <a:fld id="{C88486A0-91B1-42F4-AA0D-0D56FAEE0A7C}" type="datetimeFigureOut">
               <a:rPr lang="zh-Hans-HK" altLang="en-US" smtClean="0"/>
-              <a:t>22/12/2020</a:t>
+              <a:t>02/22/2022</a:t>
             </a:fld>
             <a:endParaRPr lang="zh-Hans-HK" altLang="en-US"/>
           </a:p>
@@ -1499,7 +1557,7 @@
           <a:p>
             <a:fld id="{C88486A0-91B1-42F4-AA0D-0D56FAEE0A7C}" type="datetimeFigureOut">
               <a:rPr lang="zh-Hans-HK" altLang="en-US" smtClean="0"/>
-              <a:t>22/12/2020</a:t>
+              <a:t>02/22/2022</a:t>
             </a:fld>
             <a:endParaRPr lang="zh-Hans-HK" altLang="en-US"/>
           </a:p>
@@ -1743,7 +1801,7 @@
           <a:p>
             <a:fld id="{C88486A0-91B1-42F4-AA0D-0D56FAEE0A7C}" type="datetimeFigureOut">
               <a:rPr lang="zh-Hans-HK" altLang="en-US" smtClean="0"/>
-              <a:t>22/12/2020</a:t>
+              <a:t>02/22/2022</a:t>
             </a:fld>
             <a:endParaRPr lang="zh-Hans-HK" altLang="en-US"/>
           </a:p>
@@ -1975,7 +2033,7 @@
           <a:p>
             <a:fld id="{C88486A0-91B1-42F4-AA0D-0D56FAEE0A7C}" type="datetimeFigureOut">
               <a:rPr lang="zh-Hans-HK" altLang="en-US" smtClean="0"/>
-              <a:t>22/12/2020</a:t>
+              <a:t>02/22/2022</a:t>
             </a:fld>
             <a:endParaRPr lang="zh-Hans-HK" altLang="en-US"/>
           </a:p>
@@ -2342,7 +2400,7 @@
           <a:p>
             <a:fld id="{C88486A0-91B1-42F4-AA0D-0D56FAEE0A7C}" type="datetimeFigureOut">
               <a:rPr lang="zh-Hans-HK" altLang="en-US" smtClean="0"/>
-              <a:t>22/12/2020</a:t>
+              <a:t>02/22/2022</a:t>
             </a:fld>
             <a:endParaRPr lang="zh-Hans-HK" altLang="en-US"/>
           </a:p>
@@ -2460,7 +2518,7 @@
           <a:p>
             <a:fld id="{C88486A0-91B1-42F4-AA0D-0D56FAEE0A7C}" type="datetimeFigureOut">
               <a:rPr lang="zh-Hans-HK" altLang="en-US" smtClean="0"/>
-              <a:t>22/12/2020</a:t>
+              <a:t>02/22/2022</a:t>
             </a:fld>
             <a:endParaRPr lang="zh-Hans-HK" altLang="en-US"/>
           </a:p>
@@ -2555,7 +2613,7 @@
           <a:p>
             <a:fld id="{C88486A0-91B1-42F4-AA0D-0D56FAEE0A7C}" type="datetimeFigureOut">
               <a:rPr lang="zh-Hans-HK" altLang="en-US" smtClean="0"/>
-              <a:t>22/12/2020</a:t>
+              <a:t>02/22/2022</a:t>
             </a:fld>
             <a:endParaRPr lang="zh-Hans-HK" altLang="en-US"/>
           </a:p>
@@ -2832,7 +2890,7 @@
           <a:p>
             <a:fld id="{C88486A0-91B1-42F4-AA0D-0D56FAEE0A7C}" type="datetimeFigureOut">
               <a:rPr lang="zh-Hans-HK" altLang="en-US" smtClean="0"/>
-              <a:t>22/12/2020</a:t>
+              <a:t>02/22/2022</a:t>
             </a:fld>
             <a:endParaRPr lang="zh-Hans-HK" altLang="en-US"/>
           </a:p>
@@ -3089,7 +3147,7 @@
           <a:p>
             <a:fld id="{C88486A0-91B1-42F4-AA0D-0D56FAEE0A7C}" type="datetimeFigureOut">
               <a:rPr lang="zh-Hans-HK" altLang="en-US" smtClean="0"/>
-              <a:t>22/12/2020</a:t>
+              <a:t>02/22/2022</a:t>
             </a:fld>
             <a:endParaRPr lang="zh-Hans-HK" altLang="en-US"/>
           </a:p>
@@ -3302,7 +3360,7 @@
           <a:p>
             <a:fld id="{C88486A0-91B1-42F4-AA0D-0D56FAEE0A7C}" type="datetimeFigureOut">
               <a:rPr lang="zh-Hans-HK" altLang="en-US" smtClean="0"/>
-              <a:t>22/12/2020</a:t>
+              <a:t>02/22/2022</a:t>
             </a:fld>
             <a:endParaRPr lang="zh-Hans-HK" altLang="en-US"/>
           </a:p>
@@ -3775,7 +3833,7 @@
         <p:spPr/>
         <p:txBody>
           <a:bodyPr>
-            <a:normAutofit lnSpcReduction="10000"/>
+            <a:normAutofit fontScale="92500" lnSpcReduction="20000"/>
           </a:bodyPr>
           <a:lstStyle/>
           <a:p>
@@ -3797,9 +3855,15 @@
             </a:br>
             <a:r>
               <a:rPr lang="en-US" altLang="zh-Hans-HK" dirty="0"/>
-              <a:t>2020.12.20 - </a:t>
-            </a:r>
-            <a:endParaRPr lang="zh-Hans-HK" altLang="en-US" dirty="0"/>
+              <a:t>2020.12.20 - ??</a:t>
+            </a:r>
+            <a:br>
+              <a:rPr lang="en-US" altLang="zh-Hans-HK" dirty="0"/>
+            </a:br>
+            <a:r>
+              <a:rPr lang="en-US" altLang="zh-Hans-HK" dirty="0"/>
+              <a:t>2022.02.22 - </a:t>
+            </a:r>
           </a:p>
         </p:txBody>
       </p:sp>
@@ -6882,60 +6946,445 @@
       </p:grpSpPr>
       <p:sp>
         <p:nvSpPr>
-          <p:cNvPr id="4" name="流程图: 过程 3">
+          <p:cNvPr id="2" name="标题 1">
             <a:extLst>
               <a:ext uri="{FF2B5EF4-FFF2-40B4-BE49-F238E27FC236}">
-                <a16:creationId xmlns:a16="http://schemas.microsoft.com/office/drawing/2014/main" id="{A0F0E936-824E-41E8-B013-1051678A03A6}"/>
+                <a16:creationId xmlns:a16="http://schemas.microsoft.com/office/drawing/2014/main" id="{F532A3AA-81D1-4278-BCDE-728827FF64A8}"/>
               </a:ext>
             </a:extLst>
           </p:cNvPr>
-          <p:cNvSpPr/>
+          <p:cNvSpPr>
+            <a:spLocks noGrp="1"/>
+          </p:cNvSpPr>
+          <p:nvPr>
+            <p:ph type="title"/>
+          </p:nvPr>
+        </p:nvSpPr>
+        <p:spPr/>
+        <p:txBody>
+          <a:bodyPr/>
+          <a:lstStyle/>
+          <a:p>
+            <a:r>
+              <a:rPr lang="en-US" altLang="zh-CN" dirty="0"/>
+              <a:t>Data structure</a:t>
+            </a:r>
+            <a:endParaRPr lang="zh-Hans-HK" altLang="en-US" dirty="0"/>
+          </a:p>
+        </p:txBody>
+      </p:sp>
+      <p:sp>
+        <p:nvSpPr>
+          <p:cNvPr id="4" name="文本框 3">
+            <a:extLst>
+              <a:ext uri="{FF2B5EF4-FFF2-40B4-BE49-F238E27FC236}">
+                <a16:creationId xmlns:a16="http://schemas.microsoft.com/office/drawing/2014/main" id="{ADA621A2-CAC8-4C88-9AED-8766A9777630}"/>
+              </a:ext>
+            </a:extLst>
+          </p:cNvPr>
+          <p:cNvSpPr txBox="1"/>
           <p:nvPr/>
         </p:nvSpPr>
         <p:spPr>
           <a:xfrm>
-            <a:off x="3174842" y="1329004"/>
-            <a:ext cx="2567135" cy="1550504"/>
+            <a:off x="1139894" y="1971726"/>
+            <a:ext cx="5492932" cy="5803640"/>
           </a:xfrm>
-          <a:prstGeom prst="flowChartProcess">
+          <a:prstGeom prst="rect">
             <a:avLst/>
           </a:prstGeom>
           <a:noFill/>
-          <a:ln>
-            <a:solidFill>
-              <a:schemeClr val="tx1"/>
-            </a:solidFill>
-          </a:ln>
         </p:spPr>
-        <p:style>
-          <a:lnRef idx="2">
-            <a:schemeClr val="accent1">
-              <a:shade val="50000"/>
-            </a:schemeClr>
-          </a:lnRef>
-          <a:fillRef idx="1">
-            <a:schemeClr val="accent1"/>
-          </a:fillRef>
-          <a:effectRef idx="0">
-            <a:schemeClr val="accent1"/>
-          </a:effectRef>
-          <a:fontRef idx="minor">
-            <a:schemeClr val="lt1"/>
-          </a:fontRef>
-        </p:style>
-        <p:txBody>
-          <a:bodyPr rtlCol="0" anchor="ctr"/>
+        <p:txBody>
+          <a:bodyPr wrap="square" rtlCol="0">
+            <a:spAutoFit/>
+          </a:bodyPr>
           <a:lstStyle/>
           <a:p>
-            <a:pPr algn="ctr"/>
-            <a:endParaRPr lang="zh-Hans-HK" altLang="en-US"/>
+            <a:pPr marL="342900" indent="-342900">
+              <a:buFont typeface="Arial" panose="020B0604020202020204" pitchFamily="34" charset="0"/>
+              <a:buChar char="•"/>
+            </a:pPr>
+            <a:r>
+              <a:rPr lang="en-US" altLang="zh-CN" sz="2000" dirty="0"/>
+              <a:t>Trading/</a:t>
+            </a:r>
+            <a:r>
+              <a:rPr lang="en-US" altLang="zh-CN" sz="2000" dirty="0" err="1"/>
+              <a:t>Backtest</a:t>
+            </a:r>
+            <a:r>
+              <a:rPr lang="en-US" altLang="zh-CN" sz="2000" dirty="0"/>
+              <a:t> Platform</a:t>
+            </a:r>
+          </a:p>
+          <a:p>
+            <a:pPr marL="800100" lvl="1" indent="-342900">
+              <a:buFont typeface="Arial" panose="020B0604020202020204" pitchFamily="34" charset="0"/>
+              <a:buChar char="•"/>
+            </a:pPr>
+            <a:r>
+              <a:rPr lang="en-US" altLang="zh-CN" dirty="0"/>
+              <a:t>Class </a:t>
+            </a:r>
+            <a:r>
+              <a:rPr lang="en-US" altLang="zh-CN" dirty="0" err="1"/>
+              <a:t>DataRepository</a:t>
+            </a:r>
+            <a:endParaRPr lang="en-US" altLang="zh-CN" dirty="0"/>
+          </a:p>
+          <a:p>
+            <a:pPr marL="1257300" lvl="2" indent="-342900">
+              <a:buFont typeface="Arial" panose="020B0604020202020204" pitchFamily="34" charset="0"/>
+              <a:buChar char="•"/>
+            </a:pPr>
+            <a:r>
+              <a:rPr lang="en-US" altLang="zh-CN" dirty="0"/>
+              <a:t>List(</a:t>
+            </a:r>
+            <a:r>
+              <a:rPr lang="en-US" altLang="zh-CN" dirty="0" err="1"/>
+              <a:t>kline</a:t>
+            </a:r>
+            <a:r>
+              <a:rPr lang="en-US" altLang="zh-CN" dirty="0"/>
+              <a:t>(</a:t>
+            </a:r>
+            <a:r>
+              <a:rPr lang="en-US" altLang="zh-CN" dirty="0" err="1"/>
+              <a:t>target#i</a:t>
+            </a:r>
+            <a:r>
+              <a:rPr lang="en-US" altLang="zh-CN" dirty="0"/>
+              <a:t>))</a:t>
+            </a:r>
+          </a:p>
+          <a:p>
+            <a:pPr marL="742950" lvl="1" indent="-285750">
+              <a:buFont typeface="Arial" panose="020B0604020202020204" pitchFamily="34" charset="0"/>
+              <a:buChar char="•"/>
+            </a:pPr>
+            <a:r>
+              <a:rPr lang="en-US" altLang="zh-CN" dirty="0"/>
+              <a:t>Class Trade</a:t>
+            </a:r>
+          </a:p>
+          <a:p>
+            <a:pPr marL="1200150" lvl="2" indent="-285750">
+              <a:buFont typeface="Arial" panose="020B0604020202020204" pitchFamily="34" charset="0"/>
+              <a:buChar char="•"/>
+            </a:pPr>
+            <a:r>
+              <a:rPr lang="en-US" altLang="zh-CN" sz="1600" dirty="0"/>
+              <a:t>Buy/Sold</a:t>
+            </a:r>
+          </a:p>
+          <a:p>
+            <a:pPr marL="1200150" lvl="2" indent="-285750">
+              <a:buFont typeface="Arial" panose="020B0604020202020204" pitchFamily="34" charset="0"/>
+              <a:buChar char="•"/>
+            </a:pPr>
+            <a:r>
+              <a:rPr lang="en-US" altLang="zh-CN" sz="1600" dirty="0"/>
+              <a:t>Stop-profit price/Stop limit</a:t>
+            </a:r>
+          </a:p>
+          <a:p>
+            <a:pPr marL="1200150" lvl="2" indent="-285750">
+              <a:buFont typeface="Arial" panose="020B0604020202020204" pitchFamily="34" charset="0"/>
+              <a:buChar char="•"/>
+            </a:pPr>
+            <a:r>
+              <a:rPr lang="en-US" altLang="zh-CN" sz="1600" dirty="0"/>
+              <a:t>Commissions/stamp</a:t>
+            </a:r>
+          </a:p>
+          <a:p>
+            <a:pPr marL="742950" lvl="1" indent="-285750">
+              <a:buFont typeface="Arial" panose="020B0604020202020204" pitchFamily="34" charset="0"/>
+              <a:buChar char="•"/>
+            </a:pPr>
+            <a:r>
+              <a:rPr lang="en-US" altLang="zh-CN" dirty="0"/>
+              <a:t>User Asset</a:t>
+            </a:r>
+          </a:p>
+          <a:p>
+            <a:pPr marL="1200150" lvl="2" indent="-285750">
+              <a:buFont typeface="Arial" panose="020B0604020202020204" pitchFamily="34" charset="0"/>
+              <a:buChar char="•"/>
+            </a:pPr>
+            <a:r>
+              <a:rPr lang="en-US" altLang="zh-CN" sz="1600" dirty="0"/>
+              <a:t>Quantity</a:t>
+            </a:r>
+          </a:p>
+          <a:p>
+            <a:pPr marL="1200150" lvl="2" indent="-285750">
+              <a:buFont typeface="Arial" panose="020B0604020202020204" pitchFamily="34" charset="0"/>
+              <a:buChar char="•"/>
+            </a:pPr>
+            <a:r>
+              <a:rPr lang="en-US" altLang="zh-CN" sz="1600" dirty="0"/>
+              <a:t>Profit</a:t>
+            </a:r>
+          </a:p>
+          <a:p>
+            <a:pPr marL="742950" lvl="1" indent="-285750">
+              <a:buFont typeface="Arial" panose="020B0604020202020204" pitchFamily="34" charset="0"/>
+              <a:buChar char="•"/>
+            </a:pPr>
+            <a:r>
+              <a:rPr lang="en-US" altLang="zh-CN" dirty="0" err="1"/>
+              <a:t>RunSimulation</a:t>
+            </a:r>
+            <a:r>
+              <a:rPr lang="en-US" altLang="zh-CN" dirty="0"/>
+              <a:t>()/</a:t>
+            </a:r>
+            <a:r>
+              <a:rPr lang="en-US" altLang="zh-CN" dirty="0" err="1"/>
+              <a:t>RunRealTime</a:t>
+            </a:r>
+            <a:r>
+              <a:rPr lang="en-US" altLang="zh-CN" dirty="0"/>
+              <a:t>()</a:t>
+            </a:r>
+          </a:p>
+          <a:p>
+            <a:pPr marL="1200150" lvl="2" indent="-285750">
+              <a:buFont typeface="Arial" panose="020B0604020202020204" pitchFamily="34" charset="0"/>
+              <a:buChar char="•"/>
+            </a:pPr>
+            <a:r>
+              <a:rPr lang="en-US" altLang="zh-CN" dirty="0" err="1"/>
+              <a:t>MainLoop</a:t>
+            </a:r>
+            <a:r>
+              <a:rPr lang="en-US" altLang="zh-CN" dirty="0"/>
+              <a:t>(daily)</a:t>
+            </a:r>
+          </a:p>
+          <a:p>
+            <a:pPr marL="1657350" lvl="3" indent="-285750">
+              <a:buFont typeface="Arial" panose="020B0604020202020204" pitchFamily="34" charset="0"/>
+              <a:buChar char="•"/>
+            </a:pPr>
+            <a:r>
+              <a:rPr lang="en-US" altLang="zh-CN" dirty="0" err="1"/>
+              <a:t>TradeLoop</a:t>
+            </a:r>
+            <a:r>
+              <a:rPr lang="en-US" altLang="zh-CN" dirty="0"/>
+              <a:t>(</a:t>
+            </a:r>
+            <a:r>
+              <a:rPr lang="en-US" altLang="zh-CN" dirty="0" err="1"/>
+              <a:t>PerMinute</a:t>
+            </a:r>
+            <a:r>
+              <a:rPr lang="en-US" altLang="zh-CN" dirty="0"/>
+              <a:t>)</a:t>
+            </a:r>
+          </a:p>
+          <a:p>
+            <a:pPr marL="2114550" lvl="4" indent="-285750">
+              <a:buFont typeface="Arial" panose="020B0604020202020204" pitchFamily="34" charset="0"/>
+              <a:buChar char="•"/>
+            </a:pPr>
+            <a:r>
+              <a:rPr lang="en-US" altLang="zh-CN" dirty="0" err="1">
+                <a:highlight>
+                  <a:srgbClr val="FFFF00"/>
+                </a:highlight>
+              </a:rPr>
+              <a:t>GenerateEntryPrice</a:t>
+            </a:r>
+            <a:r>
+              <a:rPr lang="en-US" altLang="zh-CN" dirty="0">
+                <a:highlight>
+                  <a:srgbClr val="FFFF00"/>
+                </a:highlight>
+              </a:rPr>
+              <a:t>(</a:t>
+            </a:r>
+            <a:r>
+              <a:rPr lang="en-US" altLang="zh-CN" dirty="0" err="1">
+                <a:highlight>
+                  <a:srgbClr val="FFFF00"/>
+                </a:highlight>
+              </a:rPr>
+              <a:t>CurData</a:t>
+            </a:r>
+            <a:r>
+              <a:rPr lang="en-US" altLang="zh-CN" dirty="0">
+                <a:highlight>
+                  <a:srgbClr val="FFFF00"/>
+                </a:highlight>
+              </a:rPr>
+              <a:t>, </a:t>
+            </a:r>
+            <a:r>
+              <a:rPr lang="en-US" altLang="zh-CN" dirty="0" err="1">
+                <a:highlight>
+                  <a:srgbClr val="FFFF00"/>
+                </a:highlight>
+              </a:rPr>
+              <a:t>Stra</a:t>
+            </a:r>
+            <a:r>
+              <a:rPr lang="en-US" altLang="zh-CN" dirty="0">
+                <a:highlight>
+                  <a:srgbClr val="FFFF00"/>
+                </a:highlight>
+              </a:rPr>
+              <a:t>)</a:t>
+            </a:r>
+          </a:p>
+          <a:p>
+            <a:pPr marL="2114550" lvl="4" indent="-285750">
+              <a:buFont typeface="Arial" panose="020B0604020202020204" pitchFamily="34" charset="0"/>
+              <a:buChar char="•"/>
+            </a:pPr>
+            <a:r>
+              <a:rPr lang="en-US" altLang="zh-CN" dirty="0" err="1"/>
+              <a:t>NewTrade</a:t>
+            </a:r>
+            <a:r>
+              <a:rPr lang="en-US" altLang="zh-CN" dirty="0"/>
+              <a:t>() if (</a:t>
+            </a:r>
+            <a:r>
+              <a:rPr lang="en-US" altLang="zh-CN" dirty="0" err="1"/>
+              <a:t>EntryPrice</a:t>
+            </a:r>
+            <a:r>
+              <a:rPr lang="en-US" altLang="zh-CN" dirty="0"/>
+              <a:t>)</a:t>
+            </a:r>
+          </a:p>
+          <a:p>
+            <a:pPr marL="2114550" lvl="4" indent="-285750">
+              <a:buFont typeface="Arial" panose="020B0604020202020204" pitchFamily="34" charset="0"/>
+              <a:buChar char="•"/>
+            </a:pPr>
+            <a:r>
+              <a:rPr lang="en-US" altLang="zh-CN" dirty="0" err="1"/>
+              <a:t>CheckAllTrade</a:t>
+            </a:r>
+            <a:r>
+              <a:rPr lang="en-US" altLang="zh-CN" dirty="0"/>
+              <a:t>()</a:t>
+            </a:r>
+          </a:p>
+          <a:p>
+            <a:pPr marL="2571750" lvl="5" indent="-285750">
+              <a:buFont typeface="Arial" panose="020B0604020202020204" pitchFamily="34" charset="0"/>
+              <a:buChar char="•"/>
+            </a:pPr>
+            <a:r>
+              <a:rPr lang="en-US" altLang="zh-CN" dirty="0" err="1">
+                <a:highlight>
+                  <a:srgbClr val="FFFF00"/>
+                </a:highlight>
+              </a:rPr>
+              <a:t>ReNewAllTrade</a:t>
+            </a:r>
+            <a:r>
+              <a:rPr lang="en-US" altLang="zh-CN" dirty="0">
+                <a:highlight>
+                  <a:srgbClr val="FFFF00"/>
+                </a:highlight>
+              </a:rPr>
+              <a:t>(</a:t>
+            </a:r>
+            <a:r>
+              <a:rPr lang="en-US" altLang="zh-CN" dirty="0" err="1">
+                <a:highlight>
+                  <a:srgbClr val="FFFF00"/>
+                </a:highlight>
+              </a:rPr>
+              <a:t>CurData</a:t>
+            </a:r>
+            <a:r>
+              <a:rPr lang="en-US" altLang="zh-CN" dirty="0">
+                <a:highlight>
+                  <a:srgbClr val="FFFF00"/>
+                </a:highlight>
+              </a:rPr>
+              <a:t>, </a:t>
+            </a:r>
+            <a:r>
+              <a:rPr lang="en-US" altLang="zh-CN" dirty="0" err="1">
+                <a:highlight>
+                  <a:srgbClr val="FFFF00"/>
+                </a:highlight>
+              </a:rPr>
+              <a:t>Stra</a:t>
+            </a:r>
+            <a:r>
+              <a:rPr lang="en-US" altLang="zh-CN" dirty="0">
+                <a:highlight>
+                  <a:srgbClr val="FFFF00"/>
+                </a:highlight>
+              </a:rPr>
+              <a:t>)</a:t>
+            </a:r>
+          </a:p>
+          <a:p>
+            <a:pPr marL="2571750" lvl="5" indent="-285750">
+              <a:buFont typeface="Arial" panose="020B0604020202020204" pitchFamily="34" charset="0"/>
+              <a:buChar char="•"/>
+            </a:pPr>
+            <a:r>
+              <a:rPr lang="en-US" altLang="zh-CN" dirty="0" err="1"/>
+              <a:t>CloseTrade</a:t>
+            </a:r>
+            <a:r>
+              <a:rPr lang="en-US" altLang="zh-CN" dirty="0"/>
+              <a:t>() if (Stop touch)</a:t>
+            </a:r>
+          </a:p>
+          <a:p>
+            <a:pPr marL="2114550" lvl="4" indent="-285750">
+              <a:buFont typeface="Arial" panose="020B0604020202020204" pitchFamily="34" charset="0"/>
+              <a:buChar char="•"/>
+            </a:pPr>
+            <a:r>
+              <a:rPr lang="en-US" altLang="zh-CN" dirty="0" err="1"/>
+              <a:t>CalculateUserAsset</a:t>
+            </a:r>
+            <a:r>
+              <a:rPr lang="en-US" altLang="zh-CN" dirty="0"/>
+              <a:t>()</a:t>
+            </a:r>
+          </a:p>
+          <a:p>
+            <a:pPr marL="685800" lvl="1" indent="-228600" defTabSz="914400">
+              <a:lnSpc>
+                <a:spcPct val="90000"/>
+              </a:lnSpc>
+              <a:spcBef>
+                <a:spcPts val="1000"/>
+              </a:spcBef>
+              <a:buFont typeface="Arial" panose="020B0604020202020204" pitchFamily="34" charset="0"/>
+              <a:buChar char="•"/>
+              <a:defRPr/>
+            </a:pPr>
+            <a:endParaRPr lang="en-US" altLang="zh-CN" sz="3200" dirty="0">
+              <a:solidFill>
+                <a:prstClr val="black"/>
+              </a:solidFill>
+              <a:latin typeface="Calibri" panose="020F0502020204030204"/>
+              <a:ea typeface="等线" panose="02010600030101010101" pitchFamily="2" charset="-122"/>
+            </a:endParaRPr>
           </a:p>
         </p:txBody>
       </p:sp>
     </p:spTree>
     <p:extLst>
       <p:ext uri="{BB962C8B-B14F-4D97-AF65-F5344CB8AC3E}">
-        <p14:creationId xmlns:p14="http://schemas.microsoft.com/office/powerpoint/2010/main" val="1711966303"/>
+        <p14:creationId xmlns:p14="http://schemas.microsoft.com/office/powerpoint/2010/main" val="1563037589"/>
       </p:ext>
     </p:extLst>
   </p:cSld>
@@ -6993,10 +7442,10 @@
       </p:sp>
       <p:sp>
         <p:nvSpPr>
-          <p:cNvPr id="4" name="文本框 3">
+          <p:cNvPr id="5" name="文本框 4">
             <a:extLst>
               <a:ext uri="{FF2B5EF4-FFF2-40B4-BE49-F238E27FC236}">
-                <a16:creationId xmlns:a16="http://schemas.microsoft.com/office/drawing/2014/main" id="{ADA621A2-CAC8-4C88-9AED-8766A9777630}"/>
+                <a16:creationId xmlns:a16="http://schemas.microsoft.com/office/drawing/2014/main" id="{3919AAC9-D388-4525-B1AD-BD82755F9FBC}"/>
               </a:ext>
             </a:extLst>
           </p:cNvPr>
@@ -7005,8 +7454,8 @@
         </p:nvSpPr>
         <p:spPr>
           <a:xfrm>
-            <a:off x="1139894" y="1971726"/>
-            <a:ext cx="5492932" cy="5803640"/>
+            <a:off x="7515361" y="2221708"/>
+            <a:ext cx="4881465" cy="3023905"/>
           </a:xfrm>
           <a:prstGeom prst="rect">
             <a:avLst/>
@@ -7014,67 +7463,18 @@
           <a:noFill/>
         </p:spPr>
         <p:txBody>
-          <a:bodyPr wrap="square" rtlCol="0">
+          <a:bodyPr wrap="none" rtlCol="0">
             <a:spAutoFit/>
           </a:bodyPr>
           <a:lstStyle/>
           <a:p>
-            <a:pPr marL="342900" indent="-342900">
+            <a:pPr marL="285750" indent="-285750">
               <a:buFont typeface="Arial" panose="020B0604020202020204" pitchFamily="34" charset="0"/>
               <a:buChar char="•"/>
             </a:pPr>
             <a:r>
-              <a:rPr lang="en-US" altLang="zh-CN" sz="2000" dirty="0"/>
-              <a:t>Trading/</a:t>
-            </a:r>
-            <a:r>
-              <a:rPr lang="en-US" altLang="zh-CN" sz="2000" dirty="0" err="1"/>
-              <a:t>Backtest</a:t>
-            </a:r>
-            <a:r>
-              <a:rPr lang="en-US" altLang="zh-CN" sz="2000" dirty="0"/>
-              <a:t> Platform</a:t>
-            </a:r>
-          </a:p>
-          <a:p>
-            <a:pPr marL="800100" lvl="1" indent="-342900">
-              <a:buFont typeface="Arial" panose="020B0604020202020204" pitchFamily="34" charset="0"/>
-              <a:buChar char="•"/>
-            </a:pPr>
-            <a:r>
-              <a:rPr lang="en-US" altLang="zh-CN" dirty="0"/>
-              <a:t>Class </a:t>
-            </a:r>
-            <a:r>
-              <a:rPr lang="en-US" altLang="zh-CN" dirty="0" err="1"/>
-              <a:t>DataRepository</a:t>
-            </a:r>
-            <a:endParaRPr lang="en-US" altLang="zh-CN" dirty="0"/>
-          </a:p>
-          <a:p>
-            <a:pPr marL="1257300" lvl="2" indent="-342900">
-              <a:buFont typeface="Arial" panose="020B0604020202020204" pitchFamily="34" charset="0"/>
-              <a:buChar char="•"/>
-            </a:pPr>
-            <a:r>
-              <a:rPr lang="en-US" altLang="zh-CN" dirty="0"/>
-              <a:t>List(</a:t>
-            </a:r>
-            <a:r>
-              <a:rPr lang="en-US" altLang="zh-CN" dirty="0" err="1"/>
-              <a:t>kline</a:t>
-            </a:r>
-            <a:r>
-              <a:rPr lang="en-US" altLang="zh-CN" dirty="0"/>
-              <a:t>(</a:t>
-            </a:r>
-            <a:r>
-              <a:rPr lang="en-US" altLang="zh-CN" dirty="0" err="1"/>
-              <a:t>target#i</a:t>
-            </a:r>
-            <a:r>
-              <a:rPr lang="en-US" altLang="zh-CN" dirty="0"/>
-              <a:t>))</a:t>
+              <a:rPr lang="en-US" altLang="zh-Hans-HK" dirty="0"/>
+              <a:t>Strategy(Learning)</a:t>
             </a:r>
           </a:p>
           <a:p>
@@ -7083,130 +7483,12 @@
               <a:buChar char="•"/>
             </a:pPr>
             <a:r>
-              <a:rPr lang="en-US" altLang="zh-CN" dirty="0"/>
-              <a:t>Class Trade</a:t>
+              <a:rPr lang="en-US" altLang="zh-Hans-HK" dirty="0"/>
+              <a:t>Strategy</a:t>
             </a:r>
           </a:p>
           <a:p>
             <a:pPr marL="1200150" lvl="2" indent="-285750">
-              <a:buFont typeface="Arial" panose="020B0604020202020204" pitchFamily="34" charset="0"/>
-              <a:buChar char="•"/>
-            </a:pPr>
-            <a:r>
-              <a:rPr lang="en-US" altLang="zh-CN" sz="1600" dirty="0"/>
-              <a:t>Buy/Sold</a:t>
-            </a:r>
-          </a:p>
-          <a:p>
-            <a:pPr marL="1200150" lvl="2" indent="-285750">
-              <a:buFont typeface="Arial" panose="020B0604020202020204" pitchFamily="34" charset="0"/>
-              <a:buChar char="•"/>
-            </a:pPr>
-            <a:r>
-              <a:rPr lang="en-US" altLang="zh-CN" sz="1600" dirty="0"/>
-              <a:t>Stop-profit price/Stop limit</a:t>
-            </a:r>
-          </a:p>
-          <a:p>
-            <a:pPr marL="1200150" lvl="2" indent="-285750">
-              <a:buFont typeface="Arial" panose="020B0604020202020204" pitchFamily="34" charset="0"/>
-              <a:buChar char="•"/>
-            </a:pPr>
-            <a:r>
-              <a:rPr lang="en-US" altLang="zh-CN" sz="1600" dirty="0"/>
-              <a:t>Commissions/stamp</a:t>
-            </a:r>
-          </a:p>
-          <a:p>
-            <a:pPr marL="742950" lvl="1" indent="-285750">
-              <a:buFont typeface="Arial" panose="020B0604020202020204" pitchFamily="34" charset="0"/>
-              <a:buChar char="•"/>
-            </a:pPr>
-            <a:r>
-              <a:rPr lang="en-US" altLang="zh-CN" dirty="0"/>
-              <a:t>User Asset</a:t>
-            </a:r>
-          </a:p>
-          <a:p>
-            <a:pPr marL="1200150" lvl="2" indent="-285750">
-              <a:buFont typeface="Arial" panose="020B0604020202020204" pitchFamily="34" charset="0"/>
-              <a:buChar char="•"/>
-            </a:pPr>
-            <a:r>
-              <a:rPr lang="en-US" altLang="zh-CN" sz="1600" dirty="0"/>
-              <a:t>Quantity</a:t>
-            </a:r>
-          </a:p>
-          <a:p>
-            <a:pPr marL="1200150" lvl="2" indent="-285750">
-              <a:buFont typeface="Arial" panose="020B0604020202020204" pitchFamily="34" charset="0"/>
-              <a:buChar char="•"/>
-            </a:pPr>
-            <a:r>
-              <a:rPr lang="en-US" altLang="zh-CN" sz="1600" dirty="0"/>
-              <a:t>Profit</a:t>
-            </a:r>
-          </a:p>
-          <a:p>
-            <a:pPr marL="742950" lvl="1" indent="-285750">
-              <a:buFont typeface="Arial" panose="020B0604020202020204" pitchFamily="34" charset="0"/>
-              <a:buChar char="•"/>
-            </a:pPr>
-            <a:r>
-              <a:rPr lang="en-US" altLang="zh-CN" dirty="0" err="1"/>
-              <a:t>RunSimulation</a:t>
-            </a:r>
-            <a:r>
-              <a:rPr lang="en-US" altLang="zh-CN" dirty="0"/>
-              <a:t>()/</a:t>
-            </a:r>
-            <a:r>
-              <a:rPr lang="en-US" altLang="zh-CN" dirty="0" err="1"/>
-              <a:t>RunRealTime</a:t>
-            </a:r>
-            <a:r>
-              <a:rPr lang="en-US" altLang="zh-CN" dirty="0"/>
-              <a:t>()</a:t>
-            </a:r>
-          </a:p>
-          <a:p>
-            <a:pPr marL="1200150" lvl="2" indent="-285750">
-              <a:buFont typeface="Arial" panose="020B0604020202020204" pitchFamily="34" charset="0"/>
-              <a:buChar char="•"/>
-            </a:pPr>
-            <a:r>
-              <a:rPr lang="en-US" altLang="zh-CN" dirty="0" err="1"/>
-              <a:t>MainLoop</a:t>
-            </a:r>
-            <a:r>
-              <a:rPr lang="en-US" altLang="zh-CN" dirty="0"/>
-              <a:t>(daily)</a:t>
-            </a:r>
-          </a:p>
-          <a:p>
-            <a:pPr marL="1657350" lvl="3" indent="-285750">
-              <a:buFont typeface="Arial" panose="020B0604020202020204" pitchFamily="34" charset="0"/>
-              <a:buChar char="•"/>
-            </a:pPr>
-            <a:r>
-              <a:rPr lang="en-US" altLang="zh-CN" dirty="0" err="1"/>
-              <a:t>TradeLoop</a:t>
-            </a:r>
-            <a:r>
-              <a:rPr lang="en-US" altLang="zh-CN" dirty="0"/>
-              <a:t>(</a:t>
-            </a:r>
-            <a:r>
-              <a:rPr lang="en-US" altLang="zh-CN" dirty="0" err="1"/>
-              <a:t>PerMinute</a:t>
-            </a:r>
-            <a:r>
-              <a:rPr lang="en-US" altLang="zh-CN" dirty="0"/>
-              <a:t>)</a:t>
-            </a:r>
-          </a:p>
-          <a:p>
-            <a:pPr marL="2114550" lvl="4" indent="-285750">
               <a:buFont typeface="Arial" panose="020B0604020202020204" pitchFamily="34" charset="0"/>
               <a:buChar char="•"/>
             </a:pPr>
@@ -7260,43 +7542,7 @@
             </a:r>
           </a:p>
           <a:p>
-            <a:pPr marL="2114550" lvl="4" indent="-285750">
-              <a:buFont typeface="Arial" panose="020B0604020202020204" pitchFamily="34" charset="0"/>
-              <a:buChar char="•"/>
-            </a:pPr>
-            <a:r>
-              <a:rPr lang="en-US" altLang="zh-CN" dirty="0" err="1"/>
-              <a:t>NewTrade</a:t>
-            </a:r>
-            <a:r>
-              <a:rPr lang="en-US" altLang="zh-CN" dirty="0"/>
-              <a:t>() if (</a:t>
-            </a:r>
-            <a:r>
-              <a:rPr lang="en-US" altLang="zh-CN" dirty="0" err="1"/>
-              <a:t>EntryPrice</a:t>
-            </a:r>
-            <a:r>
-              <a:rPr lang="en-US" altLang="zh-CN" dirty="0"/>
-              <a:t>)</a:t>
-            </a:r>
-          </a:p>
-          <a:p>
-            <a:pPr marL="2114550" lvl="4" indent="-285750">
-              <a:buFont typeface="Arial" panose="020B0604020202020204" pitchFamily="34" charset="0"/>
-              <a:buChar char="•"/>
-            </a:pPr>
-            <a:r>
-              <a:rPr lang="en-US" altLang="zh-CN" dirty="0" err="1"/>
-              <a:t>CheckAllTrade</a:t>
-            </a:r>
-            <a:r>
-              <a:rPr lang="en-US" altLang="zh-CN" dirty="0"/>
-              <a:t>()</a:t>
-            </a:r>
-          </a:p>
-          <a:p>
-            <a:pPr marL="2571750" lvl="5" indent="-285750">
+            <a:pPr marL="1200150" lvl="2" indent="-285750">
               <a:buFont typeface="Arial" panose="020B0604020202020204" pitchFamily="34" charset="0"/>
               <a:buChar char="•"/>
             </a:pPr>
@@ -7350,59 +7596,78 @@
             </a:r>
           </a:p>
           <a:p>
-            <a:pPr marL="2571750" lvl="5" indent="-285750">
+            <a:pPr marL="742950" lvl="1" indent="-285750">
               <a:buFont typeface="Arial" panose="020B0604020202020204" pitchFamily="34" charset="0"/>
               <a:buChar char="•"/>
             </a:pPr>
             <a:r>
-              <a:rPr lang="en-US" altLang="zh-CN" dirty="0" err="1"/>
-              <a:t>CloseTrade</a:t>
-            </a:r>
-            <a:r>
               <a:rPr lang="en-US" altLang="zh-CN" dirty="0"/>
-              <a:t>() if (Stop touch)</a:t>
-            </a:r>
-          </a:p>
-          <a:p>
-            <a:pPr marL="2114550" lvl="4" indent="-285750">
+              <a:t>Evaluation</a:t>
+            </a:r>
+          </a:p>
+          <a:p>
+            <a:pPr marL="1200150" lvl="2" indent="-285750">
               <a:buFont typeface="Arial" panose="020B0604020202020204" pitchFamily="34" charset="0"/>
               <a:buChar char="•"/>
             </a:pPr>
             <a:r>
               <a:rPr lang="en-US" altLang="zh-CN" dirty="0" err="1"/>
-              <a:t>CalculateUserAsset</a:t>
-            </a:r>
-            <a:r>
-              <a:rPr lang="en-US" altLang="zh-CN" dirty="0"/>
-              <a:t>()</a:t>
-            </a:r>
-          </a:p>
-          <a:p>
-            <a:pPr marL="685800" lvl="1" indent="-228600" defTabSz="914400">
-              <a:lnSpc>
-                <a:spcPct val="90000"/>
-              </a:lnSpc>
-              <a:spcBef>
-                <a:spcPts val="1000"/>
-              </a:spcBef>
+              <a:t>CostFunction</a:t>
+            </a:r>
+            <a:endParaRPr lang="en-US" altLang="zh-CN" dirty="0"/>
+          </a:p>
+          <a:p>
+            <a:pPr marL="1200150" lvl="2" indent="-285750">
               <a:buFont typeface="Arial" panose="020B0604020202020204" pitchFamily="34" charset="0"/>
               <a:buChar char="•"/>
-              <a:defRPr/>
             </a:pPr>
-            <a:endParaRPr lang="en-US" altLang="zh-CN" sz="3200" dirty="0">
-              <a:solidFill>
-                <a:prstClr val="black"/>
-              </a:solidFill>
-              <a:latin typeface="Calibri" panose="020F0502020204030204"/>
-              <a:ea typeface="等线" panose="02010600030101010101" pitchFamily="2" charset="-122"/>
-            </a:endParaRPr>
+            <a:r>
+              <a:rPr lang="en-US" altLang="zh-CN" dirty="0"/>
+              <a:t>Performance</a:t>
+            </a:r>
+          </a:p>
+          <a:p>
+            <a:pPr marL="1200150" lvl="2" indent="-285750">
+              <a:buFont typeface="Arial" panose="020B0604020202020204" pitchFamily="34" charset="0"/>
+              <a:buChar char="•"/>
+            </a:pPr>
+            <a:r>
+              <a:rPr lang="en-US" altLang="zh-CN" dirty="0"/>
+              <a:t>Evaluate()</a:t>
+            </a:r>
+          </a:p>
+          <a:p>
+            <a:pPr marL="742950" lvl="1" indent="-285750">
+              <a:buFont typeface="Arial" panose="020B0604020202020204" pitchFamily="34" charset="0"/>
+              <a:buChar char="•"/>
+            </a:pPr>
+            <a:r>
+              <a:rPr lang="en-US" altLang="zh-CN" dirty="0"/>
+              <a:t>Learning</a:t>
+            </a:r>
+          </a:p>
+          <a:p>
+            <a:pPr marL="1200150" lvl="2" indent="-285750">
+              <a:buFont typeface="Arial" panose="020B0604020202020204" pitchFamily="34" charset="0"/>
+              <a:buChar char="•"/>
+            </a:pPr>
+            <a:r>
+              <a:rPr lang="en-US" altLang="zh-CN" dirty="0">
+                <a:solidFill>
+                  <a:schemeClr val="bg1">
+                    <a:lumMod val="75000"/>
+                  </a:schemeClr>
+                </a:solidFill>
+              </a:rPr>
+              <a:t>Add machine learning module here</a:t>
+            </a:r>
           </a:p>
         </p:txBody>
       </p:sp>
     </p:spTree>
     <p:extLst>
       <p:ext uri="{BB962C8B-B14F-4D97-AF65-F5344CB8AC3E}">
-        <p14:creationId xmlns:p14="http://schemas.microsoft.com/office/powerpoint/2010/main" val="1563037589"/>
+        <p14:creationId xmlns:p14="http://schemas.microsoft.com/office/powerpoint/2010/main" val="4037334084"/>
       </p:ext>
     </p:extLst>
   </p:cSld>
@@ -7434,289 +7699,6 @@
           <p:cNvPr id="2" name="标题 1">
             <a:extLst>
               <a:ext uri="{FF2B5EF4-FFF2-40B4-BE49-F238E27FC236}">
-                <a16:creationId xmlns:a16="http://schemas.microsoft.com/office/drawing/2014/main" id="{F532A3AA-81D1-4278-BCDE-728827FF64A8}"/>
-              </a:ext>
-            </a:extLst>
-          </p:cNvPr>
-          <p:cNvSpPr>
-            <a:spLocks noGrp="1"/>
-          </p:cNvSpPr>
-          <p:nvPr>
-            <p:ph type="title"/>
-          </p:nvPr>
-        </p:nvSpPr>
-        <p:spPr/>
-        <p:txBody>
-          <a:bodyPr/>
-          <a:lstStyle/>
-          <a:p>
-            <a:r>
-              <a:rPr lang="en-US" altLang="zh-CN" dirty="0"/>
-              <a:t>Data structure</a:t>
-            </a:r>
-            <a:endParaRPr lang="zh-Hans-HK" altLang="en-US" dirty="0"/>
-          </a:p>
-        </p:txBody>
-      </p:sp>
-      <p:sp>
-        <p:nvSpPr>
-          <p:cNvPr id="5" name="文本框 4">
-            <a:extLst>
-              <a:ext uri="{FF2B5EF4-FFF2-40B4-BE49-F238E27FC236}">
-                <a16:creationId xmlns:a16="http://schemas.microsoft.com/office/drawing/2014/main" id="{3919AAC9-D388-4525-B1AD-BD82755F9FBC}"/>
-              </a:ext>
-            </a:extLst>
-          </p:cNvPr>
-          <p:cNvSpPr txBox="1"/>
-          <p:nvPr/>
-        </p:nvSpPr>
-        <p:spPr>
-          <a:xfrm>
-            <a:off x="7515361" y="2221708"/>
-            <a:ext cx="4881465" cy="3023905"/>
-          </a:xfrm>
-          <a:prstGeom prst="rect">
-            <a:avLst/>
-          </a:prstGeom>
-          <a:noFill/>
-        </p:spPr>
-        <p:txBody>
-          <a:bodyPr wrap="none" rtlCol="0">
-            <a:spAutoFit/>
-          </a:bodyPr>
-          <a:lstStyle/>
-          <a:p>
-            <a:pPr marL="285750" indent="-285750">
-              <a:buFont typeface="Arial" panose="020B0604020202020204" pitchFamily="34" charset="0"/>
-              <a:buChar char="•"/>
-            </a:pPr>
-            <a:r>
-              <a:rPr lang="en-US" altLang="zh-Hans-HK" dirty="0"/>
-              <a:t>Strategy(Learning)</a:t>
-            </a:r>
-          </a:p>
-          <a:p>
-            <a:pPr marL="742950" lvl="1" indent="-285750">
-              <a:buFont typeface="Arial" panose="020B0604020202020204" pitchFamily="34" charset="0"/>
-              <a:buChar char="•"/>
-            </a:pPr>
-            <a:r>
-              <a:rPr lang="en-US" altLang="zh-Hans-HK" dirty="0"/>
-              <a:t>Strategy</a:t>
-            </a:r>
-          </a:p>
-          <a:p>
-            <a:pPr marL="1200150" lvl="2" indent="-285750">
-              <a:buFont typeface="Arial" panose="020B0604020202020204" pitchFamily="34" charset="0"/>
-              <a:buChar char="•"/>
-            </a:pPr>
-            <a:r>
-              <a:rPr lang="en-US" altLang="zh-CN" dirty="0" err="1">
-                <a:highlight>
-                  <a:srgbClr val="FFFF00"/>
-                </a:highlight>
-              </a:rPr>
-              <a:t>GenerateEntryPrice</a:t>
-            </a:r>
-            <a:r>
-              <a:rPr lang="en-US" altLang="zh-CN" dirty="0">
-                <a:highlight>
-                  <a:srgbClr val="FFFF00"/>
-                </a:highlight>
-              </a:rPr>
-              <a:t>(</a:t>
-            </a:r>
-            <a:r>
-              <a:rPr lang="en-US" altLang="zh-CN" dirty="0" err="1">
-                <a:highlight>
-                  <a:srgbClr val="FFFF00"/>
-                </a:highlight>
-              </a:rPr>
-              <a:t>CurData</a:t>
-            </a:r>
-            <a:r>
-              <a:rPr lang="en-US" altLang="zh-CN" dirty="0">
-                <a:highlight>
-                  <a:srgbClr val="FFFF00"/>
-                </a:highlight>
-              </a:rPr>
-              <a:t>, </a:t>
-            </a:r>
-            <a:r>
-              <a:rPr lang="en-US" altLang="zh-CN" dirty="0" err="1">
-                <a:highlight>
-                  <a:srgbClr val="FFFF00"/>
-                </a:highlight>
-              </a:rPr>
-              <a:t>Stra</a:t>
-            </a:r>
-            <a:r>
-              <a:rPr lang="en-US" altLang="zh-CN" dirty="0">
-                <a:highlight>
-                  <a:srgbClr val="FFFF00"/>
-                </a:highlight>
-              </a:rPr>
-              <a:t>)</a:t>
-            </a:r>
-          </a:p>
-          <a:p>
-            <a:pPr marL="1200150" lvl="2" indent="-285750">
-              <a:buFont typeface="Arial" panose="020B0604020202020204" pitchFamily="34" charset="0"/>
-              <a:buChar char="•"/>
-            </a:pPr>
-            <a:r>
-              <a:rPr lang="en-US" altLang="zh-CN" dirty="0" err="1">
-                <a:highlight>
-                  <a:srgbClr val="FFFF00"/>
-                </a:highlight>
-              </a:rPr>
-              <a:t>ReNewAllTrade</a:t>
-            </a:r>
-            <a:r>
-              <a:rPr lang="en-US" altLang="zh-CN" dirty="0">
-                <a:highlight>
-                  <a:srgbClr val="FFFF00"/>
-                </a:highlight>
-              </a:rPr>
-              <a:t>(</a:t>
-            </a:r>
-            <a:r>
-              <a:rPr lang="en-US" altLang="zh-CN" dirty="0" err="1">
-                <a:highlight>
-                  <a:srgbClr val="FFFF00"/>
-                </a:highlight>
-              </a:rPr>
-              <a:t>CurData</a:t>
-            </a:r>
-            <a:r>
-              <a:rPr lang="en-US" altLang="zh-CN" dirty="0">
-                <a:highlight>
-                  <a:srgbClr val="FFFF00"/>
-                </a:highlight>
-              </a:rPr>
-              <a:t>, </a:t>
-            </a:r>
-            <a:r>
-              <a:rPr lang="en-US" altLang="zh-CN" dirty="0" err="1">
-                <a:highlight>
-                  <a:srgbClr val="FFFF00"/>
-                </a:highlight>
-              </a:rPr>
-              <a:t>Stra</a:t>
-            </a:r>
-            <a:r>
-              <a:rPr lang="en-US" altLang="zh-CN" dirty="0">
-                <a:highlight>
-                  <a:srgbClr val="FFFF00"/>
-                </a:highlight>
-              </a:rPr>
-              <a:t>)</a:t>
-            </a:r>
-          </a:p>
-          <a:p>
-            <a:pPr marL="742950" lvl="1" indent="-285750">
-              <a:buFont typeface="Arial" panose="020B0604020202020204" pitchFamily="34" charset="0"/>
-              <a:buChar char="•"/>
-            </a:pPr>
-            <a:r>
-              <a:rPr lang="en-US" altLang="zh-CN" dirty="0"/>
-              <a:t>Evaluation</a:t>
-            </a:r>
-          </a:p>
-          <a:p>
-            <a:pPr marL="1200150" lvl="2" indent="-285750">
-              <a:buFont typeface="Arial" panose="020B0604020202020204" pitchFamily="34" charset="0"/>
-              <a:buChar char="•"/>
-            </a:pPr>
-            <a:r>
-              <a:rPr lang="en-US" altLang="zh-CN" dirty="0" err="1"/>
-              <a:t>CostFunction</a:t>
-            </a:r>
-            <a:endParaRPr lang="en-US" altLang="zh-CN" dirty="0"/>
-          </a:p>
-          <a:p>
-            <a:pPr marL="1200150" lvl="2" indent="-285750">
-              <a:buFont typeface="Arial" panose="020B0604020202020204" pitchFamily="34" charset="0"/>
-              <a:buChar char="•"/>
-            </a:pPr>
-            <a:r>
-              <a:rPr lang="en-US" altLang="zh-CN" dirty="0"/>
-              <a:t>Performance</a:t>
-            </a:r>
-          </a:p>
-          <a:p>
-            <a:pPr marL="1200150" lvl="2" indent="-285750">
-              <a:buFont typeface="Arial" panose="020B0604020202020204" pitchFamily="34" charset="0"/>
-              <a:buChar char="•"/>
-            </a:pPr>
-            <a:r>
-              <a:rPr lang="en-US" altLang="zh-CN" dirty="0"/>
-              <a:t>Evaluate()</a:t>
-            </a:r>
-          </a:p>
-          <a:p>
-            <a:pPr marL="742950" lvl="1" indent="-285750">
-              <a:buFont typeface="Arial" panose="020B0604020202020204" pitchFamily="34" charset="0"/>
-              <a:buChar char="•"/>
-            </a:pPr>
-            <a:r>
-              <a:rPr lang="en-US" altLang="zh-CN" dirty="0"/>
-              <a:t>Learning</a:t>
-            </a:r>
-          </a:p>
-          <a:p>
-            <a:pPr marL="1200150" lvl="2" indent="-285750">
-              <a:buFont typeface="Arial" panose="020B0604020202020204" pitchFamily="34" charset="0"/>
-              <a:buChar char="•"/>
-            </a:pPr>
-            <a:r>
-              <a:rPr lang="en-US" altLang="zh-CN" dirty="0">
-                <a:solidFill>
-                  <a:schemeClr val="bg1">
-                    <a:lumMod val="75000"/>
-                  </a:schemeClr>
-                </a:solidFill>
-              </a:rPr>
-              <a:t>Add machine learning module here</a:t>
-            </a:r>
-          </a:p>
-        </p:txBody>
-      </p:sp>
-    </p:spTree>
-    <p:extLst>
-      <p:ext uri="{BB962C8B-B14F-4D97-AF65-F5344CB8AC3E}">
-        <p14:creationId xmlns:p14="http://schemas.microsoft.com/office/powerpoint/2010/main" val="4037334084"/>
-      </p:ext>
-    </p:extLst>
-  </p:cSld>
-  <p:clrMapOvr>
-    <a:masterClrMapping/>
-  </p:clrMapOvr>
-</p:sld>
-</file>
-
-<file path=ppt/slides/slide7.xml><?xml version="1.0" encoding="utf-8"?>
-<p:sld xmlns:a="http://schemas.openxmlformats.org/drawingml/2006/main" xmlns:r="http://schemas.openxmlformats.org/officeDocument/2006/relationships" xmlns:p="http://schemas.openxmlformats.org/presentationml/2006/main">
-  <p:cSld>
-    <p:spTree>
-      <p:nvGrpSpPr>
-        <p:cNvPr id="1" name=""/>
-        <p:cNvGrpSpPr/>
-        <p:nvPr/>
-      </p:nvGrpSpPr>
-      <p:grpSpPr>
-        <a:xfrm>
-          <a:off x="0" y="0"/>
-          <a:ext cx="0" cy="0"/>
-          <a:chOff x="0" y="0"/>
-          <a:chExt cx="0" cy="0"/>
-        </a:xfrm>
-      </p:grpSpPr>
-      <p:sp>
-        <p:nvSpPr>
-          <p:cNvPr id="2" name="标题 1">
-            <a:extLst>
-              <a:ext uri="{FF2B5EF4-FFF2-40B4-BE49-F238E27FC236}">
                 <a16:creationId xmlns:a16="http://schemas.microsoft.com/office/drawing/2014/main" id="{0ED4C7F3-B72A-4B22-899E-40CDFEF6D3FB}"/>
               </a:ext>
             </a:extLst>
@@ -7770,6 +7752,9 @@
               <a:rPr lang="en-US" altLang="zh-Hans-HK" dirty="0" err="1"/>
               <a:t>FutuOpenAPI</a:t>
             </a:r>
+            <a:endParaRPr lang="en-US" altLang="zh-Hans-HK" dirty="0"/>
+          </a:p>
+          <a:p>
             <a:endParaRPr lang="zh-Hans-HK" altLang="en-US" dirty="0"/>
           </a:p>
         </p:txBody>
@@ -7787,7 +7772,7 @@
 </p:sld>
 </file>
 
-<file path=ppt/slides/slide8.xml><?xml version="1.0" encoding="utf-8"?>
+<file path=ppt/slides/slide7.xml><?xml version="1.0" encoding="utf-8"?>
 <p:sld xmlns:a="http://schemas.openxmlformats.org/drawingml/2006/main" xmlns:r="http://schemas.openxmlformats.org/officeDocument/2006/relationships" xmlns:p="http://schemas.openxmlformats.org/presentationml/2006/main">
   <p:cSld>
     <p:spTree>
